--- a/slides/SPF1_talk_v2.pptx
+++ b/slides/SPF1_talk_v2.pptx
@@ -10516,34 +10516,6 @@
           <a:chExt cx="0" cy="0"/>
         </a:xfrm>
       </p:grpSpPr>
-      <p:sp>
-        <p:nvSpPr>
-          <p:cNvPr id="8" name="Title 1"/>
-          <p:cNvSpPr>
-            <a:spLocks noGrp="1"/>
-          </p:cNvSpPr>
-          <p:nvPr>
-            <p:ph type="title"/>
-          </p:nvPr>
-        </p:nvSpPr>
-        <p:spPr>
-          <a:xfrm>
-            <a:off x="457200" y="31458"/>
-            <a:ext cx="8229600" cy="1143000"/>
-          </a:xfrm>
-        </p:spPr>
-        <p:txBody>
-          <a:bodyPr/>
-          <a:lstStyle/>
-          <a:p>
-            <a:r>
-              <a:rPr lang="en-US" dirty="0" smtClean="0"/>
-              <a:t>Critical Core Mass</a:t>
-            </a:r>
-            <a:endParaRPr lang="en-US" dirty="0"/>
-          </a:p>
-        </p:txBody>
-      </p:sp>
       <p:pic>
         <p:nvPicPr>
           <p:cNvPr id="7" name="Picture 6" descr="Mc_vs_a_poly_real_exolunch.pdf"/>
@@ -10566,7 +10538,7 @@
         </p:blipFill>
         <p:spPr>
           <a:xfrm>
-            <a:off x="1147713" y="1242008"/>
+            <a:off x="1147713" y="1377108"/>
             <a:ext cx="6864688" cy="5161420"/>
           </a:xfrm>
           <a:prstGeom prst="rect">
@@ -10582,7 +10554,7 @@
         </p:nvSpPr>
         <p:spPr>
           <a:xfrm>
-            <a:off x="1269317" y="5984414"/>
+            <a:off x="1269317" y="6092494"/>
             <a:ext cx="2797685" cy="338554"/>
           </a:xfrm>
           <a:prstGeom prst="rect">
@@ -10644,7 +10616,7 @@
         </p:nvSpPr>
         <p:spPr>
           <a:xfrm>
-            <a:off x="5334192" y="6059088"/>
+            <a:off x="5334192" y="6194188"/>
             <a:ext cx="2782215" cy="307777"/>
           </a:xfrm>
           <a:prstGeom prst="rect">
@@ -10690,6 +10662,151 @@
           </a:p>
         </p:txBody>
       </p:sp>
+      <p:sp>
+        <p:nvSpPr>
+          <p:cNvPr id="9" name="Title 1"/>
+          <p:cNvSpPr>
+            <a:spLocks noGrp="1"/>
+          </p:cNvSpPr>
+          <p:nvPr>
+            <p:ph type="title"/>
+          </p:nvPr>
+        </p:nvSpPr>
+        <p:spPr>
+          <a:xfrm>
+            <a:off x="457200" y="166558"/>
+            <a:ext cx="8229600" cy="1143000"/>
+          </a:xfrm>
+        </p:spPr>
+        <p:txBody>
+          <a:bodyPr>
+            <a:normAutofit/>
+          </a:bodyPr>
+          <a:lstStyle/>
+          <a:p>
+            <a:r>
+              <a:rPr lang="en-US" sz="3200" dirty="0" smtClean="0"/>
+              <a:t>Variations in       due to non-ideal EOS effects </a:t>
+            </a:r>
+            <a:r>
+              <a:rPr lang="en-US" sz="3200" dirty="0" smtClean="0">
+                <a:solidFill>
+                  <a:srgbClr val="FFFF00"/>
+                </a:solidFill>
+              </a:rPr>
+              <a:t>INCREASE</a:t>
+            </a:r>
+            <a:r>
+              <a:rPr lang="en-US" sz="3200" dirty="0" smtClean="0"/>
+              <a:t> </a:t>
+            </a:r>
+            <a:r>
+              <a:rPr lang="en-US" sz="3200" dirty="0" err="1" smtClean="0"/>
+              <a:t>M</a:t>
+            </a:r>
+            <a:r>
+              <a:rPr lang="en-US" sz="3200" baseline="-25000" dirty="0" err="1" smtClean="0"/>
+              <a:t>crit</a:t>
+            </a:r>
+            <a:endParaRPr lang="en-US" sz="3200" dirty="0"/>
+          </a:p>
+        </p:txBody>
+      </p:sp>
+      <p:grpSp>
+        <p:nvGrpSpPr>
+          <p:cNvPr id="12" name="Group 11"/>
+          <p:cNvGrpSpPr/>
+          <p:nvPr/>
+        </p:nvGrpSpPr>
+        <p:grpSpPr>
+          <a:xfrm>
+            <a:off x="3027885" y="393744"/>
+            <a:ext cx="584168" cy="450291"/>
+            <a:chOff x="3046593" y="236149"/>
+            <a:chExt cx="584168" cy="450291"/>
+          </a:xfrm>
+        </p:grpSpPr>
+        <p:sp>
+          <p:nvSpPr>
+            <p:cNvPr id="13" name="Isosceles Triangle 12"/>
+            <p:cNvSpPr/>
+            <p:nvPr/>
+          </p:nvSpPr>
+          <p:spPr>
+            <a:xfrm>
+              <a:off x="3046593" y="236149"/>
+              <a:ext cx="313050" cy="288853"/>
+            </a:xfrm>
+            <a:prstGeom prst="triangle">
+              <a:avLst/>
+            </a:prstGeom>
+            <a:noFill/>
+            <a:ln w="38100">
+              <a:solidFill>
+                <a:schemeClr val="tx1"/>
+              </a:solidFill>
+            </a:ln>
+            <a:scene3d>
+              <a:camera prst="orthographicFront">
+                <a:rot lat="10800000" lon="0" rev="0"/>
+              </a:camera>
+              <a:lightRig rig="threePt" dir="t"/>
+            </a:scene3d>
+          </p:spPr>
+          <p:style>
+            <a:lnRef idx="1">
+              <a:schemeClr val="accent1"/>
+            </a:lnRef>
+            <a:fillRef idx="3">
+              <a:schemeClr val="accent1"/>
+            </a:fillRef>
+            <a:effectRef idx="2">
+              <a:schemeClr val="accent1"/>
+            </a:effectRef>
+            <a:fontRef idx="minor">
+              <a:schemeClr val="lt1"/>
+            </a:fontRef>
+          </p:style>
+          <p:txBody>
+            <a:bodyPr rtlCol="0" anchor="ctr"/>
+            <a:lstStyle/>
+            <a:p>
+              <a:pPr algn="ctr"/>
+              <a:endParaRPr lang="en-US"/>
+            </a:p>
+          </p:txBody>
+        </p:sp>
+        <p:sp>
+          <p:nvSpPr>
+            <p:cNvPr id="14" name="TextBox 13"/>
+            <p:cNvSpPr txBox="1"/>
+            <p:nvPr/>
+          </p:nvSpPr>
+          <p:spPr>
+            <a:xfrm>
+              <a:off x="3224084" y="378663"/>
+              <a:ext cx="406677" cy="307777"/>
+            </a:xfrm>
+            <a:prstGeom prst="rect">
+              <a:avLst/>
+            </a:prstGeom>
+            <a:noFill/>
+          </p:spPr>
+          <p:txBody>
+            <a:bodyPr wrap="square" rtlCol="0">
+              <a:spAutoFit/>
+            </a:bodyPr>
+            <a:lstStyle/>
+            <a:p>
+              <a:r>
+                <a:rPr lang="en-US" sz="1400" dirty="0" smtClean="0"/>
+                <a:t>ad</a:t>
+              </a:r>
+              <a:endParaRPr lang="en-US" sz="1400" dirty="0"/>
+            </a:p>
+          </p:txBody>
+        </p:sp>
+      </p:grpSp>
     </p:spTree>
     <p:extLst>
       <p:ext uri="{BB962C8B-B14F-4D97-AF65-F5344CB8AC3E}">

--- a/slides/SPF1_talk_v2.pptx
+++ b/slides/SPF1_talk_v2.pptx
@@ -5,37 +5,38 @@
     <p:sldMasterId id="2147483648" r:id="rId1"/>
   </p:sldMasterIdLst>
   <p:notesMasterIdLst>
-    <p:notesMasterId r:id="rId27"/>
+    <p:notesMasterId r:id="rId28"/>
   </p:notesMasterIdLst>
   <p:handoutMasterIdLst>
-    <p:handoutMasterId r:id="rId28"/>
+    <p:handoutMasterId r:id="rId29"/>
   </p:handoutMasterIdLst>
   <p:sldIdLst>
     <p:sldId id="256" r:id="rId2"/>
-    <p:sldId id="305" r:id="rId3"/>
-    <p:sldId id="306" r:id="rId4"/>
-    <p:sldId id="307" r:id="rId5"/>
-    <p:sldId id="257" r:id="rId6"/>
-    <p:sldId id="270" r:id="rId7"/>
-    <p:sldId id="285" r:id="rId8"/>
-    <p:sldId id="258" r:id="rId9"/>
-    <p:sldId id="276" r:id="rId10"/>
-    <p:sldId id="277" r:id="rId11"/>
-    <p:sldId id="274" r:id="rId12"/>
-    <p:sldId id="259" r:id="rId13"/>
-    <p:sldId id="304" r:id="rId14"/>
-    <p:sldId id="291" r:id="rId15"/>
-    <p:sldId id="292" r:id="rId16"/>
-    <p:sldId id="293" r:id="rId17"/>
-    <p:sldId id="303" r:id="rId18"/>
-    <p:sldId id="302" r:id="rId19"/>
-    <p:sldId id="265" r:id="rId20"/>
-    <p:sldId id="296" r:id="rId21"/>
-    <p:sldId id="297" r:id="rId22"/>
-    <p:sldId id="298" r:id="rId23"/>
-    <p:sldId id="299" r:id="rId24"/>
-    <p:sldId id="300" r:id="rId25"/>
-    <p:sldId id="301" r:id="rId26"/>
+    <p:sldId id="306" r:id="rId3"/>
+    <p:sldId id="307" r:id="rId4"/>
+    <p:sldId id="257" r:id="rId5"/>
+    <p:sldId id="270" r:id="rId6"/>
+    <p:sldId id="285" r:id="rId7"/>
+    <p:sldId id="258" r:id="rId8"/>
+    <p:sldId id="276" r:id="rId9"/>
+    <p:sldId id="277" r:id="rId10"/>
+    <p:sldId id="274" r:id="rId11"/>
+    <p:sldId id="259" r:id="rId12"/>
+    <p:sldId id="304" r:id="rId13"/>
+    <p:sldId id="291" r:id="rId14"/>
+    <p:sldId id="292" r:id="rId15"/>
+    <p:sldId id="310" r:id="rId16"/>
+    <p:sldId id="308" r:id="rId17"/>
+    <p:sldId id="309" r:id="rId18"/>
+    <p:sldId id="303" r:id="rId19"/>
+    <p:sldId id="302" r:id="rId20"/>
+    <p:sldId id="265" r:id="rId21"/>
+    <p:sldId id="296" r:id="rId22"/>
+    <p:sldId id="297" r:id="rId23"/>
+    <p:sldId id="298" r:id="rId24"/>
+    <p:sldId id="299" r:id="rId25"/>
+    <p:sldId id="300" r:id="rId26"/>
+    <p:sldId id="301" r:id="rId27"/>
   </p:sldIdLst>
   <p:sldSz cx="9144000" cy="6858000" type="screen4x3"/>
   <p:notesSz cx="6858000" cy="9144000"/>
@@ -140,7 +141,6 @@
         <p14:section name="Default Section" id="{07C2F1BD-6951-BB4E-999E-1A3C896B33A1}">
           <p14:sldIdLst>
             <p14:sldId id="256"/>
-            <p14:sldId id="305"/>
             <p14:sldId id="306"/>
             <p14:sldId id="307"/>
             <p14:sldId id="257"/>
@@ -158,7 +158,9 @@
           <p14:sldIdLst>
             <p14:sldId id="291"/>
             <p14:sldId id="292"/>
-            <p14:sldId id="293"/>
+            <p14:sldId id="310"/>
+            <p14:sldId id="308"/>
+            <p14:sldId id="309"/>
             <p14:sldId id="303"/>
             <p14:sldId id="302"/>
             <p14:sldId id="265"/>
@@ -912,7 +914,7 @@
           <a:p>
             <a:fld id="{08B4712D-D2CB-8747-9EC4-89869EAABFB2}" type="slidenum">
               <a:rPr lang="en-US" smtClean="0"/>
-              <a:t>5</a:t>
+              <a:t>4</a:t>
             </a:fld>
             <a:endParaRPr lang="en-US"/>
           </a:p>
@@ -1028,7 +1030,7 @@
           <a:p>
             <a:fld id="{08B4712D-D2CB-8747-9EC4-89869EAABFB2}" type="slidenum">
               <a:rPr lang="en-US" smtClean="0"/>
-              <a:t>6</a:t>
+              <a:t>5</a:t>
             </a:fld>
             <a:endParaRPr lang="en-US"/>
           </a:p>
@@ -1175,7 +1177,7 @@
           <a:p>
             <a:fld id="{08B4712D-D2CB-8747-9EC4-89869EAABFB2}" type="slidenum">
               <a:rPr lang="en-US" smtClean="0"/>
-              <a:t>7</a:t>
+              <a:t>6</a:t>
             </a:fld>
             <a:endParaRPr lang="en-US"/>
           </a:p>
@@ -1322,7 +1324,7 @@
           <a:p>
             <a:fld id="{08B4712D-D2CB-8747-9EC4-89869EAABFB2}" type="slidenum">
               <a:rPr lang="en-US" smtClean="0"/>
-              <a:t>8</a:t>
+              <a:t>7</a:t>
             </a:fld>
             <a:endParaRPr lang="en-US"/>
           </a:p>
@@ -1422,7 +1424,7 @@
           <a:p>
             <a:fld id="{08B4712D-D2CB-8747-9EC4-89869EAABFB2}" type="slidenum">
               <a:rPr lang="en-US" smtClean="0"/>
-              <a:t>9</a:t>
+              <a:t>8</a:t>
             </a:fld>
             <a:endParaRPr lang="en-US"/>
           </a:p>
@@ -1514,7 +1516,7 @@
           <a:p>
             <a:fld id="{08B4712D-D2CB-8747-9EC4-89869EAABFB2}" type="slidenum">
               <a:rPr lang="en-US" smtClean="0"/>
-              <a:t>10</a:t>
+              <a:t>9</a:t>
             </a:fld>
             <a:endParaRPr lang="en-US"/>
           </a:p>
@@ -1669,7 +1671,7 @@
           <a:p>
             <a:fld id="{08B4712D-D2CB-8747-9EC4-89869EAABFB2}" type="slidenum">
               <a:rPr lang="en-US" smtClean="0"/>
-              <a:t>11</a:t>
+              <a:t>10</a:t>
             </a:fld>
             <a:endParaRPr lang="en-US"/>
           </a:p>
@@ -1777,7 +1779,7 @@
           <a:p>
             <a:fld id="{08B4712D-D2CB-8747-9EC4-89869EAABFB2}" type="slidenum">
               <a:rPr lang="en-US" smtClean="0"/>
-              <a:t>19</a:t>
+              <a:t>20</a:t>
             </a:fld>
             <a:endParaRPr lang="en-US"/>
           </a:p>
@@ -5005,820 +5007,6 @@
           <a:chExt cx="0" cy="0"/>
         </a:xfrm>
       </p:grpSpPr>
-      <p:sp>
-        <p:nvSpPr>
-          <p:cNvPr id="3" name="Content Placeholder 2"/>
-          <p:cNvSpPr>
-            <a:spLocks noGrp="1"/>
-          </p:cNvSpPr>
-          <p:nvPr>
-            <p:ph idx="1"/>
-          </p:nvPr>
-        </p:nvSpPr>
-        <p:spPr>
-          <a:xfrm>
-            <a:off x="941233" y="463249"/>
-            <a:ext cx="4071584" cy="6143625"/>
-          </a:xfrm>
-        </p:spPr>
-        <p:txBody>
-          <a:bodyPr>
-            <a:normAutofit/>
-          </a:bodyPr>
-          <a:lstStyle/>
-          <a:p>
-            <a:pPr marL="0" indent="0">
-              <a:buNone/>
-            </a:pPr>
-            <a:endParaRPr lang="en-US" sz="2800" dirty="0" smtClean="0"/>
-          </a:p>
-          <a:p>
-            <a:pPr marL="0" indent="0">
-              <a:buNone/>
-            </a:pPr>
-            <a:endParaRPr lang="en-US" sz="2800" dirty="0" smtClean="0"/>
-          </a:p>
-          <a:p>
-            <a:pPr marL="0" indent="0">
-              <a:buNone/>
-            </a:pPr>
-            <a:r>
-              <a:rPr lang="en-US" sz="2800" dirty="0" err="1" smtClean="0">
-                <a:solidFill>
-                  <a:srgbClr val="FFFF00"/>
-                </a:solidFill>
-              </a:rPr>
-              <a:t>M</a:t>
-            </a:r>
-            <a:r>
-              <a:rPr lang="en-US" sz="2800" baseline="-25000" dirty="0" err="1" smtClean="0">
-                <a:solidFill>
-                  <a:srgbClr val="FFFF00"/>
-                </a:solidFill>
-              </a:rPr>
-              <a:t>atm</a:t>
-            </a:r>
-            <a:r>
-              <a:rPr lang="en-US" sz="2800" dirty="0" smtClean="0"/>
-              <a:t> is a function of </a:t>
-            </a:r>
-            <a:r>
-              <a:rPr lang="en-US" sz="2800" dirty="0" smtClean="0">
-                <a:solidFill>
-                  <a:srgbClr val="FFFF00"/>
-                </a:solidFill>
-              </a:rPr>
-              <a:t>time</a:t>
-            </a:r>
-          </a:p>
-          <a:p>
-            <a:pPr marL="0" indent="0">
-              <a:buNone/>
-            </a:pPr>
-            <a:endParaRPr lang="en-US" sz="2800" dirty="0" smtClean="0"/>
-          </a:p>
-          <a:p>
-            <a:pPr marL="0" indent="0">
-              <a:buNone/>
-            </a:pPr>
-            <a:r>
-              <a:rPr lang="en-US" sz="2800" dirty="0" smtClean="0"/>
-              <a:t> =&gt; EVERY core can have </a:t>
-            </a:r>
-          </a:p>
-          <a:p>
-            <a:pPr marL="0" indent="0" algn="ctr">
-              <a:buNone/>
-            </a:pPr>
-            <a:r>
-              <a:rPr lang="en-US" sz="2800" dirty="0" err="1" smtClean="0"/>
-              <a:t>M</a:t>
-            </a:r>
-            <a:r>
-              <a:rPr lang="en-US" sz="2800" baseline="-25000" dirty="0" err="1" smtClean="0"/>
-              <a:t>atm</a:t>
-            </a:r>
-            <a:r>
-              <a:rPr lang="en-US" sz="2800" dirty="0" smtClean="0"/>
-              <a:t> ~ </a:t>
-            </a:r>
-            <a:r>
-              <a:rPr lang="en-US" sz="2800" dirty="0" err="1" smtClean="0"/>
-              <a:t>M</a:t>
-            </a:r>
-            <a:r>
-              <a:rPr lang="en-US" sz="2800" baseline="-25000" dirty="0" err="1" smtClean="0"/>
-              <a:t>core</a:t>
-            </a:r>
-            <a:endParaRPr lang="en-US" sz="2800" baseline="-25000" dirty="0" smtClean="0"/>
-          </a:p>
-          <a:p>
-            <a:pPr marL="0" indent="0">
-              <a:buNone/>
-            </a:pPr>
-            <a:endParaRPr lang="en-US" sz="2800" baseline="-25000" dirty="0" smtClean="0"/>
-          </a:p>
-          <a:p>
-            <a:pPr marL="0" indent="0">
-              <a:buNone/>
-            </a:pPr>
-            <a:endParaRPr lang="en-US" sz="2800" baseline="-25000" dirty="0" smtClean="0"/>
-          </a:p>
-          <a:p>
-            <a:pPr>
-              <a:buFont typeface="Symbol" charset="0"/>
-              <a:buChar char=""/>
-            </a:pPr>
-            <a:r>
-              <a:rPr lang="en-US" sz="2800" dirty="0" smtClean="0">
-                <a:solidFill>
-                  <a:srgbClr val="FFFF00"/>
-                </a:solidFill>
-              </a:rPr>
-              <a:t>“critical core mass”</a:t>
-            </a:r>
-          </a:p>
-          <a:p>
-            <a:pPr marL="0" indent="0">
-              <a:buNone/>
-            </a:pPr>
-            <a:r>
-              <a:rPr lang="en-US" sz="2800" dirty="0"/>
-              <a:t> </a:t>
-            </a:r>
-            <a:r>
-              <a:rPr lang="en-US" sz="2800" dirty="0" smtClean="0"/>
-              <a:t>   </a:t>
-            </a:r>
-            <a:r>
-              <a:rPr lang="en-US" sz="2800" dirty="0" err="1" smtClean="0"/>
-              <a:t>M</a:t>
-            </a:r>
-            <a:r>
-              <a:rPr lang="en-US" sz="2800" baseline="-25000" dirty="0" err="1" smtClean="0"/>
-              <a:t>crit</a:t>
-            </a:r>
-            <a:r>
-              <a:rPr lang="en-US" sz="2800" dirty="0" smtClean="0"/>
-              <a:t> = </a:t>
-            </a:r>
-            <a:r>
-              <a:rPr lang="en-US" sz="2800" dirty="0" err="1" smtClean="0"/>
-              <a:t>M</a:t>
-            </a:r>
-            <a:r>
-              <a:rPr lang="en-US" sz="2800" baseline="-25000" dirty="0" err="1" smtClean="0"/>
-              <a:t>core</a:t>
-            </a:r>
-            <a:r>
-              <a:rPr lang="en-US" sz="2800" dirty="0" smtClean="0"/>
-              <a:t> for which</a:t>
-            </a:r>
-          </a:p>
-          <a:p>
-            <a:pPr marL="0" indent="0">
-              <a:buNone/>
-            </a:pPr>
-            <a:r>
-              <a:rPr lang="en-US" sz="2800" dirty="0" smtClean="0"/>
-              <a:t>    </a:t>
-            </a:r>
-            <a:r>
-              <a:rPr lang="en-US" sz="2800" dirty="0" err="1" smtClean="0"/>
-              <a:t>M</a:t>
-            </a:r>
-            <a:r>
-              <a:rPr lang="en-US" sz="2800" baseline="-25000" dirty="0" err="1" smtClean="0"/>
-              <a:t>atm</a:t>
-            </a:r>
-            <a:r>
-              <a:rPr lang="en-US" sz="2800" dirty="0" smtClean="0"/>
-              <a:t>(</a:t>
-            </a:r>
-            <a:r>
-              <a:rPr lang="en-US" sz="2800" dirty="0" err="1" smtClean="0"/>
-              <a:t>t</a:t>
-            </a:r>
-            <a:r>
-              <a:rPr lang="en-US" sz="2800" baseline="-25000" dirty="0" err="1" smtClean="0"/>
-              <a:t>disk</a:t>
-            </a:r>
-            <a:r>
-              <a:rPr lang="en-US" sz="2800" dirty="0" smtClean="0"/>
-              <a:t>) ~ </a:t>
-            </a:r>
-            <a:r>
-              <a:rPr lang="en-US" sz="2800" dirty="0" err="1" smtClean="0"/>
-              <a:t>M</a:t>
-            </a:r>
-            <a:r>
-              <a:rPr lang="en-US" sz="2800" baseline="-25000" dirty="0" err="1" smtClean="0"/>
-              <a:t>core</a:t>
-            </a:r>
-            <a:endParaRPr lang="en-US" sz="2800" dirty="0"/>
-          </a:p>
-          <a:p>
-            <a:pPr marL="0" indent="0">
-              <a:buNone/>
-            </a:pPr>
-            <a:endParaRPr lang="en-US" sz="2800" baseline="-25000" dirty="0">
-              <a:solidFill>
-                <a:srgbClr val="FFFF00"/>
-              </a:solidFill>
-            </a:endParaRPr>
-          </a:p>
-        </p:txBody>
-      </p:sp>
-      <p:cxnSp>
-        <p:nvCxnSpPr>
-          <p:cNvPr id="14" name="Straight Arrow Connector 13"/>
-          <p:cNvCxnSpPr/>
-          <p:nvPr/>
-        </p:nvCxnSpPr>
-        <p:spPr>
-          <a:xfrm>
-            <a:off x="5173631" y="3030640"/>
-            <a:ext cx="548718" cy="0"/>
-          </a:xfrm>
-          <a:prstGeom prst="straightConnector1">
-            <a:avLst/>
-          </a:prstGeom>
-          <a:ln>
-            <a:solidFill>
-              <a:schemeClr val="bg1"/>
-            </a:solidFill>
-            <a:tailEnd type="arrow"/>
-          </a:ln>
-        </p:spPr>
-        <p:style>
-          <a:lnRef idx="2">
-            <a:schemeClr val="accent1"/>
-          </a:lnRef>
-          <a:fillRef idx="0">
-            <a:schemeClr val="accent1"/>
-          </a:fillRef>
-          <a:effectRef idx="1">
-            <a:schemeClr val="accent1"/>
-          </a:effectRef>
-          <a:fontRef idx="minor">
-            <a:schemeClr val="tx1"/>
-          </a:fontRef>
-        </p:style>
-      </p:cxnSp>
-      <p:grpSp>
-        <p:nvGrpSpPr>
-          <p:cNvPr id="15" name="Group 14"/>
-          <p:cNvGrpSpPr/>
-          <p:nvPr/>
-        </p:nvGrpSpPr>
-        <p:grpSpPr>
-          <a:xfrm>
-            <a:off x="6046074" y="265450"/>
-            <a:ext cx="2653096" cy="5871063"/>
-            <a:chOff x="5383188" y="470384"/>
-            <a:chExt cx="2653096" cy="5871063"/>
-          </a:xfrm>
-        </p:grpSpPr>
-        <p:pic>
-          <p:nvPicPr>
-            <p:cNvPr id="16" name="Picture 15" descr="KH_core (1).jpg"/>
-            <p:cNvPicPr>
-              <a:picLocks noChangeAspect="1"/>
-            </p:cNvPicPr>
-            <p:nvPr/>
-          </p:nvPicPr>
-          <p:blipFill>
-            <a:blip r:embed="rId3">
-              <a:extLst>
-                <a:ext uri="{28A0092B-C50C-407E-A947-70E740481C1C}">
-                  <a14:useLocalDpi xmlns:a14="http://schemas.microsoft.com/office/drawing/2010/main" val="0"/>
-                </a:ext>
-              </a:extLst>
-            </a:blip>
-            <a:stretch>
-              <a:fillRect/>
-            </a:stretch>
-          </p:blipFill>
-          <p:spPr>
-            <a:xfrm>
-              <a:off x="5383188" y="470384"/>
-              <a:ext cx="2535231" cy="5871063"/>
-            </a:xfrm>
-            <a:prstGeom prst="rect">
-              <a:avLst/>
-            </a:prstGeom>
-          </p:spPr>
-        </p:pic>
-        <p:sp>
-          <p:nvSpPr>
-            <p:cNvPr id="17" name="TextBox 16"/>
-            <p:cNvSpPr txBox="1"/>
-            <p:nvPr/>
-          </p:nvSpPr>
-          <p:spPr>
-            <a:xfrm>
-              <a:off x="6229133" y="874058"/>
-              <a:ext cx="711075" cy="400110"/>
-            </a:xfrm>
-            <a:prstGeom prst="rect">
-              <a:avLst/>
-            </a:prstGeom>
-            <a:noFill/>
-          </p:spPr>
-          <p:txBody>
-            <a:bodyPr wrap="square" rtlCol="0">
-              <a:spAutoFit/>
-            </a:bodyPr>
-            <a:lstStyle/>
-            <a:p>
-              <a:r>
-                <a:rPr lang="en-US" sz="2000" dirty="0" err="1" smtClean="0">
-                  <a:solidFill>
-                    <a:srgbClr val="FFFFFF"/>
-                  </a:solidFill>
-                </a:rPr>
-                <a:t>M</a:t>
-              </a:r>
-              <a:r>
-                <a:rPr lang="en-US" sz="2000" baseline="-25000" dirty="0" err="1" smtClean="0">
-                  <a:solidFill>
-                    <a:srgbClr val="FFFFFF"/>
-                  </a:solidFill>
-                </a:rPr>
-                <a:t>core</a:t>
-              </a:r>
-              <a:endParaRPr lang="en-US" sz="2000" baseline="-25000" dirty="0">
-                <a:solidFill>
-                  <a:srgbClr val="FFFFFF"/>
-                </a:solidFill>
-              </a:endParaRPr>
-            </a:p>
-          </p:txBody>
-        </p:sp>
-        <p:sp>
-          <p:nvSpPr>
-            <p:cNvPr id="18" name="TextBox 17"/>
-            <p:cNvSpPr txBox="1"/>
-            <p:nvPr/>
-          </p:nvSpPr>
-          <p:spPr>
-            <a:xfrm>
-              <a:off x="6217812" y="2481007"/>
-              <a:ext cx="706718" cy="400110"/>
-            </a:xfrm>
-            <a:prstGeom prst="rect">
-              <a:avLst/>
-            </a:prstGeom>
-            <a:noFill/>
-          </p:spPr>
-          <p:txBody>
-            <a:bodyPr wrap="square" rtlCol="0">
-              <a:spAutoFit/>
-            </a:bodyPr>
-            <a:lstStyle/>
-            <a:p>
-              <a:r>
-                <a:rPr lang="en-US" sz="2000" dirty="0" err="1" smtClean="0">
-                  <a:solidFill>
-                    <a:srgbClr val="FFFFFF"/>
-                  </a:solidFill>
-                </a:rPr>
-                <a:t>M</a:t>
-              </a:r>
-              <a:r>
-                <a:rPr lang="en-US" sz="2000" baseline="-25000" dirty="0" err="1" smtClean="0">
-                  <a:solidFill>
-                    <a:srgbClr val="FFFFFF"/>
-                  </a:solidFill>
-                </a:rPr>
-                <a:t>core</a:t>
-              </a:r>
-              <a:endParaRPr lang="en-US" sz="2000" baseline="-25000" dirty="0">
-                <a:solidFill>
-                  <a:srgbClr val="FFFFFF"/>
-                </a:solidFill>
-              </a:endParaRPr>
-            </a:p>
-          </p:txBody>
-        </p:sp>
-        <p:sp>
-          <p:nvSpPr>
-            <p:cNvPr id="19" name="TextBox 18"/>
-            <p:cNvSpPr txBox="1"/>
-            <p:nvPr/>
-          </p:nvSpPr>
-          <p:spPr>
-            <a:xfrm>
-              <a:off x="6237070" y="4846619"/>
-              <a:ext cx="796145" cy="400110"/>
-            </a:xfrm>
-            <a:prstGeom prst="rect">
-              <a:avLst/>
-            </a:prstGeom>
-            <a:noFill/>
-          </p:spPr>
-          <p:txBody>
-            <a:bodyPr wrap="square" rtlCol="0">
-              <a:spAutoFit/>
-            </a:bodyPr>
-            <a:lstStyle/>
-            <a:p>
-              <a:r>
-                <a:rPr lang="en-US" sz="2000" dirty="0" err="1" smtClean="0">
-                  <a:solidFill>
-                    <a:srgbClr val="FFFFFF"/>
-                  </a:solidFill>
-                </a:rPr>
-                <a:t>M</a:t>
-              </a:r>
-              <a:r>
-                <a:rPr lang="en-US" sz="2000" baseline="-25000" dirty="0" err="1" smtClean="0">
-                  <a:solidFill>
-                    <a:srgbClr val="FFFFFF"/>
-                  </a:solidFill>
-                </a:rPr>
-                <a:t>core</a:t>
-              </a:r>
-              <a:endParaRPr lang="en-US" sz="2000" baseline="-25000" dirty="0">
-                <a:solidFill>
-                  <a:srgbClr val="FFFFFF"/>
-                </a:solidFill>
-              </a:endParaRPr>
-            </a:p>
-          </p:txBody>
-        </p:sp>
-        <p:sp>
-          <p:nvSpPr>
-            <p:cNvPr id="20" name="TextBox 19"/>
-            <p:cNvSpPr txBox="1"/>
-            <p:nvPr/>
-          </p:nvSpPr>
-          <p:spPr>
-            <a:xfrm>
-              <a:off x="6990823" y="674003"/>
-              <a:ext cx="1045461" cy="369332"/>
-            </a:xfrm>
-            <a:prstGeom prst="rect">
-              <a:avLst/>
-            </a:prstGeom>
-            <a:noFill/>
-          </p:spPr>
-          <p:txBody>
-            <a:bodyPr wrap="square" rtlCol="0">
-              <a:spAutoFit/>
-            </a:bodyPr>
-            <a:lstStyle/>
-            <a:p>
-              <a:r>
-                <a:rPr lang="en-US" dirty="0" err="1" smtClean="0">
-                  <a:solidFill>
-                    <a:srgbClr val="000000"/>
-                  </a:solidFill>
-                </a:rPr>
-                <a:t>M</a:t>
-              </a:r>
-              <a:r>
-                <a:rPr lang="en-US" baseline="-25000" dirty="0" err="1" smtClean="0">
-                  <a:solidFill>
-                    <a:srgbClr val="000000"/>
-                  </a:solidFill>
-                </a:rPr>
-                <a:t>atm</a:t>
-              </a:r>
-              <a:r>
-                <a:rPr lang="en-US" dirty="0" smtClean="0">
-                  <a:solidFill>
-                    <a:srgbClr val="000000"/>
-                  </a:solidFill>
-                </a:rPr>
-                <a:t>(t</a:t>
-              </a:r>
-              <a:r>
-                <a:rPr lang="en-US" baseline="-25000" dirty="0" smtClean="0">
-                  <a:solidFill>
-                    <a:srgbClr val="000000"/>
-                  </a:solidFill>
-                </a:rPr>
-                <a:t>1</a:t>
-              </a:r>
-              <a:r>
-                <a:rPr lang="en-US" dirty="0" smtClean="0">
-                  <a:solidFill>
-                    <a:srgbClr val="000000"/>
-                  </a:solidFill>
-                </a:rPr>
-                <a:t>)</a:t>
-              </a:r>
-              <a:endParaRPr lang="en-US" baseline="-25000" dirty="0">
-                <a:solidFill>
-                  <a:srgbClr val="000000"/>
-                </a:solidFill>
-              </a:endParaRPr>
-            </a:p>
-          </p:txBody>
-        </p:sp>
-        <p:cxnSp>
-          <p:nvCxnSpPr>
-            <p:cNvPr id="21" name="Straight Connector 20"/>
-            <p:cNvCxnSpPr/>
-            <p:nvPr/>
-          </p:nvCxnSpPr>
-          <p:spPr>
-            <a:xfrm flipV="1">
-              <a:off x="6940208" y="945928"/>
-              <a:ext cx="140042" cy="136470"/>
-            </a:xfrm>
-            <a:prstGeom prst="line">
-              <a:avLst/>
-            </a:prstGeom>
-            <a:ln w="6350">
-              <a:solidFill>
-                <a:schemeClr val="bg1"/>
-              </a:solidFill>
-            </a:ln>
-          </p:spPr>
-          <p:style>
-            <a:lnRef idx="2">
-              <a:schemeClr val="accent1"/>
-            </a:lnRef>
-            <a:fillRef idx="0">
-              <a:schemeClr val="accent1"/>
-            </a:fillRef>
-            <a:effectRef idx="1">
-              <a:schemeClr val="accent1"/>
-            </a:effectRef>
-            <a:fontRef idx="minor">
-              <a:schemeClr val="tx1"/>
-            </a:fontRef>
-          </p:style>
-        </p:cxnSp>
-        <p:sp>
-          <p:nvSpPr>
-            <p:cNvPr id="22" name="TextBox 21"/>
-            <p:cNvSpPr txBox="1"/>
-            <p:nvPr/>
-          </p:nvSpPr>
-          <p:spPr>
-            <a:xfrm>
-              <a:off x="6990823" y="1819638"/>
-              <a:ext cx="1045461" cy="369332"/>
-            </a:xfrm>
-            <a:prstGeom prst="rect">
-              <a:avLst/>
-            </a:prstGeom>
-            <a:noFill/>
-          </p:spPr>
-          <p:txBody>
-            <a:bodyPr wrap="square" rtlCol="0">
-              <a:spAutoFit/>
-            </a:bodyPr>
-            <a:lstStyle/>
-            <a:p>
-              <a:r>
-                <a:rPr lang="en-US" dirty="0" err="1" smtClean="0">
-                  <a:solidFill>
-                    <a:srgbClr val="000000"/>
-                  </a:solidFill>
-                </a:rPr>
-                <a:t>M</a:t>
-              </a:r>
-              <a:r>
-                <a:rPr lang="en-US" baseline="-25000" dirty="0" err="1" smtClean="0">
-                  <a:solidFill>
-                    <a:srgbClr val="000000"/>
-                  </a:solidFill>
-                </a:rPr>
-                <a:t>atm</a:t>
-              </a:r>
-              <a:r>
-                <a:rPr lang="en-US" dirty="0" smtClean="0">
-                  <a:solidFill>
-                    <a:srgbClr val="000000"/>
-                  </a:solidFill>
-                </a:rPr>
-                <a:t>(t</a:t>
-              </a:r>
-              <a:r>
-                <a:rPr lang="en-US" baseline="-25000" dirty="0">
-                  <a:solidFill>
-                    <a:srgbClr val="000000"/>
-                  </a:solidFill>
-                </a:rPr>
-                <a:t>2</a:t>
-              </a:r>
-              <a:r>
-                <a:rPr lang="en-US" dirty="0" smtClean="0">
-                  <a:solidFill>
-                    <a:srgbClr val="000000"/>
-                  </a:solidFill>
-                </a:rPr>
-                <a:t>)</a:t>
-              </a:r>
-              <a:endParaRPr lang="en-US" baseline="-25000" dirty="0">
-                <a:solidFill>
-                  <a:srgbClr val="000000"/>
-                </a:solidFill>
-              </a:endParaRPr>
-            </a:p>
-          </p:txBody>
-        </p:sp>
-        <p:cxnSp>
-          <p:nvCxnSpPr>
-            <p:cNvPr id="23" name="Straight Connector 22"/>
-            <p:cNvCxnSpPr/>
-            <p:nvPr/>
-          </p:nvCxnSpPr>
-          <p:spPr>
-            <a:xfrm flipV="1">
-              <a:off x="6838157" y="2188970"/>
-              <a:ext cx="242093" cy="204564"/>
-            </a:xfrm>
-            <a:prstGeom prst="line">
-              <a:avLst/>
-            </a:prstGeom>
-            <a:ln w="6350">
-              <a:solidFill>
-                <a:schemeClr val="bg1"/>
-              </a:solidFill>
-            </a:ln>
-          </p:spPr>
-          <p:style>
-            <a:lnRef idx="2">
-              <a:schemeClr val="accent1"/>
-            </a:lnRef>
-            <a:fillRef idx="0">
-              <a:schemeClr val="accent1"/>
-            </a:fillRef>
-            <a:effectRef idx="1">
-              <a:schemeClr val="accent1"/>
-            </a:effectRef>
-            <a:fontRef idx="minor">
-              <a:schemeClr val="tx1"/>
-            </a:fontRef>
-          </p:style>
-        </p:cxnSp>
-        <p:sp>
-          <p:nvSpPr>
-            <p:cNvPr id="24" name="TextBox 23"/>
-            <p:cNvSpPr txBox="1"/>
-            <p:nvPr/>
-          </p:nvSpPr>
-          <p:spPr>
-            <a:xfrm>
-              <a:off x="5774297" y="4346498"/>
-              <a:ext cx="1885982" cy="369332"/>
-            </a:xfrm>
-            <a:prstGeom prst="rect">
-              <a:avLst/>
-            </a:prstGeom>
-            <a:noFill/>
-          </p:spPr>
-          <p:txBody>
-            <a:bodyPr wrap="square" rtlCol="0">
-              <a:spAutoFit/>
-            </a:bodyPr>
-            <a:lstStyle/>
-            <a:p>
-              <a:r>
-                <a:rPr lang="en-US" dirty="0" err="1" smtClean="0">
-                  <a:solidFill>
-                    <a:srgbClr val="000000"/>
-                  </a:solidFill>
-                </a:rPr>
-                <a:t>M</a:t>
-              </a:r>
-              <a:r>
-                <a:rPr lang="en-US" baseline="-25000" dirty="0" err="1" smtClean="0">
-                  <a:solidFill>
-                    <a:srgbClr val="000000"/>
-                  </a:solidFill>
-                </a:rPr>
-                <a:t>atm</a:t>
-              </a:r>
-              <a:r>
-                <a:rPr lang="en-US" dirty="0" smtClean="0">
-                  <a:solidFill>
-                    <a:srgbClr val="000000"/>
-                  </a:solidFill>
-                </a:rPr>
-                <a:t>(t</a:t>
-              </a:r>
-              <a:r>
-                <a:rPr lang="en-US" baseline="-25000" dirty="0">
-                  <a:solidFill>
-                    <a:srgbClr val="000000"/>
-                  </a:solidFill>
-                </a:rPr>
-                <a:t>3</a:t>
-              </a:r>
-              <a:r>
-                <a:rPr lang="en-US" dirty="0" smtClean="0">
-                  <a:solidFill>
-                    <a:srgbClr val="000000"/>
-                  </a:solidFill>
-                </a:rPr>
-                <a:t>) ~ </a:t>
-              </a:r>
-              <a:r>
-                <a:rPr lang="en-US" dirty="0" err="1" smtClean="0">
-                  <a:solidFill>
-                    <a:srgbClr val="000000"/>
-                  </a:solidFill>
-                </a:rPr>
-                <a:t>M</a:t>
-              </a:r>
-              <a:r>
-                <a:rPr lang="en-US" baseline="-25000" dirty="0" err="1" smtClean="0">
-                  <a:solidFill>
-                    <a:srgbClr val="000000"/>
-                  </a:solidFill>
-                </a:rPr>
-                <a:t>core</a:t>
-              </a:r>
-              <a:endParaRPr lang="en-US" baseline="-25000" dirty="0">
-                <a:solidFill>
-                  <a:srgbClr val="000000"/>
-                </a:solidFill>
-              </a:endParaRPr>
-            </a:p>
-          </p:txBody>
-        </p:sp>
-      </p:grpSp>
-      <p:sp>
-        <p:nvSpPr>
-          <p:cNvPr id="5" name="TextBox 4"/>
-          <p:cNvSpPr txBox="1"/>
-          <p:nvPr/>
-        </p:nvSpPr>
-        <p:spPr>
-          <a:xfrm>
-            <a:off x="222497" y="433217"/>
-            <a:ext cx="5687983" cy="646331"/>
-          </a:xfrm>
-          <a:prstGeom prst="rect">
-            <a:avLst/>
-          </a:prstGeom>
-          <a:noFill/>
-        </p:spPr>
-        <p:txBody>
-          <a:bodyPr wrap="square" rtlCol="0">
-            <a:spAutoFit/>
-          </a:bodyPr>
-          <a:lstStyle/>
-          <a:p>
-            <a:r>
-              <a:rPr lang="en-US" sz="3600" dirty="0" smtClean="0"/>
-              <a:t>Kelvin-Helmholtz contraction</a:t>
-            </a:r>
-            <a:endParaRPr lang="en-US" sz="3600" dirty="0"/>
-          </a:p>
-        </p:txBody>
-      </p:sp>
-    </p:spTree>
-    <p:extLst>
-      <p:ext uri="{BB962C8B-B14F-4D97-AF65-F5344CB8AC3E}">
-        <p14:creationId xmlns:p14="http://schemas.microsoft.com/office/powerpoint/2010/main" val="3000247420"/>
-      </p:ext>
-    </p:extLst>
-  </p:cSld>
-  <p:clrMapOvr>
-    <a:masterClrMapping/>
-  </p:clrMapOvr>
-  <mc:AlternateContent xmlns:mc="http://schemas.openxmlformats.org/markup-compatibility/2006" xmlns:p14="http://schemas.microsoft.com/office/powerpoint/2010/main">
-    <mc:Choice Requires="p14">
-      <p:transition p14:dur="0" advTm="7113"/>
-    </mc:Choice>
-    <mc:Fallback xmlns="">
-      <p:transition xmlns:p14="http://schemas.microsoft.com/office/powerpoint/2010/main" advTm="7113"/>
-    </mc:Fallback>
-  </mc:AlternateContent>
-  <p:timing>
-    <p:tnLst>
-      <p:par>
-        <p:cTn xmlns:p14="http://schemas.microsoft.com/office/powerpoint/2010/main" id="1" dur="indefinite" restart="never" nodeType="tmRoot"/>
-      </p:par>
-    </p:tnLst>
-  </p:timing>
-</p:sld>
-</file>
-
-<file path=ppt/slides/slide11.xml><?xml version="1.0" encoding="utf-8"?>
-<p:sld xmlns:a="http://schemas.openxmlformats.org/drawingml/2006/main" xmlns:r="http://schemas.openxmlformats.org/officeDocument/2006/relationships" xmlns:p="http://schemas.openxmlformats.org/presentationml/2006/main">
-  <p:cSld>
-    <p:spTree>
-      <p:nvGrpSpPr>
-        <p:cNvPr id="1" name=""/>
-        <p:cNvGrpSpPr/>
-        <p:nvPr/>
-      </p:nvGrpSpPr>
-      <p:grpSpPr>
-        <a:xfrm>
-          <a:off x="0" y="0"/>
-          <a:ext cx="0" cy="0"/>
-          <a:chOff x="0" y="0"/>
-          <a:chExt cx="0" cy="0"/>
-        </a:xfrm>
-      </p:grpSpPr>
       <p:grpSp>
         <p:nvGrpSpPr>
           <p:cNvPr id="6" name="Group 5"/>
@@ -6218,7 +5406,7 @@
 </p:sld>
 </file>
 
-<file path=ppt/slides/slide12.xml><?xml version="1.0" encoding="utf-8"?>
+<file path=ppt/slides/slide11.xml><?xml version="1.0" encoding="utf-8"?>
 <p:sld xmlns:a="http://schemas.openxmlformats.org/drawingml/2006/main" xmlns:r="http://schemas.openxmlformats.org/officeDocument/2006/relationships" xmlns:p="http://schemas.openxmlformats.org/presentationml/2006/main">
   <p:cSld>
     <p:spTree>
@@ -6525,7 +5713,7 @@
 </p:sld>
 </file>
 
-<file path=ppt/slides/slide13.xml><?xml version="1.0" encoding="utf-8"?>
+<file path=ppt/slides/slide12.xml><?xml version="1.0" encoding="utf-8"?>
 <p:sld xmlns:a="http://schemas.openxmlformats.org/drawingml/2006/main" xmlns:r="http://schemas.openxmlformats.org/officeDocument/2006/relationships" xmlns:p="http://schemas.openxmlformats.org/presentationml/2006/main">
   <p:cSld>
     <p:spTree>
@@ -6544,7 +5732,7 @@
       </p:grpSpPr>
       <p:pic>
         <p:nvPicPr>
-          <p:cNvPr id="4" name="Picture 3" descr="P_vs_r_SPF1_talk.pdf"/>
+          <p:cNvPr id="21" name="Picture 20" descr="P_vs_r_SPF1_talk.pdf"/>
           <p:cNvPicPr>
             <a:picLocks noChangeAspect="1"/>
           </p:cNvPicPr>
@@ -6564,8 +5752,8 @@
         </p:blipFill>
         <p:spPr>
           <a:xfrm>
-            <a:off x="93070" y="1354666"/>
-            <a:ext cx="4364180" cy="3047999"/>
+            <a:off x="93653" y="1339891"/>
+            <a:ext cx="4359818" cy="3044952"/>
           </a:xfrm>
           <a:prstGeom prst="rect">
             <a:avLst/>
@@ -7053,6 +6241,82 @@
           </a:p>
         </p:txBody>
       </p:sp>
+      <p:sp>
+        <p:nvSpPr>
+          <p:cNvPr id="22" name="TextBox 21"/>
+          <p:cNvSpPr txBox="1"/>
+          <p:nvPr/>
+        </p:nvSpPr>
+        <p:spPr>
+          <a:xfrm>
+            <a:off x="3426431" y="1862370"/>
+            <a:ext cx="868028" cy="276999"/>
+          </a:xfrm>
+          <a:prstGeom prst="rect">
+            <a:avLst/>
+          </a:prstGeom>
+          <a:noFill/>
+        </p:spPr>
+        <p:txBody>
+          <a:bodyPr wrap="square" rtlCol="0">
+            <a:spAutoFit/>
+          </a:bodyPr>
+          <a:lstStyle/>
+          <a:p>
+            <a:r>
+              <a:rPr lang="en-US" sz="1200" dirty="0" smtClean="0">
+                <a:solidFill>
+                  <a:srgbClr val="000000"/>
+                </a:solidFill>
+              </a:rPr>
+              <a:t>RADIATIVE</a:t>
+            </a:r>
+            <a:endParaRPr lang="en-US" sz="1200" dirty="0">
+              <a:solidFill>
+                <a:srgbClr val="000000"/>
+              </a:solidFill>
+            </a:endParaRPr>
+          </a:p>
+        </p:txBody>
+      </p:sp>
+      <p:sp>
+        <p:nvSpPr>
+          <p:cNvPr id="23" name="TextBox 22"/>
+          <p:cNvSpPr txBox="1"/>
+          <p:nvPr/>
+        </p:nvSpPr>
+        <p:spPr>
+          <a:xfrm>
+            <a:off x="2291221" y="1860917"/>
+            <a:ext cx="1034703" cy="276999"/>
+          </a:xfrm>
+          <a:prstGeom prst="rect">
+            <a:avLst/>
+          </a:prstGeom>
+          <a:noFill/>
+        </p:spPr>
+        <p:txBody>
+          <a:bodyPr wrap="square" rtlCol="0">
+            <a:spAutoFit/>
+          </a:bodyPr>
+          <a:lstStyle/>
+          <a:p>
+            <a:r>
+              <a:rPr lang="en-US" sz="1200" dirty="0" smtClean="0">
+                <a:solidFill>
+                  <a:srgbClr val="000000"/>
+                </a:solidFill>
+              </a:rPr>
+              <a:t>CONVECTIVE</a:t>
+            </a:r>
+            <a:endParaRPr lang="en-US" sz="1200" dirty="0">
+              <a:solidFill>
+                <a:srgbClr val="000000"/>
+              </a:solidFill>
+            </a:endParaRPr>
+          </a:p>
+        </p:txBody>
+      </p:sp>
     </p:spTree>
     <p:extLst>
       <p:ext uri="{BB962C8B-B14F-4D97-AF65-F5344CB8AC3E}">
@@ -7073,7 +6337,7 @@
 </p:sld>
 </file>
 
-<file path=ppt/slides/slide14.xml><?xml version="1.0" encoding="utf-8"?>
+<file path=ppt/slides/slide13.xml><?xml version="1.0" encoding="utf-8"?>
 <p:sld xmlns:a="http://schemas.openxmlformats.org/drawingml/2006/main" xmlns:r="http://schemas.openxmlformats.org/officeDocument/2006/relationships" xmlns:p="http://schemas.openxmlformats.org/presentationml/2006/main">
   <p:cSld>
     <p:spTree>
@@ -7305,7 +6569,7 @@
 </p:sld>
 </file>
 
-<file path=ppt/slides/slide15.xml><?xml version="1.0" encoding="utf-8"?>
+<file path=ppt/slides/slide14.xml><?xml version="1.0" encoding="utf-8"?>
 <p:sld xmlns:a="http://schemas.openxmlformats.org/drawingml/2006/main" xmlns:r="http://schemas.openxmlformats.org/officeDocument/2006/relationships" xmlns:p="http://schemas.openxmlformats.org/presentationml/2006/main">
   <p:cSld>
     <p:spTree>
@@ -7566,6 +6830,268 @@
     <p:extLst>
       <p:ext uri="{BB962C8B-B14F-4D97-AF65-F5344CB8AC3E}">
         <p14:creationId xmlns:p14="http://schemas.microsoft.com/office/powerpoint/2010/main" val="2648229862"/>
+      </p:ext>
+    </p:extLst>
+  </p:cSld>
+  <p:clrMapOvr>
+    <a:masterClrMapping/>
+  </p:clrMapOvr>
+  <p:timing>
+    <p:tnLst>
+      <p:par>
+        <p:cTn xmlns:p14="http://schemas.microsoft.com/office/powerpoint/2010/main" id="1" dur="indefinite" restart="never" nodeType="tmRoot"/>
+      </p:par>
+    </p:tnLst>
+  </p:timing>
+</p:sld>
+</file>
+
+<file path=ppt/slides/slide15.xml><?xml version="1.0" encoding="utf-8"?>
+<p:sld xmlns:a="http://schemas.openxmlformats.org/drawingml/2006/main" xmlns:r="http://schemas.openxmlformats.org/officeDocument/2006/relationships" xmlns:p="http://schemas.openxmlformats.org/presentationml/2006/main">
+  <p:cSld>
+    <p:spTree>
+      <p:nvGrpSpPr>
+        <p:cNvPr id="1" name=""/>
+        <p:cNvGrpSpPr/>
+        <p:nvPr/>
+      </p:nvGrpSpPr>
+      <p:grpSpPr>
+        <a:xfrm>
+          <a:off x="0" y="0"/>
+          <a:ext cx="0" cy="0"/>
+          <a:chOff x="0" y="0"/>
+          <a:chExt cx="0" cy="0"/>
+        </a:xfrm>
+      </p:grpSpPr>
+      <p:grpSp>
+        <p:nvGrpSpPr>
+          <p:cNvPr id="18" name="Group 17"/>
+          <p:cNvGrpSpPr/>
+          <p:nvPr/>
+        </p:nvGrpSpPr>
+        <p:grpSpPr>
+          <a:xfrm>
+            <a:off x="648560" y="2350736"/>
+            <a:ext cx="7890793" cy="4207747"/>
+            <a:chOff x="553977" y="2418285"/>
+            <a:chExt cx="7728656" cy="3707878"/>
+          </a:xfrm>
+        </p:grpSpPr>
+        <p:sp>
+          <p:nvSpPr>
+            <p:cNvPr id="17" name="Rectangle 16"/>
+            <p:cNvSpPr/>
+            <p:nvPr/>
+          </p:nvSpPr>
+          <p:spPr>
+            <a:xfrm>
+              <a:off x="553977" y="2418285"/>
+              <a:ext cx="7728656" cy="3707878"/>
+            </a:xfrm>
+            <a:prstGeom prst="rect">
+              <a:avLst/>
+            </a:prstGeom>
+            <a:solidFill>
+              <a:schemeClr val="tx1"/>
+            </a:solidFill>
+            <a:ln>
+              <a:solidFill>
+                <a:schemeClr val="tx1"/>
+              </a:solidFill>
+            </a:ln>
+            <a:effectLst/>
+          </p:spPr>
+          <p:style>
+            <a:lnRef idx="1">
+              <a:schemeClr val="accent1"/>
+            </a:lnRef>
+            <a:fillRef idx="3">
+              <a:schemeClr val="accent1"/>
+            </a:fillRef>
+            <a:effectRef idx="2">
+              <a:schemeClr val="accent1"/>
+            </a:effectRef>
+            <a:fontRef idx="minor">
+              <a:schemeClr val="lt1"/>
+            </a:fontRef>
+          </p:style>
+          <p:txBody>
+            <a:bodyPr rtlCol="0" anchor="ctr"/>
+            <a:lstStyle/>
+            <a:p>
+              <a:pPr algn="ctr"/>
+              <a:endParaRPr lang="en-US"/>
+            </a:p>
+          </p:txBody>
+        </p:sp>
+        <p:grpSp>
+          <p:nvGrpSpPr>
+            <p:cNvPr id="4" name="Group 3"/>
+            <p:cNvGrpSpPr/>
+            <p:nvPr/>
+          </p:nvGrpSpPr>
+          <p:grpSpPr>
+            <a:xfrm>
+              <a:off x="700806" y="2617117"/>
+              <a:ext cx="7457536" cy="3342962"/>
+              <a:chOff x="687294" y="3363028"/>
+              <a:chExt cx="7457536" cy="3342962"/>
+            </a:xfrm>
+          </p:grpSpPr>
+          <p:pic>
+            <p:nvPicPr>
+              <p:cNvPr id="5" name="Picture 4" descr="delad_S_exolunch.pdf"/>
+              <p:cNvPicPr>
+                <a:picLocks noChangeAspect="1"/>
+              </p:cNvPicPr>
+              <p:nvPr/>
+            </p:nvPicPr>
+            <p:blipFill>
+              <a:blip r:embed="rId2">
+                <a:extLst>
+                  <a:ext uri="{28A0092B-C50C-407E-A947-70E740481C1C}">
+                    <a14:useLocalDpi xmlns:a14="http://schemas.microsoft.com/office/drawing/2010/main" val="0"/>
+                  </a:ext>
+                </a:extLst>
+              </a:blip>
+              <a:stretch>
+                <a:fillRect/>
+              </a:stretch>
+            </p:blipFill>
+            <p:spPr>
+              <a:xfrm>
+                <a:off x="687294" y="3363028"/>
+                <a:ext cx="3682005" cy="3263900"/>
+              </a:xfrm>
+              <a:prstGeom prst="rect">
+                <a:avLst/>
+              </a:prstGeom>
+            </p:spPr>
+          </p:pic>
+          <p:pic>
+            <p:nvPicPr>
+              <p:cNvPr id="6" name="Picture 5" descr="delad_S_exolunch_3_1.pdf"/>
+              <p:cNvPicPr>
+                <a:picLocks noChangeAspect="1"/>
+              </p:cNvPicPr>
+              <p:nvPr/>
+            </p:nvPicPr>
+            <p:blipFill>
+              <a:blip r:embed="rId3">
+                <a:extLst>
+                  <a:ext uri="{28A0092B-C50C-407E-A947-70E740481C1C}">
+                    <a14:useLocalDpi xmlns:a14="http://schemas.microsoft.com/office/drawing/2010/main" val="0"/>
+                  </a:ext>
+                </a:extLst>
+              </a:blip>
+              <a:stretch>
+                <a:fillRect/>
+              </a:stretch>
+            </p:blipFill>
+            <p:spPr>
+              <a:xfrm>
+                <a:off x="4360230" y="3442090"/>
+                <a:ext cx="3784600" cy="3263900"/>
+              </a:xfrm>
+              <a:prstGeom prst="rect">
+                <a:avLst/>
+              </a:prstGeom>
+            </p:spPr>
+          </p:pic>
+        </p:grpSp>
+      </p:grpSp>
+      <p:sp>
+        <p:nvSpPr>
+          <p:cNvPr id="37" name="Title 1"/>
+          <p:cNvSpPr>
+            <a:spLocks noGrp="1"/>
+          </p:cNvSpPr>
+          <p:nvPr>
+            <p:ph type="title"/>
+          </p:nvPr>
+        </p:nvSpPr>
+        <p:spPr>
+          <a:xfrm>
+            <a:off x="457200" y="17948"/>
+            <a:ext cx="8229600" cy="1143000"/>
+          </a:xfrm>
+        </p:spPr>
+        <p:txBody>
+          <a:bodyPr>
+            <a:normAutofit fontScale="90000"/>
+          </a:bodyPr>
+          <a:lstStyle/>
+          <a:p>
+            <a:r>
+              <a:rPr lang="en-US" dirty="0" smtClean="0"/>
+              <a:t>   </a:t>
+            </a:r>
+            <a:r>
+              <a:rPr lang="en-US" sz="3800" dirty="0" smtClean="0"/>
+              <a:t>Adiabatic gradient                 is                            </a:t>
+            </a:r>
+            <a:r>
+              <a:rPr lang="en-US" sz="3800" dirty="0" smtClean="0">
+                <a:solidFill>
+                  <a:srgbClr val="FFFF00"/>
+                </a:solidFill>
+              </a:rPr>
+              <a:t>variable</a:t>
+            </a:r>
+            <a:r>
+              <a:rPr lang="en-US" sz="3800" dirty="0" smtClean="0"/>
+              <a:t> for </a:t>
+            </a:r>
+            <a:r>
+              <a:rPr lang="en-US" sz="3800" dirty="0" smtClean="0">
+                <a:solidFill>
+                  <a:srgbClr val="FFFF00"/>
+                </a:solidFill>
+              </a:rPr>
+              <a:t>realistic EOS</a:t>
+            </a:r>
+            <a:endParaRPr lang="en-US" sz="3800" dirty="0">
+              <a:solidFill>
+                <a:srgbClr val="FFFF00"/>
+              </a:solidFill>
+            </a:endParaRPr>
+          </a:p>
+        </p:txBody>
+      </p:sp>
+      <p:pic>
+        <p:nvPicPr>
+          <p:cNvPr id="38" name="Picture 37"/>
+          <p:cNvPicPr/>
+          <p:nvPr/>
+        </p:nvPicPr>
+        <p:blipFill>
+          <a:blip r:embed="rId4"/>
+          <a:stretch>
+            <a:fillRect/>
+          </a:stretch>
+        </p:blipFill>
+        <p:spPr>
+          <a:xfrm>
+            <a:off x="5528254" y="99008"/>
+            <a:ext cx="1296547" cy="554135"/>
+          </a:xfrm>
+          <a:prstGeom prst="rect">
+            <a:avLst/>
+          </a:prstGeom>
+          <a:solidFill>
+            <a:srgbClr val="FFFF00"/>
+          </a:solidFill>
+          <a:ln w="25400">
+            <a:solidFill>
+              <a:srgbClr val="0000FF"/>
+            </a:solidFill>
+          </a:ln>
+        </p:spPr>
+      </p:pic>
+    </p:spTree>
+    <p:extLst>
+      <p:ext uri="{BB962C8B-B14F-4D97-AF65-F5344CB8AC3E}">
+        <p14:creationId xmlns:p14="http://schemas.microsoft.com/office/powerpoint/2010/main" val="249435702"/>
       </p:ext>
     </p:extLst>
   </p:cSld>
@@ -7615,7 +7141,7 @@
         </p:grpSpPr>
         <p:grpSp>
           <p:nvGrpSpPr>
-            <p:cNvPr id="20" name="Group 19"/>
+            <p:cNvPr id="18" name="Group 17"/>
             <p:cNvGrpSpPr/>
             <p:nvPr/>
           </p:nvGrpSpPr>
@@ -7623,422 +7149,182 @@
             <a:xfrm>
               <a:off x="648560" y="1918416"/>
               <a:ext cx="7890793" cy="4207747"/>
-              <a:chOff x="648560" y="1918416"/>
-              <a:chExt cx="7890793" cy="4207747"/>
+              <a:chOff x="553977" y="2418285"/>
+              <a:chExt cx="7728656" cy="3707878"/>
             </a:xfrm>
           </p:grpSpPr>
+          <p:sp>
+            <p:nvSpPr>
+              <p:cNvPr id="17" name="Rectangle 16"/>
+              <p:cNvSpPr/>
+              <p:nvPr/>
+            </p:nvSpPr>
+            <p:spPr>
+              <a:xfrm>
+                <a:off x="553977" y="2418285"/>
+                <a:ext cx="7728656" cy="3707878"/>
+              </a:xfrm>
+              <a:prstGeom prst="rect">
+                <a:avLst/>
+              </a:prstGeom>
+              <a:solidFill>
+                <a:schemeClr val="tx1"/>
+              </a:solidFill>
+              <a:ln>
+                <a:solidFill>
+                  <a:schemeClr val="tx1"/>
+                </a:solidFill>
+              </a:ln>
+              <a:effectLst/>
+            </p:spPr>
+            <p:style>
+              <a:lnRef idx="1">
+                <a:schemeClr val="accent1"/>
+              </a:lnRef>
+              <a:fillRef idx="3">
+                <a:schemeClr val="accent1"/>
+              </a:fillRef>
+              <a:effectRef idx="2">
+                <a:schemeClr val="accent1"/>
+              </a:effectRef>
+              <a:fontRef idx="minor">
+                <a:schemeClr val="lt1"/>
+              </a:fontRef>
+            </p:style>
+            <p:txBody>
+              <a:bodyPr rtlCol="0" anchor="ctr"/>
+              <a:lstStyle/>
+              <a:p>
+                <a:pPr algn="ctr"/>
+                <a:endParaRPr lang="en-US"/>
+              </a:p>
+            </p:txBody>
+          </p:sp>
           <p:grpSp>
             <p:nvGrpSpPr>
-              <p:cNvPr id="18" name="Group 17"/>
+              <p:cNvPr id="4" name="Group 3"/>
               <p:cNvGrpSpPr/>
               <p:nvPr/>
             </p:nvGrpSpPr>
             <p:grpSpPr>
               <a:xfrm>
-                <a:off x="648560" y="1918416"/>
-                <a:ext cx="7890793" cy="4207747"/>
-                <a:chOff x="553977" y="2418285"/>
-                <a:chExt cx="7728656" cy="3707878"/>
+                <a:off x="700806" y="2617117"/>
+                <a:ext cx="7457536" cy="3342962"/>
+                <a:chOff x="687294" y="3363028"/>
+                <a:chExt cx="7457536" cy="3342962"/>
               </a:xfrm>
             </p:grpSpPr>
-            <p:sp>
-              <p:nvSpPr>
-                <p:cNvPr id="17" name="Rectangle 16"/>
-                <p:cNvSpPr/>
+            <p:pic>
+              <p:nvPicPr>
+                <p:cNvPr id="5" name="Picture 4" descr="delad_S_exolunch.pdf"/>
+                <p:cNvPicPr>
+                  <a:picLocks noChangeAspect="1"/>
+                </p:cNvPicPr>
                 <p:nvPr/>
-              </p:nvSpPr>
+              </p:nvPicPr>
+              <p:blipFill>
+                <a:blip r:embed="rId2">
+                  <a:extLst>
+                    <a:ext uri="{28A0092B-C50C-407E-A947-70E740481C1C}">
+                      <a14:useLocalDpi xmlns:a14="http://schemas.microsoft.com/office/drawing/2010/main" val="0"/>
+                    </a:ext>
+                  </a:extLst>
+                </a:blip>
+                <a:stretch>
+                  <a:fillRect/>
+                </a:stretch>
+              </p:blipFill>
               <p:spPr>
                 <a:xfrm>
-                  <a:off x="553977" y="2418285"/>
-                  <a:ext cx="7728656" cy="3707878"/>
+                  <a:off x="687294" y="3363028"/>
+                  <a:ext cx="3682005" cy="3263900"/>
                 </a:xfrm>
                 <a:prstGeom prst="rect">
                   <a:avLst/>
                 </a:prstGeom>
-                <a:solidFill>
-                  <a:schemeClr val="tx1"/>
-                </a:solidFill>
-                <a:ln>
-                  <a:solidFill>
-                    <a:schemeClr val="tx1"/>
-                  </a:solidFill>
-                </a:ln>
-                <a:effectLst/>
               </p:spPr>
-              <p:style>
-                <a:lnRef idx="1">
-                  <a:schemeClr val="accent1"/>
-                </a:lnRef>
-                <a:fillRef idx="3">
-                  <a:schemeClr val="accent1"/>
-                </a:fillRef>
-                <a:effectRef idx="2">
-                  <a:schemeClr val="accent1"/>
-                </a:effectRef>
-                <a:fontRef idx="minor">
-                  <a:schemeClr val="lt1"/>
-                </a:fontRef>
-              </p:style>
-              <p:txBody>
-                <a:bodyPr rtlCol="0" anchor="ctr"/>
-                <a:lstStyle/>
-                <a:p>
-                  <a:pPr algn="ctr"/>
-                  <a:endParaRPr lang="en-US"/>
-                </a:p>
-              </p:txBody>
-            </p:sp>
-            <p:grpSp>
-              <p:nvGrpSpPr>
-                <p:cNvPr id="4" name="Group 3"/>
-                <p:cNvGrpSpPr/>
+            </p:pic>
+            <p:pic>
+              <p:nvPicPr>
+                <p:cNvPr id="6" name="Picture 5" descr="delad_S_exolunch_3_1.pdf"/>
+                <p:cNvPicPr>
+                  <a:picLocks noChangeAspect="1"/>
+                </p:cNvPicPr>
                 <p:nvPr/>
-              </p:nvGrpSpPr>
-              <p:grpSpPr>
-                <a:xfrm>
-                  <a:off x="700806" y="2617117"/>
-                  <a:ext cx="7457536" cy="3342962"/>
-                  <a:chOff x="687294" y="3363028"/>
-                  <a:chExt cx="7457536" cy="3342962"/>
-                </a:xfrm>
-              </p:grpSpPr>
-              <p:pic>
-                <p:nvPicPr>
-                  <p:cNvPr id="5" name="Picture 4" descr="delad_S_exolunch.pdf"/>
-                  <p:cNvPicPr>
-                    <a:picLocks noChangeAspect="1"/>
-                  </p:cNvPicPr>
-                  <p:nvPr/>
-                </p:nvPicPr>
-                <p:blipFill>
-                  <a:blip r:embed="rId2">
-                    <a:extLst>
-                      <a:ext uri="{28A0092B-C50C-407E-A947-70E740481C1C}">
-                        <a14:useLocalDpi xmlns:a14="http://schemas.microsoft.com/office/drawing/2010/main" val="0"/>
-                      </a:ext>
-                    </a:extLst>
-                  </a:blip>
-                  <a:stretch>
-                    <a:fillRect/>
-                  </a:stretch>
-                </p:blipFill>
-                <p:spPr>
-                  <a:xfrm>
-                    <a:off x="687294" y="3363028"/>
-                    <a:ext cx="3682005" cy="3263900"/>
-                  </a:xfrm>
-                  <a:prstGeom prst="rect">
-                    <a:avLst/>
-                  </a:prstGeom>
-                </p:spPr>
-              </p:pic>
-              <p:pic>
-                <p:nvPicPr>
-                  <p:cNvPr id="6" name="Picture 5" descr="delad_S_exolunch_3_1.pdf"/>
-                  <p:cNvPicPr>
-                    <a:picLocks noChangeAspect="1"/>
-                  </p:cNvPicPr>
-                  <p:nvPr/>
-                </p:nvPicPr>
-                <p:blipFill>
-                  <a:blip r:embed="rId3">
-                    <a:extLst>
-                      <a:ext uri="{28A0092B-C50C-407E-A947-70E740481C1C}">
-                        <a14:useLocalDpi xmlns:a14="http://schemas.microsoft.com/office/drawing/2010/main" val="0"/>
-                      </a:ext>
-                    </a:extLst>
-                  </a:blip>
-                  <a:stretch>
-                    <a:fillRect/>
-                  </a:stretch>
-                </p:blipFill>
-                <p:spPr>
-                  <a:xfrm>
-                    <a:off x="4360230" y="3442090"/>
-                    <a:ext cx="3784600" cy="3263900"/>
-                  </a:xfrm>
-                  <a:prstGeom prst="rect">
-                    <a:avLst/>
-                  </a:prstGeom>
-                </p:spPr>
-              </p:pic>
-            </p:grpSp>
-            <p:sp>
-              <p:nvSpPr>
-                <p:cNvPr id="7" name="TextBox 6"/>
-                <p:cNvSpPr txBox="1"/>
-                <p:nvPr/>
-              </p:nvSpPr>
+              </p:nvPicPr>
+              <p:blipFill>
+                <a:blip r:embed="rId3">
+                  <a:extLst>
+                    <a:ext uri="{28A0092B-C50C-407E-A947-70E740481C1C}">
+                      <a14:useLocalDpi xmlns:a14="http://schemas.microsoft.com/office/drawing/2010/main" val="0"/>
+                    </a:ext>
+                  </a:extLst>
+                </a:blip>
+                <a:stretch>
+                  <a:fillRect/>
+                </a:stretch>
+              </p:blipFill>
               <p:spPr>
                 <a:xfrm>
-                  <a:off x="1951938" y="2524215"/>
-                  <a:ext cx="1597691" cy="325456"/>
+                  <a:off x="4360230" y="3442090"/>
+                  <a:ext cx="3784600" cy="3263900"/>
                 </a:xfrm>
                 <a:prstGeom prst="rect">
                   <a:avLst/>
                 </a:prstGeom>
-                <a:noFill/>
               </p:spPr>
-              <p:txBody>
-                <a:bodyPr wrap="square" rtlCol="0">
-                  <a:spAutoFit/>
-                </a:bodyPr>
-                <a:lstStyle/>
-                <a:p>
-                  <a:r>
-                    <a:rPr lang="en-US" dirty="0" smtClean="0">
-                      <a:solidFill>
-                        <a:srgbClr val="000000"/>
-                      </a:solidFill>
-                    </a:rPr>
-                    <a:t>H2 dissociation</a:t>
-                  </a:r>
-                  <a:endParaRPr lang="en-US" dirty="0">
-                    <a:solidFill>
-                      <a:srgbClr val="000000"/>
-                    </a:solidFill>
-                  </a:endParaRPr>
-                </a:p>
-              </p:txBody>
-            </p:sp>
-            <p:cxnSp>
-              <p:nvCxnSpPr>
-                <p:cNvPr id="8" name="Straight Arrow Connector 7"/>
-                <p:cNvCxnSpPr/>
-                <p:nvPr/>
-              </p:nvCxnSpPr>
-              <p:spPr>
-                <a:xfrm>
-                  <a:off x="2671486" y="2849171"/>
-                  <a:ext cx="672410" cy="842036"/>
-                </a:xfrm>
-                <a:prstGeom prst="straightConnector1">
-                  <a:avLst/>
-                </a:prstGeom>
-                <a:ln>
-                  <a:solidFill>
-                    <a:schemeClr val="bg1"/>
-                  </a:solidFill>
-                  <a:tailEnd type="arrow"/>
-                </a:ln>
-                <a:effectLst/>
-              </p:spPr>
-              <p:style>
-                <a:lnRef idx="2">
-                  <a:schemeClr val="accent1"/>
-                </a:lnRef>
-                <a:fillRef idx="0">
-                  <a:schemeClr val="accent1"/>
-                </a:fillRef>
-                <a:effectRef idx="1">
-                  <a:schemeClr val="accent1"/>
-                </a:effectRef>
-                <a:fontRef idx="minor">
-                  <a:schemeClr val="tx1"/>
-                </a:fontRef>
-              </p:style>
-            </p:cxnSp>
-            <p:cxnSp>
-              <p:nvCxnSpPr>
-                <p:cNvPr id="9" name="Straight Arrow Connector 8"/>
-                <p:cNvCxnSpPr/>
-                <p:nvPr/>
-              </p:nvCxnSpPr>
-              <p:spPr>
-                <a:xfrm flipH="1">
-                  <a:off x="3738051" y="2849171"/>
-                  <a:ext cx="378665" cy="257765"/>
-                </a:xfrm>
-                <a:prstGeom prst="straightConnector1">
-                  <a:avLst/>
-                </a:prstGeom>
-                <a:ln>
-                  <a:solidFill>
-                    <a:schemeClr val="bg1"/>
-                  </a:solidFill>
-                  <a:tailEnd type="arrow"/>
-                </a:ln>
-                <a:effectLst/>
-              </p:spPr>
-              <p:style>
-                <a:lnRef idx="2">
-                  <a:schemeClr val="accent1"/>
-                </a:lnRef>
-                <a:fillRef idx="0">
-                  <a:schemeClr val="accent1"/>
-                </a:fillRef>
-                <a:effectRef idx="1">
-                  <a:schemeClr val="accent1"/>
-                </a:effectRef>
-                <a:fontRef idx="minor">
-                  <a:schemeClr val="tx1"/>
-                </a:fontRef>
-              </p:style>
-            </p:cxnSp>
-            <p:sp>
-              <p:nvSpPr>
-                <p:cNvPr id="10" name="TextBox 9"/>
-                <p:cNvSpPr txBox="1"/>
-                <p:nvPr/>
-              </p:nvSpPr>
-              <p:spPr>
-                <a:xfrm>
-                  <a:off x="3492529" y="2528368"/>
-                  <a:ext cx="1360174" cy="325456"/>
-                </a:xfrm>
-                <a:prstGeom prst="rect">
-                  <a:avLst/>
-                </a:prstGeom>
-                <a:noFill/>
-              </p:spPr>
-              <p:txBody>
-                <a:bodyPr wrap="square" rtlCol="0">
-                  <a:spAutoFit/>
-                </a:bodyPr>
-                <a:lstStyle/>
-                <a:p>
-                  <a:r>
-                    <a:rPr lang="en-US" dirty="0" smtClean="0">
-                      <a:solidFill>
-                        <a:srgbClr val="000000"/>
-                      </a:solidFill>
-                    </a:rPr>
-                    <a:t>H ionization</a:t>
-                  </a:r>
-                  <a:endParaRPr lang="en-US" dirty="0">
-                    <a:solidFill>
-                      <a:srgbClr val="000000"/>
-                    </a:solidFill>
-                  </a:endParaRPr>
-                </a:p>
-              </p:txBody>
-            </p:sp>
-            <p:cxnSp>
-              <p:nvCxnSpPr>
-                <p:cNvPr id="11" name="Straight Arrow Connector 10"/>
-                <p:cNvCxnSpPr/>
-                <p:nvPr/>
-              </p:nvCxnSpPr>
-              <p:spPr>
-                <a:xfrm flipV="1">
-                  <a:off x="1010125" y="4366545"/>
-                  <a:ext cx="1331675" cy="1398631"/>
-                </a:xfrm>
-                <a:prstGeom prst="straightConnector1">
-                  <a:avLst/>
-                </a:prstGeom>
-                <a:ln>
-                  <a:solidFill>
-                    <a:schemeClr val="bg1"/>
-                  </a:solidFill>
-                  <a:tailEnd type="arrow"/>
-                </a:ln>
-                <a:effectLst/>
-              </p:spPr>
-              <p:style>
-                <a:lnRef idx="2">
-                  <a:schemeClr val="accent1"/>
-                </a:lnRef>
-                <a:fillRef idx="0">
-                  <a:schemeClr val="accent1"/>
-                </a:fillRef>
-                <a:effectRef idx="1">
-                  <a:schemeClr val="accent1"/>
-                </a:effectRef>
-                <a:fontRef idx="minor">
-                  <a:schemeClr val="tx1"/>
-                </a:fontRef>
-              </p:style>
-            </p:cxnSp>
-            <p:cxnSp>
-              <p:nvCxnSpPr>
-                <p:cNvPr id="13" name="Straight Arrow Connector 12"/>
-                <p:cNvCxnSpPr/>
-                <p:nvPr/>
-              </p:nvCxnSpPr>
-              <p:spPr>
-                <a:xfrm>
-                  <a:off x="5649068" y="2787477"/>
-                  <a:ext cx="1092832" cy="1134060"/>
-                </a:xfrm>
-                <a:prstGeom prst="straightConnector1">
-                  <a:avLst/>
-                </a:prstGeom>
-                <a:ln>
-                  <a:solidFill>
-                    <a:schemeClr val="bg1">
-                      <a:lumMod val="65000"/>
-                      <a:lumOff val="35000"/>
-                    </a:schemeClr>
-                  </a:solidFill>
-                  <a:tailEnd type="arrow"/>
-                </a:ln>
-                <a:effectLst/>
-              </p:spPr>
-              <p:style>
-                <a:lnRef idx="2">
-                  <a:schemeClr val="accent1"/>
-                </a:lnRef>
-                <a:fillRef idx="0">
-                  <a:schemeClr val="accent1"/>
-                </a:fillRef>
-                <a:effectRef idx="1">
-                  <a:schemeClr val="accent1"/>
-                </a:effectRef>
-                <a:fontRef idx="minor">
-                  <a:schemeClr val="tx1"/>
-                </a:fontRef>
-              </p:style>
-            </p:cxnSp>
-            <p:sp>
-              <p:nvSpPr>
-                <p:cNvPr id="14" name="TextBox 13"/>
-                <p:cNvSpPr txBox="1"/>
-                <p:nvPr/>
-              </p:nvSpPr>
-              <p:spPr>
-                <a:xfrm>
-                  <a:off x="5127643" y="2462021"/>
-                  <a:ext cx="1606698" cy="325456"/>
-                </a:xfrm>
-                <a:prstGeom prst="rect">
-                  <a:avLst/>
-                </a:prstGeom>
-                <a:noFill/>
-              </p:spPr>
-              <p:txBody>
-                <a:bodyPr wrap="square" rtlCol="0">
-                  <a:spAutoFit/>
-                </a:bodyPr>
-                <a:lstStyle/>
-                <a:p>
-                  <a:r>
-                    <a:rPr lang="en-US" dirty="0" smtClean="0">
-                      <a:solidFill>
-                        <a:schemeClr val="bg1"/>
-                      </a:solidFill>
-                    </a:rPr>
-                    <a:t>Saumon+95</a:t>
-                  </a:r>
-                  <a:endParaRPr lang="en-US" dirty="0">
-                    <a:solidFill>
-                      <a:schemeClr val="bg1"/>
-                    </a:solidFill>
-                  </a:endParaRPr>
-                </a:p>
-              </p:txBody>
-            </p:sp>
+            </p:pic>
           </p:grpSp>
+          <p:cxnSp>
+            <p:nvCxnSpPr>
+              <p:cNvPr id="13" name="Straight Arrow Connector 12"/>
+              <p:cNvCxnSpPr/>
+              <p:nvPr/>
+            </p:nvCxnSpPr>
+            <p:spPr>
+              <a:xfrm>
+                <a:off x="5649068" y="2787477"/>
+                <a:ext cx="1092832" cy="1134060"/>
+              </a:xfrm>
+              <a:prstGeom prst="straightConnector1">
+                <a:avLst/>
+              </a:prstGeom>
+              <a:ln>
+                <a:solidFill>
+                  <a:schemeClr val="bg1">
+                    <a:lumMod val="65000"/>
+                    <a:lumOff val="35000"/>
+                  </a:schemeClr>
+                </a:solidFill>
+                <a:tailEnd type="arrow"/>
+              </a:ln>
+              <a:effectLst/>
+            </p:spPr>
+            <p:style>
+              <a:lnRef idx="2">
+                <a:schemeClr val="accent1"/>
+              </a:lnRef>
+              <a:fillRef idx="0">
+                <a:schemeClr val="accent1"/>
+              </a:fillRef>
+              <a:effectRef idx="1">
+                <a:schemeClr val="accent1"/>
+              </a:effectRef>
+              <a:fontRef idx="minor">
+                <a:schemeClr val="tx1"/>
+              </a:fontRef>
+            </p:style>
+          </p:cxnSp>
           <p:sp>
             <p:nvSpPr>
-              <p:cNvPr id="19" name="TextBox 18"/>
+              <p:cNvPr id="14" name="TextBox 13"/>
               <p:cNvSpPr txBox="1"/>
               <p:nvPr/>
             </p:nvSpPr>
             <p:spPr>
               <a:xfrm>
-                <a:off x="744421" y="5684327"/>
-                <a:ext cx="1277379" cy="369332"/>
+                <a:off x="5127643" y="2462021"/>
+                <a:ext cx="1606698" cy="325456"/>
               </a:xfrm>
               <a:prstGeom prst="rect">
                 <a:avLst/>
@@ -8054,14 +7340,14 @@
                 <a:r>
                   <a:rPr lang="en-US" dirty="0" smtClean="0">
                     <a:solidFill>
-                      <a:srgbClr val="000000"/>
+                      <a:schemeClr val="bg1"/>
                     </a:solidFill>
                   </a:rPr>
-                  <a:t>Ideal gas</a:t>
+                  <a:t>Saumon+95</a:t>
                 </a:r>
                 <a:endParaRPr lang="en-US" dirty="0">
                   <a:solidFill>
-                    <a:srgbClr val="000000"/>
+                    <a:schemeClr val="bg1"/>
                   </a:solidFill>
                 </a:endParaRPr>
               </a:p>
@@ -8318,7 +7604,7 @@
     </p:spTree>
     <p:extLst>
       <p:ext uri="{BB962C8B-B14F-4D97-AF65-F5344CB8AC3E}">
-        <p14:creationId xmlns:p14="http://schemas.microsoft.com/office/powerpoint/2010/main" val="3994559088"/>
+        <p14:creationId xmlns:p14="http://schemas.microsoft.com/office/powerpoint/2010/main" val="2561749611"/>
       </p:ext>
     </p:extLst>
   </p:cSld>
@@ -8352,622 +7638,183 @@
           <a:chExt cx="0" cy="0"/>
         </a:xfrm>
       </p:grpSpPr>
+      <p:sp>
+        <p:nvSpPr>
+          <p:cNvPr id="17" name="Rectangle 16"/>
+          <p:cNvSpPr/>
+          <p:nvPr/>
+        </p:nvSpPr>
+        <p:spPr>
+          <a:xfrm>
+            <a:off x="648560" y="2350736"/>
+            <a:ext cx="7890793" cy="4207747"/>
+          </a:xfrm>
+          <a:prstGeom prst="rect">
+            <a:avLst/>
+          </a:prstGeom>
+          <a:solidFill>
+            <a:schemeClr val="tx1"/>
+          </a:solidFill>
+          <a:ln>
+            <a:solidFill>
+              <a:schemeClr val="tx1"/>
+            </a:solidFill>
+          </a:ln>
+          <a:effectLst/>
+        </p:spPr>
+        <p:style>
+          <a:lnRef idx="1">
+            <a:schemeClr val="accent1"/>
+          </a:lnRef>
+          <a:fillRef idx="3">
+            <a:schemeClr val="accent1"/>
+          </a:fillRef>
+          <a:effectRef idx="2">
+            <a:schemeClr val="accent1"/>
+          </a:effectRef>
+          <a:fontRef idx="minor">
+            <a:schemeClr val="lt1"/>
+          </a:fontRef>
+        </p:style>
+        <p:txBody>
+          <a:bodyPr rtlCol="0" anchor="ctr"/>
+          <a:lstStyle/>
+          <a:p>
+            <a:pPr algn="ctr"/>
+            <a:endParaRPr lang="en-US"/>
+          </a:p>
+        </p:txBody>
+      </p:sp>
       <p:grpSp>
         <p:nvGrpSpPr>
-          <p:cNvPr id="34" name="Group 33"/>
+          <p:cNvPr id="4" name="Group 3"/>
           <p:cNvGrpSpPr/>
           <p:nvPr/>
         </p:nvGrpSpPr>
         <p:grpSpPr>
           <a:xfrm>
-            <a:off x="648560" y="2350736"/>
-            <a:ext cx="7890793" cy="4207747"/>
-            <a:chOff x="648560" y="1918416"/>
-            <a:chExt cx="7890793" cy="4207747"/>
+            <a:off x="798469" y="2576373"/>
+            <a:ext cx="7613985" cy="3793636"/>
+            <a:chOff x="687294" y="3363028"/>
+            <a:chExt cx="7457536" cy="3342962"/>
           </a:xfrm>
         </p:grpSpPr>
-        <p:grpSp>
-          <p:nvGrpSpPr>
-            <p:cNvPr id="20" name="Group 19"/>
-            <p:cNvGrpSpPr/>
+        <p:pic>
+          <p:nvPicPr>
+            <p:cNvPr id="5" name="Picture 4" descr="delad_S_exolunch.pdf"/>
+            <p:cNvPicPr>
+              <a:picLocks noChangeAspect="1"/>
+            </p:cNvPicPr>
             <p:nvPr/>
-          </p:nvGrpSpPr>
-          <p:grpSpPr>
-            <a:xfrm>
-              <a:off x="648560" y="1918416"/>
-              <a:ext cx="7890793" cy="4207747"/>
-              <a:chOff x="648560" y="1918416"/>
-              <a:chExt cx="7890793" cy="4207747"/>
-            </a:xfrm>
-          </p:grpSpPr>
-          <p:grpSp>
-            <p:nvGrpSpPr>
-              <p:cNvPr id="18" name="Group 17"/>
-              <p:cNvGrpSpPr/>
-              <p:nvPr/>
-            </p:nvGrpSpPr>
-            <p:grpSpPr>
-              <a:xfrm>
-                <a:off x="648560" y="1918416"/>
-                <a:ext cx="7890793" cy="4207747"/>
-                <a:chOff x="553977" y="2418285"/>
-                <a:chExt cx="7728656" cy="3707878"/>
-              </a:xfrm>
-            </p:grpSpPr>
-            <p:sp>
-              <p:nvSpPr>
-                <p:cNvPr id="17" name="Rectangle 16"/>
-                <p:cNvSpPr/>
-                <p:nvPr/>
-              </p:nvSpPr>
-              <p:spPr>
-                <a:xfrm>
-                  <a:off x="553977" y="2418285"/>
-                  <a:ext cx="7728656" cy="3707878"/>
-                </a:xfrm>
-                <a:prstGeom prst="rect">
-                  <a:avLst/>
-                </a:prstGeom>
-                <a:solidFill>
-                  <a:schemeClr val="tx1"/>
-                </a:solidFill>
-                <a:ln>
-                  <a:solidFill>
-                    <a:schemeClr val="tx1"/>
-                  </a:solidFill>
-                </a:ln>
-                <a:effectLst/>
-              </p:spPr>
-              <p:style>
-                <a:lnRef idx="1">
-                  <a:schemeClr val="accent1"/>
-                </a:lnRef>
-                <a:fillRef idx="3">
-                  <a:schemeClr val="accent1"/>
-                </a:fillRef>
-                <a:effectRef idx="2">
-                  <a:schemeClr val="accent1"/>
-                </a:effectRef>
-                <a:fontRef idx="minor">
-                  <a:schemeClr val="lt1"/>
-                </a:fontRef>
-              </p:style>
-              <p:txBody>
-                <a:bodyPr rtlCol="0" anchor="ctr"/>
-                <a:lstStyle/>
-                <a:p>
-                  <a:pPr algn="ctr"/>
-                  <a:endParaRPr lang="en-US"/>
-                </a:p>
-              </p:txBody>
-            </p:sp>
-            <p:grpSp>
-              <p:nvGrpSpPr>
-                <p:cNvPr id="4" name="Group 3"/>
-                <p:cNvGrpSpPr/>
-                <p:nvPr/>
-              </p:nvGrpSpPr>
-              <p:grpSpPr>
-                <a:xfrm>
-                  <a:off x="700806" y="2617117"/>
-                  <a:ext cx="7457536" cy="3342962"/>
-                  <a:chOff x="687294" y="3363028"/>
-                  <a:chExt cx="7457536" cy="3342962"/>
-                </a:xfrm>
-              </p:grpSpPr>
-              <p:pic>
-                <p:nvPicPr>
-                  <p:cNvPr id="5" name="Picture 4" descr="delad_S_exolunch.pdf"/>
-                  <p:cNvPicPr>
-                    <a:picLocks noChangeAspect="1"/>
-                  </p:cNvPicPr>
-                  <p:nvPr/>
-                </p:nvPicPr>
-                <p:blipFill>
-                  <a:blip r:embed="rId2">
-                    <a:extLst>
-                      <a:ext uri="{28A0092B-C50C-407E-A947-70E740481C1C}">
-                        <a14:useLocalDpi xmlns:a14="http://schemas.microsoft.com/office/drawing/2010/main" val="0"/>
-                      </a:ext>
-                    </a:extLst>
-                  </a:blip>
-                  <a:stretch>
-                    <a:fillRect/>
-                  </a:stretch>
-                </p:blipFill>
-                <p:spPr>
-                  <a:xfrm>
-                    <a:off x="687294" y="3363028"/>
-                    <a:ext cx="3682005" cy="3263900"/>
-                  </a:xfrm>
-                  <a:prstGeom prst="rect">
-                    <a:avLst/>
-                  </a:prstGeom>
-                </p:spPr>
-              </p:pic>
-              <p:pic>
-                <p:nvPicPr>
-                  <p:cNvPr id="6" name="Picture 5" descr="delad_S_exolunch_3_1.pdf"/>
-                  <p:cNvPicPr>
-                    <a:picLocks noChangeAspect="1"/>
-                  </p:cNvPicPr>
-                  <p:nvPr/>
-                </p:nvPicPr>
-                <p:blipFill>
-                  <a:blip r:embed="rId3">
-                    <a:extLst>
-                      <a:ext uri="{28A0092B-C50C-407E-A947-70E740481C1C}">
-                        <a14:useLocalDpi xmlns:a14="http://schemas.microsoft.com/office/drawing/2010/main" val="0"/>
-                      </a:ext>
-                    </a:extLst>
-                  </a:blip>
-                  <a:stretch>
-                    <a:fillRect/>
-                  </a:stretch>
-                </p:blipFill>
-                <p:spPr>
-                  <a:xfrm>
-                    <a:off x="4360230" y="3442090"/>
-                    <a:ext cx="3784600" cy="3263900"/>
-                  </a:xfrm>
-                  <a:prstGeom prst="rect">
-                    <a:avLst/>
-                  </a:prstGeom>
-                </p:spPr>
-              </p:pic>
-            </p:grpSp>
-            <p:sp>
-              <p:nvSpPr>
-                <p:cNvPr id="7" name="TextBox 6"/>
-                <p:cNvSpPr txBox="1"/>
-                <p:nvPr/>
-              </p:nvSpPr>
-              <p:spPr>
-                <a:xfrm>
-                  <a:off x="1951938" y="2524215"/>
-                  <a:ext cx="1597691" cy="325456"/>
-                </a:xfrm>
-                <a:prstGeom prst="rect">
-                  <a:avLst/>
-                </a:prstGeom>
-                <a:noFill/>
-              </p:spPr>
-              <p:txBody>
-                <a:bodyPr wrap="square" rtlCol="0">
-                  <a:spAutoFit/>
-                </a:bodyPr>
-                <a:lstStyle/>
-                <a:p>
-                  <a:r>
-                    <a:rPr lang="en-US" dirty="0" smtClean="0">
-                      <a:solidFill>
-                        <a:srgbClr val="000000"/>
-                      </a:solidFill>
-                    </a:rPr>
-                    <a:t>H2 dissociation</a:t>
-                  </a:r>
-                  <a:endParaRPr lang="en-US" dirty="0">
-                    <a:solidFill>
-                      <a:srgbClr val="000000"/>
-                    </a:solidFill>
-                  </a:endParaRPr>
-                </a:p>
-              </p:txBody>
-            </p:sp>
-            <p:cxnSp>
-              <p:nvCxnSpPr>
-                <p:cNvPr id="8" name="Straight Arrow Connector 7"/>
-                <p:cNvCxnSpPr/>
-                <p:nvPr/>
-              </p:nvCxnSpPr>
-              <p:spPr>
-                <a:xfrm>
-                  <a:off x="2671486" y="2849171"/>
-                  <a:ext cx="672410" cy="842036"/>
-                </a:xfrm>
-                <a:prstGeom prst="straightConnector1">
-                  <a:avLst/>
-                </a:prstGeom>
-                <a:ln>
-                  <a:solidFill>
-                    <a:schemeClr val="bg1"/>
-                  </a:solidFill>
-                  <a:tailEnd type="arrow"/>
-                </a:ln>
-                <a:effectLst/>
-              </p:spPr>
-              <p:style>
-                <a:lnRef idx="2">
-                  <a:schemeClr val="accent1"/>
-                </a:lnRef>
-                <a:fillRef idx="0">
-                  <a:schemeClr val="accent1"/>
-                </a:fillRef>
-                <a:effectRef idx="1">
-                  <a:schemeClr val="accent1"/>
-                </a:effectRef>
-                <a:fontRef idx="minor">
-                  <a:schemeClr val="tx1"/>
-                </a:fontRef>
-              </p:style>
-            </p:cxnSp>
-            <p:cxnSp>
-              <p:nvCxnSpPr>
-                <p:cNvPr id="9" name="Straight Arrow Connector 8"/>
-                <p:cNvCxnSpPr/>
-                <p:nvPr/>
-              </p:nvCxnSpPr>
-              <p:spPr>
-                <a:xfrm flipH="1">
-                  <a:off x="3738051" y="2849171"/>
-                  <a:ext cx="378665" cy="257765"/>
-                </a:xfrm>
-                <a:prstGeom prst="straightConnector1">
-                  <a:avLst/>
-                </a:prstGeom>
-                <a:ln>
-                  <a:solidFill>
-                    <a:schemeClr val="bg1"/>
-                  </a:solidFill>
-                  <a:tailEnd type="arrow"/>
-                </a:ln>
-                <a:effectLst/>
-              </p:spPr>
-              <p:style>
-                <a:lnRef idx="2">
-                  <a:schemeClr val="accent1"/>
-                </a:lnRef>
-                <a:fillRef idx="0">
-                  <a:schemeClr val="accent1"/>
-                </a:fillRef>
-                <a:effectRef idx="1">
-                  <a:schemeClr val="accent1"/>
-                </a:effectRef>
-                <a:fontRef idx="minor">
-                  <a:schemeClr val="tx1"/>
-                </a:fontRef>
-              </p:style>
-            </p:cxnSp>
-            <p:sp>
-              <p:nvSpPr>
-                <p:cNvPr id="10" name="TextBox 9"/>
-                <p:cNvSpPr txBox="1"/>
-                <p:nvPr/>
-              </p:nvSpPr>
-              <p:spPr>
-                <a:xfrm>
-                  <a:off x="3492529" y="2528368"/>
-                  <a:ext cx="1360174" cy="325456"/>
-                </a:xfrm>
-                <a:prstGeom prst="rect">
-                  <a:avLst/>
-                </a:prstGeom>
-                <a:noFill/>
-              </p:spPr>
-              <p:txBody>
-                <a:bodyPr wrap="square" rtlCol="0">
-                  <a:spAutoFit/>
-                </a:bodyPr>
-                <a:lstStyle/>
-                <a:p>
-                  <a:r>
-                    <a:rPr lang="en-US" dirty="0" smtClean="0">
-                      <a:solidFill>
-                        <a:srgbClr val="000000"/>
-                      </a:solidFill>
-                    </a:rPr>
-                    <a:t>H ionization</a:t>
-                  </a:r>
-                  <a:endParaRPr lang="en-US" dirty="0">
-                    <a:solidFill>
-                      <a:srgbClr val="000000"/>
-                    </a:solidFill>
-                  </a:endParaRPr>
-                </a:p>
-              </p:txBody>
-            </p:sp>
-            <p:cxnSp>
-              <p:nvCxnSpPr>
-                <p:cNvPr id="11" name="Straight Arrow Connector 10"/>
-                <p:cNvCxnSpPr/>
-                <p:nvPr/>
-              </p:nvCxnSpPr>
-              <p:spPr>
-                <a:xfrm flipV="1">
-                  <a:off x="1010125" y="4366545"/>
-                  <a:ext cx="1331675" cy="1398631"/>
-                </a:xfrm>
-                <a:prstGeom prst="straightConnector1">
-                  <a:avLst/>
-                </a:prstGeom>
-                <a:ln>
-                  <a:solidFill>
-                    <a:schemeClr val="bg1"/>
-                  </a:solidFill>
-                  <a:tailEnd type="arrow"/>
-                </a:ln>
-                <a:effectLst/>
-              </p:spPr>
-              <p:style>
-                <a:lnRef idx="2">
-                  <a:schemeClr val="accent1"/>
-                </a:lnRef>
-                <a:fillRef idx="0">
-                  <a:schemeClr val="accent1"/>
-                </a:fillRef>
-                <a:effectRef idx="1">
-                  <a:schemeClr val="accent1"/>
-                </a:effectRef>
-                <a:fontRef idx="minor">
-                  <a:schemeClr val="tx1"/>
-                </a:fontRef>
-              </p:style>
-            </p:cxnSp>
-            <p:cxnSp>
-              <p:nvCxnSpPr>
-                <p:cNvPr id="13" name="Straight Arrow Connector 12"/>
-                <p:cNvCxnSpPr/>
-                <p:nvPr/>
-              </p:nvCxnSpPr>
-              <p:spPr>
-                <a:xfrm>
-                  <a:off x="5649068" y="2787477"/>
-                  <a:ext cx="1092832" cy="1134060"/>
-                </a:xfrm>
-                <a:prstGeom prst="straightConnector1">
-                  <a:avLst/>
-                </a:prstGeom>
-                <a:ln>
-                  <a:solidFill>
-                    <a:schemeClr val="bg1">
-                      <a:lumMod val="65000"/>
-                      <a:lumOff val="35000"/>
-                    </a:schemeClr>
-                  </a:solidFill>
-                  <a:tailEnd type="arrow"/>
-                </a:ln>
-                <a:effectLst/>
-              </p:spPr>
-              <p:style>
-                <a:lnRef idx="2">
-                  <a:schemeClr val="accent1"/>
-                </a:lnRef>
-                <a:fillRef idx="0">
-                  <a:schemeClr val="accent1"/>
-                </a:fillRef>
-                <a:effectRef idx="1">
-                  <a:schemeClr val="accent1"/>
-                </a:effectRef>
-                <a:fontRef idx="minor">
-                  <a:schemeClr val="tx1"/>
-                </a:fontRef>
-              </p:style>
-            </p:cxnSp>
-            <p:sp>
-              <p:nvSpPr>
-                <p:cNvPr id="14" name="TextBox 13"/>
-                <p:cNvSpPr txBox="1"/>
-                <p:nvPr/>
-              </p:nvSpPr>
-              <p:spPr>
-                <a:xfrm>
-                  <a:off x="5127643" y="2462021"/>
-                  <a:ext cx="1606698" cy="325456"/>
-                </a:xfrm>
-                <a:prstGeom prst="rect">
-                  <a:avLst/>
-                </a:prstGeom>
-                <a:noFill/>
-              </p:spPr>
-              <p:txBody>
-                <a:bodyPr wrap="square" rtlCol="0">
-                  <a:spAutoFit/>
-                </a:bodyPr>
-                <a:lstStyle/>
-                <a:p>
-                  <a:r>
-                    <a:rPr lang="en-US" dirty="0" smtClean="0">
-                      <a:solidFill>
-                        <a:schemeClr val="bg1"/>
-                      </a:solidFill>
-                    </a:rPr>
-                    <a:t>Saumon+95</a:t>
-                  </a:r>
-                  <a:endParaRPr lang="en-US" dirty="0">
-                    <a:solidFill>
-                      <a:schemeClr val="bg1"/>
-                    </a:solidFill>
-                  </a:endParaRPr>
-                </a:p>
-              </p:txBody>
-            </p:sp>
-          </p:grpSp>
-          <p:sp>
-            <p:nvSpPr>
-              <p:cNvPr id="19" name="TextBox 18"/>
-              <p:cNvSpPr txBox="1"/>
-              <p:nvPr/>
-            </p:nvSpPr>
-            <p:spPr>
-              <a:xfrm>
-                <a:off x="744421" y="5684327"/>
-                <a:ext cx="1277379" cy="369332"/>
-              </a:xfrm>
-              <a:prstGeom prst="rect">
-                <a:avLst/>
-              </a:prstGeom>
-              <a:noFill/>
-            </p:spPr>
-            <p:txBody>
-              <a:bodyPr wrap="square" rtlCol="0">
-                <a:spAutoFit/>
-              </a:bodyPr>
-              <a:lstStyle/>
-              <a:p>
-                <a:r>
-                  <a:rPr lang="en-US" dirty="0" smtClean="0">
-                    <a:solidFill>
-                      <a:srgbClr val="000000"/>
-                    </a:solidFill>
-                  </a:rPr>
-                  <a:t>Ideal gas</a:t>
-                </a:r>
-                <a:endParaRPr lang="en-US" dirty="0">
-                  <a:solidFill>
-                    <a:srgbClr val="000000"/>
-                  </a:solidFill>
-                </a:endParaRPr>
-              </a:p>
-            </p:txBody>
-          </p:sp>
-        </p:grpSp>
-        <p:sp>
-          <p:nvSpPr>
-            <p:cNvPr id="31" name="TextBox 30"/>
-            <p:cNvSpPr txBox="1"/>
-            <p:nvPr/>
-          </p:nvSpPr>
+          </p:nvPicPr>
+          <p:blipFill>
+            <a:blip r:embed="rId2">
+              <a:extLst>
+                <a:ext uri="{28A0092B-C50C-407E-A947-70E740481C1C}">
+                  <a14:useLocalDpi xmlns:a14="http://schemas.microsoft.com/office/drawing/2010/main" val="0"/>
+                </a:ext>
+              </a:extLst>
+            </a:blip>
+            <a:stretch>
+              <a:fillRect/>
+            </a:stretch>
+          </p:blipFill>
           <p:spPr>
             <a:xfrm>
-              <a:off x="3651875" y="5675980"/>
-              <a:ext cx="1666300" cy="369332"/>
+              <a:off x="687294" y="3363028"/>
+              <a:ext cx="3682005" cy="3263900"/>
             </a:xfrm>
             <a:prstGeom prst="rect">
               <a:avLst/>
             </a:prstGeom>
-            <a:noFill/>
           </p:spPr>
-          <p:txBody>
-            <a:bodyPr wrap="square" rtlCol="0">
-              <a:spAutoFit/>
-            </a:bodyPr>
-            <a:lstStyle/>
-            <a:p>
-              <a:r>
-                <a:rPr lang="en-US" dirty="0" smtClean="0">
-                  <a:solidFill>
-                    <a:srgbClr val="000000"/>
-                  </a:solidFill>
-                </a:rPr>
-                <a:t>Our extension</a:t>
-              </a:r>
-              <a:endParaRPr lang="en-US" dirty="0">
-                <a:solidFill>
-                  <a:srgbClr val="000000"/>
-                </a:solidFill>
-              </a:endParaRPr>
-            </a:p>
-          </p:txBody>
-        </p:sp>
+        </p:pic>
+        <p:pic>
+          <p:nvPicPr>
+            <p:cNvPr id="6" name="Picture 5" descr="delad_S_exolunch_3_1.pdf"/>
+            <p:cNvPicPr>
+              <a:picLocks noChangeAspect="1"/>
+            </p:cNvPicPr>
+            <p:nvPr/>
+          </p:nvPicPr>
+          <p:blipFill>
+            <a:blip r:embed="rId3">
+              <a:extLst>
+                <a:ext uri="{28A0092B-C50C-407E-A947-70E740481C1C}">
+                  <a14:useLocalDpi xmlns:a14="http://schemas.microsoft.com/office/drawing/2010/main" val="0"/>
+                </a:ext>
+              </a:extLst>
+            </a:blip>
+            <a:stretch>
+              <a:fillRect/>
+            </a:stretch>
+          </p:blipFill>
+          <p:spPr>
+            <a:xfrm>
+              <a:off x="4360230" y="3442090"/>
+              <a:ext cx="3784600" cy="3263900"/>
+            </a:xfrm>
+            <a:prstGeom prst="rect">
+              <a:avLst/>
+            </a:prstGeom>
+          </p:spPr>
+        </p:pic>
       </p:grpSp>
       <p:sp>
         <p:nvSpPr>
-          <p:cNvPr id="37" name="Title 1"/>
-          <p:cNvSpPr>
-            <a:spLocks noGrp="1"/>
-          </p:cNvSpPr>
-          <p:nvPr>
-            <p:ph type="title"/>
-          </p:nvPr>
+          <p:cNvPr id="7" name="TextBox 6"/>
+          <p:cNvSpPr txBox="1"/>
+          <p:nvPr/>
         </p:nvSpPr>
         <p:spPr>
           <a:xfrm>
-            <a:off x="457200" y="17948"/>
-            <a:ext cx="8229600" cy="1143000"/>
-          </a:xfrm>
-        </p:spPr>
-        <p:txBody>
-          <a:bodyPr>
-            <a:normAutofit fontScale="90000"/>
-          </a:bodyPr>
-          <a:lstStyle/>
-          <a:p>
-            <a:r>
-              <a:rPr lang="en-US" dirty="0" smtClean="0"/>
-              <a:t>   </a:t>
-            </a:r>
-            <a:r>
-              <a:rPr lang="en-US" sz="3800" dirty="0" smtClean="0"/>
-              <a:t>Adiabatic gradient                 is                            </a:t>
-            </a:r>
-            <a:r>
-              <a:rPr lang="en-US" sz="3800" dirty="0" smtClean="0">
-                <a:solidFill>
-                  <a:srgbClr val="FFFF00"/>
-                </a:solidFill>
-              </a:rPr>
-              <a:t>variable</a:t>
-            </a:r>
-            <a:r>
-              <a:rPr lang="en-US" sz="3800" dirty="0" smtClean="0"/>
-              <a:t> for </a:t>
-            </a:r>
-            <a:r>
-              <a:rPr lang="en-US" sz="3800" dirty="0" smtClean="0">
-                <a:solidFill>
-                  <a:srgbClr val="FFFF00"/>
-                </a:solidFill>
-              </a:rPr>
-              <a:t>realistic EOS</a:t>
-            </a:r>
-            <a:endParaRPr lang="en-US" sz="3800" dirty="0">
-              <a:solidFill>
-                <a:srgbClr val="FFFF00"/>
-              </a:solidFill>
-            </a:endParaRPr>
-          </a:p>
-        </p:txBody>
-      </p:sp>
-      <p:pic>
-        <p:nvPicPr>
-          <p:cNvPr id="38" name="Picture 37"/>
-          <p:cNvPicPr/>
-          <p:nvPr/>
-        </p:nvPicPr>
-        <p:blipFill>
-          <a:blip r:embed="rId4"/>
-          <a:stretch>
-            <a:fillRect/>
-          </a:stretch>
-        </p:blipFill>
-        <p:spPr>
-          <a:xfrm>
-            <a:off x="5528254" y="99008"/>
-            <a:ext cx="1296547" cy="554135"/>
+            <a:off x="2075848" y="2470947"/>
+            <a:ext cx="1631208" cy="369332"/>
           </a:xfrm>
           <a:prstGeom prst="rect">
             <a:avLst/>
           </a:prstGeom>
-          <a:solidFill>
-            <a:srgbClr val="FFFF00"/>
-          </a:solidFill>
-          <a:ln w="25400">
-            <a:solidFill>
-              <a:srgbClr val="0000FF"/>
-            </a:solidFill>
-          </a:ln>
+          <a:noFill/>
         </p:spPr>
-      </p:pic>
+        <p:txBody>
+          <a:bodyPr wrap="square" rtlCol="0">
+            <a:spAutoFit/>
+          </a:bodyPr>
+          <a:lstStyle/>
+          <a:p>
+            <a:r>
+              <a:rPr lang="en-US" dirty="0" smtClean="0">
+                <a:solidFill>
+                  <a:srgbClr val="000000"/>
+                </a:solidFill>
+              </a:rPr>
+              <a:t>H2 dissociation</a:t>
+            </a:r>
+            <a:endParaRPr lang="en-US" dirty="0">
+              <a:solidFill>
+                <a:srgbClr val="000000"/>
+              </a:solidFill>
+            </a:endParaRPr>
+          </a:p>
+        </p:txBody>
+      </p:sp>
       <p:cxnSp>
         <p:nvCxnSpPr>
-          <p:cNvPr id="39" name="Straight Arrow Connector 38"/>
+          <p:cNvPr id="8" name="Straight Arrow Connector 7"/>
           <p:cNvCxnSpPr/>
           <p:nvPr/>
         </p:nvCxnSpPr>
         <p:spPr>
-          <a:xfrm flipH="1" flipV="1">
-            <a:off x="2810492" y="4672172"/>
-            <a:ext cx="1475549" cy="1444476"/>
+          <a:xfrm>
+            <a:off x="2810492" y="2839711"/>
+            <a:ext cx="686516" cy="955553"/>
           </a:xfrm>
           <a:prstGeom prst="straightConnector1">
             <a:avLst/>
           </a:prstGeom>
           <a:ln>
             <a:solidFill>
-              <a:schemeClr val="bg1">
-                <a:lumMod val="65000"/>
-                <a:lumOff val="35000"/>
-              </a:schemeClr>
+              <a:schemeClr val="bg1"/>
             </a:solidFill>
             <a:tailEnd type="arrow"/>
           </a:ln>
@@ -8990,24 +7837,21 @@
       </p:cxnSp>
       <p:cxnSp>
         <p:nvCxnSpPr>
-          <p:cNvPr id="40" name="Straight Arrow Connector 39"/>
+          <p:cNvPr id="9" name="Straight Arrow Connector 8"/>
           <p:cNvCxnSpPr/>
           <p:nvPr/>
         </p:nvCxnSpPr>
         <p:spPr>
-          <a:xfrm flipV="1">
-            <a:off x="4286041" y="4672172"/>
-            <a:ext cx="1172660" cy="1444476"/>
+          <a:xfrm flipH="1">
+            <a:off x="3899432" y="2839711"/>
+            <a:ext cx="386609" cy="292515"/>
           </a:xfrm>
           <a:prstGeom prst="straightConnector1">
             <a:avLst/>
           </a:prstGeom>
           <a:ln>
             <a:solidFill>
-              <a:schemeClr val="bg1">
-                <a:lumMod val="65000"/>
-                <a:lumOff val="35000"/>
-              </a:schemeClr>
+              <a:schemeClr val="bg1"/>
             </a:solidFill>
             <a:tailEnd type="arrow"/>
           </a:ln>
@@ -9028,26 +7872,61 @@
           </a:fontRef>
         </p:style>
       </p:cxnSp>
+      <p:sp>
+        <p:nvSpPr>
+          <p:cNvPr id="10" name="TextBox 9"/>
+          <p:cNvSpPr txBox="1"/>
+          <p:nvPr/>
+        </p:nvSpPr>
+        <p:spPr>
+          <a:xfrm>
+            <a:off x="3648759" y="2475660"/>
+            <a:ext cx="1388709" cy="369332"/>
+          </a:xfrm>
+          <a:prstGeom prst="rect">
+            <a:avLst/>
+          </a:prstGeom>
+          <a:noFill/>
+        </p:spPr>
+        <p:txBody>
+          <a:bodyPr wrap="square" rtlCol="0">
+            <a:spAutoFit/>
+          </a:bodyPr>
+          <a:lstStyle/>
+          <a:p>
+            <a:r>
+              <a:rPr lang="en-US" dirty="0" smtClean="0">
+                <a:solidFill>
+                  <a:srgbClr val="000000"/>
+                </a:solidFill>
+              </a:rPr>
+              <a:t>H ionization</a:t>
+            </a:r>
+            <a:endParaRPr lang="en-US" dirty="0">
+              <a:solidFill>
+                <a:srgbClr val="000000"/>
+              </a:solidFill>
+            </a:endParaRPr>
+          </a:p>
+        </p:txBody>
+      </p:sp>
       <p:cxnSp>
         <p:nvCxnSpPr>
-          <p:cNvPr id="41" name="Straight Arrow Connector 40"/>
+          <p:cNvPr id="11" name="Straight Arrow Connector 10"/>
           <p:cNvCxnSpPr/>
           <p:nvPr/>
         </p:nvCxnSpPr>
         <p:spPr>
-          <a:xfrm flipH="1">
-            <a:off x="3798778" y="2769700"/>
-            <a:ext cx="2051762" cy="655047"/>
+          <a:xfrm flipV="1">
+            <a:off x="1114277" y="4561646"/>
+            <a:ext cx="1359612" cy="1587184"/>
           </a:xfrm>
           <a:prstGeom prst="straightConnector1">
             <a:avLst/>
           </a:prstGeom>
           <a:ln>
             <a:solidFill>
-              <a:schemeClr val="bg1">
-                <a:lumMod val="65000"/>
-                <a:lumOff val="35000"/>
-              </a:schemeClr>
+              <a:schemeClr val="bg1"/>
             </a:solidFill>
             <a:tailEnd type="arrow"/>
           </a:ln>
@@ -9068,6 +7947,394 @@
           </a:fontRef>
         </p:style>
       </p:cxnSp>
+      <p:sp>
+        <p:nvSpPr>
+          <p:cNvPr id="19" name="TextBox 18"/>
+          <p:cNvSpPr txBox="1"/>
+          <p:nvPr/>
+        </p:nvSpPr>
+        <p:spPr>
+          <a:xfrm>
+            <a:off x="744421" y="6116647"/>
+            <a:ext cx="1277379" cy="369332"/>
+          </a:xfrm>
+          <a:prstGeom prst="rect">
+            <a:avLst/>
+          </a:prstGeom>
+          <a:noFill/>
+        </p:spPr>
+        <p:txBody>
+          <a:bodyPr wrap="square" rtlCol="0">
+            <a:spAutoFit/>
+          </a:bodyPr>
+          <a:lstStyle/>
+          <a:p>
+            <a:r>
+              <a:rPr lang="en-US" dirty="0" smtClean="0">
+                <a:solidFill>
+                  <a:srgbClr val="000000"/>
+                </a:solidFill>
+              </a:rPr>
+              <a:t>Ideal gas</a:t>
+            </a:r>
+            <a:endParaRPr lang="en-US" dirty="0">
+              <a:solidFill>
+                <a:srgbClr val="000000"/>
+              </a:solidFill>
+            </a:endParaRPr>
+          </a:p>
+        </p:txBody>
+      </p:sp>
+      <p:sp>
+        <p:nvSpPr>
+          <p:cNvPr id="37" name="Title 1"/>
+          <p:cNvSpPr>
+            <a:spLocks noGrp="1"/>
+          </p:cNvSpPr>
+          <p:nvPr>
+            <p:ph type="title"/>
+          </p:nvPr>
+        </p:nvSpPr>
+        <p:spPr>
+          <a:xfrm>
+            <a:off x="457200" y="17948"/>
+            <a:ext cx="8229600" cy="1143000"/>
+          </a:xfrm>
+        </p:spPr>
+        <p:txBody>
+          <a:bodyPr>
+            <a:normAutofit fontScale="90000"/>
+          </a:bodyPr>
+          <a:lstStyle/>
+          <a:p>
+            <a:r>
+              <a:rPr lang="en-US" dirty="0" smtClean="0"/>
+              <a:t>   </a:t>
+            </a:r>
+            <a:r>
+              <a:rPr lang="en-US" sz="3800" dirty="0" smtClean="0"/>
+              <a:t>Adiabatic gradient                 is                            </a:t>
+            </a:r>
+            <a:r>
+              <a:rPr lang="en-US" sz="3800" dirty="0" smtClean="0">
+                <a:solidFill>
+                  <a:srgbClr val="FFFF00"/>
+                </a:solidFill>
+              </a:rPr>
+              <a:t>variable</a:t>
+            </a:r>
+            <a:r>
+              <a:rPr lang="en-US" sz="3800" dirty="0" smtClean="0"/>
+              <a:t> for </a:t>
+            </a:r>
+            <a:r>
+              <a:rPr lang="en-US" sz="3800" dirty="0" smtClean="0">
+                <a:solidFill>
+                  <a:srgbClr val="FFFF00"/>
+                </a:solidFill>
+              </a:rPr>
+              <a:t>realistic EOS</a:t>
+            </a:r>
+            <a:endParaRPr lang="en-US" sz="3800" dirty="0">
+              <a:solidFill>
+                <a:srgbClr val="FFFF00"/>
+              </a:solidFill>
+            </a:endParaRPr>
+          </a:p>
+        </p:txBody>
+      </p:sp>
+      <p:pic>
+        <p:nvPicPr>
+          <p:cNvPr id="38" name="Picture 37"/>
+          <p:cNvPicPr/>
+          <p:nvPr/>
+        </p:nvPicPr>
+        <p:blipFill>
+          <a:blip r:embed="rId4"/>
+          <a:stretch>
+            <a:fillRect/>
+          </a:stretch>
+        </p:blipFill>
+        <p:spPr>
+          <a:xfrm>
+            <a:off x="5528254" y="99008"/>
+            <a:ext cx="1296547" cy="554135"/>
+          </a:xfrm>
+          <a:prstGeom prst="rect">
+            <a:avLst/>
+          </a:prstGeom>
+          <a:solidFill>
+            <a:srgbClr val="FFFF00"/>
+          </a:solidFill>
+          <a:ln w="25400">
+            <a:solidFill>
+              <a:srgbClr val="0000FF"/>
+            </a:solidFill>
+          </a:ln>
+        </p:spPr>
+      </p:pic>
+    </p:spTree>
+    <p:extLst>
+      <p:ext uri="{BB962C8B-B14F-4D97-AF65-F5344CB8AC3E}">
+        <p14:creationId xmlns:p14="http://schemas.microsoft.com/office/powerpoint/2010/main" val="555488959"/>
+      </p:ext>
+    </p:extLst>
+  </p:cSld>
+  <p:clrMapOvr>
+    <a:masterClrMapping/>
+  </p:clrMapOvr>
+  <p:timing>
+    <p:tnLst>
+      <p:par>
+        <p:cTn xmlns:p14="http://schemas.microsoft.com/office/powerpoint/2010/main" id="1" dur="indefinite" restart="never" nodeType="tmRoot"/>
+      </p:par>
+    </p:tnLst>
+  </p:timing>
+</p:sld>
+</file>
+
+<file path=ppt/slides/slide18.xml><?xml version="1.0" encoding="utf-8"?>
+<p:sld xmlns:a="http://schemas.openxmlformats.org/drawingml/2006/main" xmlns:r="http://schemas.openxmlformats.org/officeDocument/2006/relationships" xmlns:p="http://schemas.openxmlformats.org/presentationml/2006/main">
+  <p:cSld>
+    <p:spTree>
+      <p:nvGrpSpPr>
+        <p:cNvPr id="1" name=""/>
+        <p:cNvGrpSpPr/>
+        <p:nvPr/>
+      </p:nvGrpSpPr>
+      <p:grpSpPr>
+        <a:xfrm>
+          <a:off x="0" y="0"/>
+          <a:ext cx="0" cy="0"/>
+          <a:chOff x="0" y="0"/>
+          <a:chExt cx="0" cy="0"/>
+        </a:xfrm>
+      </p:grpSpPr>
+      <p:grpSp>
+        <p:nvGrpSpPr>
+          <p:cNvPr id="18" name="Group 17"/>
+          <p:cNvGrpSpPr/>
+          <p:nvPr/>
+        </p:nvGrpSpPr>
+        <p:grpSpPr>
+          <a:xfrm>
+            <a:off x="648560" y="2350736"/>
+            <a:ext cx="7890793" cy="4207747"/>
+            <a:chOff x="553977" y="2418285"/>
+            <a:chExt cx="7728656" cy="3707878"/>
+          </a:xfrm>
+        </p:grpSpPr>
+        <p:sp>
+          <p:nvSpPr>
+            <p:cNvPr id="17" name="Rectangle 16"/>
+            <p:cNvSpPr/>
+            <p:nvPr/>
+          </p:nvSpPr>
+          <p:spPr>
+            <a:xfrm>
+              <a:off x="553977" y="2418285"/>
+              <a:ext cx="7728656" cy="3707878"/>
+            </a:xfrm>
+            <a:prstGeom prst="rect">
+              <a:avLst/>
+            </a:prstGeom>
+            <a:solidFill>
+              <a:schemeClr val="tx1"/>
+            </a:solidFill>
+            <a:ln>
+              <a:solidFill>
+                <a:schemeClr val="tx1"/>
+              </a:solidFill>
+            </a:ln>
+            <a:effectLst/>
+          </p:spPr>
+          <p:style>
+            <a:lnRef idx="1">
+              <a:schemeClr val="accent1"/>
+            </a:lnRef>
+            <a:fillRef idx="3">
+              <a:schemeClr val="accent1"/>
+            </a:fillRef>
+            <a:effectRef idx="2">
+              <a:schemeClr val="accent1"/>
+            </a:effectRef>
+            <a:fontRef idx="minor">
+              <a:schemeClr val="lt1"/>
+            </a:fontRef>
+          </p:style>
+          <p:txBody>
+            <a:bodyPr rtlCol="0" anchor="ctr"/>
+            <a:lstStyle/>
+            <a:p>
+              <a:pPr algn="ctr"/>
+              <a:endParaRPr lang="en-US"/>
+            </a:p>
+          </p:txBody>
+        </p:sp>
+        <p:grpSp>
+          <p:nvGrpSpPr>
+            <p:cNvPr id="4" name="Group 3"/>
+            <p:cNvGrpSpPr/>
+            <p:nvPr/>
+          </p:nvGrpSpPr>
+          <p:grpSpPr>
+            <a:xfrm>
+              <a:off x="700806" y="2617117"/>
+              <a:ext cx="7457536" cy="3342962"/>
+              <a:chOff x="687294" y="3363028"/>
+              <a:chExt cx="7457536" cy="3342962"/>
+            </a:xfrm>
+          </p:grpSpPr>
+          <p:pic>
+            <p:nvPicPr>
+              <p:cNvPr id="5" name="Picture 4" descr="delad_S_exolunch.pdf"/>
+              <p:cNvPicPr>
+                <a:picLocks noChangeAspect="1"/>
+              </p:cNvPicPr>
+              <p:nvPr/>
+            </p:nvPicPr>
+            <p:blipFill>
+              <a:blip r:embed="rId2">
+                <a:extLst>
+                  <a:ext uri="{28A0092B-C50C-407E-A947-70E740481C1C}">
+                    <a14:useLocalDpi xmlns:a14="http://schemas.microsoft.com/office/drawing/2010/main" val="0"/>
+                  </a:ext>
+                </a:extLst>
+              </a:blip>
+              <a:stretch>
+                <a:fillRect/>
+              </a:stretch>
+            </p:blipFill>
+            <p:spPr>
+              <a:xfrm>
+                <a:off x="687294" y="3363028"/>
+                <a:ext cx="3682005" cy="3263900"/>
+              </a:xfrm>
+              <a:prstGeom prst="rect">
+                <a:avLst/>
+              </a:prstGeom>
+            </p:spPr>
+          </p:pic>
+          <p:pic>
+            <p:nvPicPr>
+              <p:cNvPr id="6" name="Picture 5" descr="delad_S_exolunch_3_1.pdf"/>
+              <p:cNvPicPr>
+                <a:picLocks noChangeAspect="1"/>
+              </p:cNvPicPr>
+              <p:nvPr/>
+            </p:nvPicPr>
+            <p:blipFill>
+              <a:blip r:embed="rId3">
+                <a:extLst>
+                  <a:ext uri="{28A0092B-C50C-407E-A947-70E740481C1C}">
+                    <a14:useLocalDpi xmlns:a14="http://schemas.microsoft.com/office/drawing/2010/main" val="0"/>
+                  </a:ext>
+                </a:extLst>
+              </a:blip>
+              <a:stretch>
+                <a:fillRect/>
+              </a:stretch>
+            </p:blipFill>
+            <p:spPr>
+              <a:xfrm>
+                <a:off x="4360230" y="3442090"/>
+                <a:ext cx="3784600" cy="3263900"/>
+              </a:xfrm>
+              <a:prstGeom prst="rect">
+                <a:avLst/>
+              </a:prstGeom>
+            </p:spPr>
+          </p:pic>
+        </p:grpSp>
+      </p:grpSp>
+      <p:sp>
+        <p:nvSpPr>
+          <p:cNvPr id="37" name="Title 1"/>
+          <p:cNvSpPr>
+            <a:spLocks noGrp="1"/>
+          </p:cNvSpPr>
+          <p:nvPr>
+            <p:ph type="title"/>
+          </p:nvPr>
+        </p:nvSpPr>
+        <p:spPr>
+          <a:xfrm>
+            <a:off x="457200" y="17948"/>
+            <a:ext cx="8229600" cy="1143000"/>
+          </a:xfrm>
+        </p:spPr>
+        <p:txBody>
+          <a:bodyPr>
+            <a:normAutofit fontScale="90000"/>
+          </a:bodyPr>
+          <a:lstStyle/>
+          <a:p>
+            <a:r>
+              <a:rPr lang="en-US" dirty="0" smtClean="0"/>
+              <a:t>   </a:t>
+            </a:r>
+            <a:r>
+              <a:rPr lang="en-US" sz="3800" dirty="0" smtClean="0"/>
+              <a:t>Adiabatic gradient                 is                            </a:t>
+            </a:r>
+            <a:r>
+              <a:rPr lang="en-US" sz="3800" dirty="0" smtClean="0">
+                <a:solidFill>
+                  <a:srgbClr val="FFFF00"/>
+                </a:solidFill>
+              </a:rPr>
+              <a:t>variable</a:t>
+            </a:r>
+            <a:r>
+              <a:rPr lang="en-US" sz="3800" dirty="0" smtClean="0"/>
+              <a:t> for </a:t>
+            </a:r>
+            <a:r>
+              <a:rPr lang="en-US" sz="3800" dirty="0" smtClean="0">
+                <a:solidFill>
+                  <a:srgbClr val="FFFF00"/>
+                </a:solidFill>
+              </a:rPr>
+              <a:t>realistic EOS</a:t>
+            </a:r>
+            <a:endParaRPr lang="en-US" sz="3800" dirty="0">
+              <a:solidFill>
+                <a:srgbClr val="FFFF00"/>
+              </a:solidFill>
+            </a:endParaRPr>
+          </a:p>
+        </p:txBody>
+      </p:sp>
+      <p:pic>
+        <p:nvPicPr>
+          <p:cNvPr id="38" name="Picture 37"/>
+          <p:cNvPicPr/>
+          <p:nvPr/>
+        </p:nvPicPr>
+        <p:blipFill>
+          <a:blip r:embed="rId4"/>
+          <a:stretch>
+            <a:fillRect/>
+          </a:stretch>
+        </p:blipFill>
+        <p:spPr>
+          <a:xfrm>
+            <a:off x="5528254" y="99008"/>
+            <a:ext cx="1296547" cy="554135"/>
+          </a:xfrm>
+          <a:prstGeom prst="rect">
+            <a:avLst/>
+          </a:prstGeom>
+          <a:solidFill>
+            <a:srgbClr val="FFFF00"/>
+          </a:solidFill>
+          <a:ln w="25400">
+            <a:solidFill>
+              <a:srgbClr val="0000FF"/>
+            </a:solidFill>
+          </a:ln>
+        </p:spPr>
+      </p:pic>
       <p:cxnSp>
         <p:nvCxnSpPr>
           <p:cNvPr id="23" name="Straight Arrow Connector 22"/>
@@ -9216,7 +8483,7 @@
 </p:sld>
 </file>
 
-<file path=ppt/slides/slide18.xml><?xml version="1.0" encoding="utf-8"?>
+<file path=ppt/slides/slide19.xml><?xml version="1.0" encoding="utf-8"?>
 <p:sld xmlns:a="http://schemas.openxmlformats.org/drawingml/2006/main" xmlns:r="http://schemas.openxmlformats.org/officeDocument/2006/relationships" xmlns:p="http://schemas.openxmlformats.org/presentationml/2006/main">
   <p:cSld>
     <p:spTree>
@@ -9293,7 +8560,7 @@
       </p:sp>
       <p:grpSp>
         <p:nvGrpSpPr>
-          <p:cNvPr id="34" name="Group 33"/>
+          <p:cNvPr id="18" name="Group 17"/>
           <p:cNvGrpSpPr/>
           <p:nvPr/>
         </p:nvGrpSpPr>
@@ -9301,623 +8568,132 @@
           <a:xfrm>
             <a:off x="648560" y="2350736"/>
             <a:ext cx="7890793" cy="4207747"/>
-            <a:chOff x="648560" y="1918416"/>
-            <a:chExt cx="7890793" cy="4207747"/>
+            <a:chOff x="553977" y="2418285"/>
+            <a:chExt cx="7728656" cy="3707878"/>
           </a:xfrm>
         </p:grpSpPr>
+        <p:sp>
+          <p:nvSpPr>
+            <p:cNvPr id="17" name="Rectangle 16"/>
+            <p:cNvSpPr/>
+            <p:nvPr/>
+          </p:nvSpPr>
+          <p:spPr>
+            <a:xfrm>
+              <a:off x="553977" y="2418285"/>
+              <a:ext cx="7728656" cy="3707878"/>
+            </a:xfrm>
+            <a:prstGeom prst="rect">
+              <a:avLst/>
+            </a:prstGeom>
+            <a:solidFill>
+              <a:schemeClr val="tx1"/>
+            </a:solidFill>
+            <a:ln>
+              <a:solidFill>
+                <a:schemeClr val="tx1"/>
+              </a:solidFill>
+            </a:ln>
+            <a:effectLst/>
+          </p:spPr>
+          <p:style>
+            <a:lnRef idx="1">
+              <a:schemeClr val="accent1"/>
+            </a:lnRef>
+            <a:fillRef idx="3">
+              <a:schemeClr val="accent1"/>
+            </a:fillRef>
+            <a:effectRef idx="2">
+              <a:schemeClr val="accent1"/>
+            </a:effectRef>
+            <a:fontRef idx="minor">
+              <a:schemeClr val="lt1"/>
+            </a:fontRef>
+          </p:style>
+          <p:txBody>
+            <a:bodyPr rtlCol="0" anchor="ctr"/>
+            <a:lstStyle/>
+            <a:p>
+              <a:pPr algn="ctr"/>
+              <a:endParaRPr lang="en-US"/>
+            </a:p>
+          </p:txBody>
+        </p:sp>
         <p:grpSp>
           <p:nvGrpSpPr>
-            <p:cNvPr id="20" name="Group 19"/>
+            <p:cNvPr id="4" name="Group 3"/>
             <p:cNvGrpSpPr/>
             <p:nvPr/>
           </p:nvGrpSpPr>
           <p:grpSpPr>
             <a:xfrm>
-              <a:off x="648560" y="1918416"/>
-              <a:ext cx="7890793" cy="4207747"/>
-              <a:chOff x="648560" y="1918416"/>
-              <a:chExt cx="7890793" cy="4207747"/>
+              <a:off x="700806" y="2617117"/>
+              <a:ext cx="7457536" cy="3342962"/>
+              <a:chOff x="687294" y="3363028"/>
+              <a:chExt cx="7457536" cy="3342962"/>
             </a:xfrm>
           </p:grpSpPr>
-          <p:grpSp>
-            <p:nvGrpSpPr>
-              <p:cNvPr id="18" name="Group 17"/>
-              <p:cNvGrpSpPr/>
+          <p:pic>
+            <p:nvPicPr>
+              <p:cNvPr id="5" name="Picture 4" descr="delad_S_exolunch.pdf"/>
+              <p:cNvPicPr>
+                <a:picLocks noChangeAspect="1"/>
+              </p:cNvPicPr>
               <p:nvPr/>
-            </p:nvGrpSpPr>
-            <p:grpSpPr>
-              <a:xfrm>
-                <a:off x="648560" y="1918416"/>
-                <a:ext cx="7890793" cy="4207747"/>
-                <a:chOff x="553977" y="2418285"/>
-                <a:chExt cx="7728656" cy="3707878"/>
-              </a:xfrm>
-            </p:grpSpPr>
-            <p:sp>
-              <p:nvSpPr>
-                <p:cNvPr id="17" name="Rectangle 16"/>
-                <p:cNvSpPr/>
-                <p:nvPr/>
-              </p:nvSpPr>
-              <p:spPr>
-                <a:xfrm>
-                  <a:off x="553977" y="2418285"/>
-                  <a:ext cx="7728656" cy="3707878"/>
-                </a:xfrm>
-                <a:prstGeom prst="rect">
-                  <a:avLst/>
-                </a:prstGeom>
-                <a:solidFill>
-                  <a:schemeClr val="tx1"/>
-                </a:solidFill>
-                <a:ln>
-                  <a:solidFill>
-                    <a:schemeClr val="tx1"/>
-                  </a:solidFill>
-                </a:ln>
-                <a:effectLst/>
-              </p:spPr>
-              <p:style>
-                <a:lnRef idx="1">
-                  <a:schemeClr val="accent1"/>
-                </a:lnRef>
-                <a:fillRef idx="3">
-                  <a:schemeClr val="accent1"/>
-                </a:fillRef>
-                <a:effectRef idx="2">
-                  <a:schemeClr val="accent1"/>
-                </a:effectRef>
-                <a:fontRef idx="minor">
-                  <a:schemeClr val="lt1"/>
-                </a:fontRef>
-              </p:style>
-              <p:txBody>
-                <a:bodyPr rtlCol="0" anchor="ctr"/>
-                <a:lstStyle/>
-                <a:p>
-                  <a:pPr algn="ctr"/>
-                  <a:endParaRPr lang="en-US"/>
-                </a:p>
-              </p:txBody>
-            </p:sp>
-            <p:grpSp>
-              <p:nvGrpSpPr>
-                <p:cNvPr id="4" name="Group 3"/>
-                <p:cNvGrpSpPr/>
-                <p:nvPr/>
-              </p:nvGrpSpPr>
-              <p:grpSpPr>
-                <a:xfrm>
-                  <a:off x="700806" y="2617117"/>
-                  <a:ext cx="7457536" cy="3342962"/>
-                  <a:chOff x="687294" y="3363028"/>
-                  <a:chExt cx="7457536" cy="3342962"/>
-                </a:xfrm>
-              </p:grpSpPr>
-              <p:pic>
-                <p:nvPicPr>
-                  <p:cNvPr id="5" name="Picture 4" descr="delad_S_exolunch.pdf"/>
-                  <p:cNvPicPr>
-                    <a:picLocks noChangeAspect="1"/>
-                  </p:cNvPicPr>
-                  <p:nvPr/>
-                </p:nvPicPr>
-                <p:blipFill>
-                  <a:blip r:embed="rId2">
-                    <a:extLst>
-                      <a:ext uri="{28A0092B-C50C-407E-A947-70E740481C1C}">
-                        <a14:useLocalDpi xmlns:a14="http://schemas.microsoft.com/office/drawing/2010/main" val="0"/>
-                      </a:ext>
-                    </a:extLst>
-                  </a:blip>
-                  <a:stretch>
-                    <a:fillRect/>
-                  </a:stretch>
-                </p:blipFill>
-                <p:spPr>
-                  <a:xfrm>
-                    <a:off x="687294" y="3363028"/>
-                    <a:ext cx="3682005" cy="3263900"/>
-                  </a:xfrm>
-                  <a:prstGeom prst="rect">
-                    <a:avLst/>
-                  </a:prstGeom>
-                </p:spPr>
-              </p:pic>
-              <p:pic>
-                <p:nvPicPr>
-                  <p:cNvPr id="6" name="Picture 5" descr="delad_S_exolunch_3_1.pdf"/>
-                  <p:cNvPicPr>
-                    <a:picLocks noChangeAspect="1"/>
-                  </p:cNvPicPr>
-                  <p:nvPr/>
-                </p:nvPicPr>
-                <p:blipFill>
-                  <a:blip r:embed="rId3">
-                    <a:extLst>
-                      <a:ext uri="{28A0092B-C50C-407E-A947-70E740481C1C}">
-                        <a14:useLocalDpi xmlns:a14="http://schemas.microsoft.com/office/drawing/2010/main" val="0"/>
-                      </a:ext>
-                    </a:extLst>
-                  </a:blip>
-                  <a:stretch>
-                    <a:fillRect/>
-                  </a:stretch>
-                </p:blipFill>
-                <p:spPr>
-                  <a:xfrm>
-                    <a:off x="4360230" y="3442090"/>
-                    <a:ext cx="3784600" cy="3263900"/>
-                  </a:xfrm>
-                  <a:prstGeom prst="rect">
-                    <a:avLst/>
-                  </a:prstGeom>
-                </p:spPr>
-              </p:pic>
-            </p:grpSp>
-            <p:sp>
-              <p:nvSpPr>
-                <p:cNvPr id="7" name="TextBox 6"/>
-                <p:cNvSpPr txBox="1"/>
-                <p:nvPr/>
-              </p:nvSpPr>
-              <p:spPr>
-                <a:xfrm>
-                  <a:off x="1951938" y="2524215"/>
-                  <a:ext cx="1597691" cy="325456"/>
-                </a:xfrm>
-                <a:prstGeom prst="rect">
-                  <a:avLst/>
-                </a:prstGeom>
-                <a:noFill/>
-              </p:spPr>
-              <p:txBody>
-                <a:bodyPr wrap="square" rtlCol="0">
-                  <a:spAutoFit/>
-                </a:bodyPr>
-                <a:lstStyle/>
-                <a:p>
-                  <a:r>
-                    <a:rPr lang="en-US" dirty="0" smtClean="0">
-                      <a:solidFill>
-                        <a:srgbClr val="000000"/>
-                      </a:solidFill>
-                    </a:rPr>
-                    <a:t>H2 dissociation</a:t>
-                  </a:r>
-                  <a:endParaRPr lang="en-US" dirty="0">
-                    <a:solidFill>
-                      <a:srgbClr val="000000"/>
-                    </a:solidFill>
-                  </a:endParaRPr>
-                </a:p>
-              </p:txBody>
-            </p:sp>
-            <p:cxnSp>
-              <p:nvCxnSpPr>
-                <p:cNvPr id="8" name="Straight Arrow Connector 7"/>
-                <p:cNvCxnSpPr/>
-                <p:nvPr/>
-              </p:nvCxnSpPr>
-              <p:spPr>
-                <a:xfrm>
-                  <a:off x="2671486" y="2849171"/>
-                  <a:ext cx="672410" cy="842036"/>
-                </a:xfrm>
-                <a:prstGeom prst="straightConnector1">
-                  <a:avLst/>
-                </a:prstGeom>
-                <a:ln>
-                  <a:solidFill>
-                    <a:schemeClr val="bg1"/>
-                  </a:solidFill>
-                  <a:tailEnd type="arrow"/>
-                </a:ln>
-                <a:effectLst/>
-              </p:spPr>
-              <p:style>
-                <a:lnRef idx="2">
-                  <a:schemeClr val="accent1"/>
-                </a:lnRef>
-                <a:fillRef idx="0">
-                  <a:schemeClr val="accent1"/>
-                </a:fillRef>
-                <a:effectRef idx="1">
-                  <a:schemeClr val="accent1"/>
-                </a:effectRef>
-                <a:fontRef idx="minor">
-                  <a:schemeClr val="tx1"/>
-                </a:fontRef>
-              </p:style>
-            </p:cxnSp>
-            <p:cxnSp>
-              <p:nvCxnSpPr>
-                <p:cNvPr id="9" name="Straight Arrow Connector 8"/>
-                <p:cNvCxnSpPr/>
-                <p:nvPr/>
-              </p:nvCxnSpPr>
-              <p:spPr>
-                <a:xfrm flipH="1">
-                  <a:off x="3738051" y="2849171"/>
-                  <a:ext cx="378665" cy="257765"/>
-                </a:xfrm>
-                <a:prstGeom prst="straightConnector1">
-                  <a:avLst/>
-                </a:prstGeom>
-                <a:ln>
-                  <a:solidFill>
-                    <a:schemeClr val="bg1"/>
-                  </a:solidFill>
-                  <a:tailEnd type="arrow"/>
-                </a:ln>
-                <a:effectLst/>
-              </p:spPr>
-              <p:style>
-                <a:lnRef idx="2">
-                  <a:schemeClr val="accent1"/>
-                </a:lnRef>
-                <a:fillRef idx="0">
-                  <a:schemeClr val="accent1"/>
-                </a:fillRef>
-                <a:effectRef idx="1">
-                  <a:schemeClr val="accent1"/>
-                </a:effectRef>
-                <a:fontRef idx="minor">
-                  <a:schemeClr val="tx1"/>
-                </a:fontRef>
-              </p:style>
-            </p:cxnSp>
-            <p:sp>
-              <p:nvSpPr>
-                <p:cNvPr id="10" name="TextBox 9"/>
-                <p:cNvSpPr txBox="1"/>
-                <p:nvPr/>
-              </p:nvSpPr>
-              <p:spPr>
-                <a:xfrm>
-                  <a:off x="3492529" y="2528368"/>
-                  <a:ext cx="1360174" cy="325456"/>
-                </a:xfrm>
-                <a:prstGeom prst="rect">
-                  <a:avLst/>
-                </a:prstGeom>
-                <a:noFill/>
-              </p:spPr>
-              <p:txBody>
-                <a:bodyPr wrap="square" rtlCol="0">
-                  <a:spAutoFit/>
-                </a:bodyPr>
-                <a:lstStyle/>
-                <a:p>
-                  <a:r>
-                    <a:rPr lang="en-US" dirty="0" smtClean="0">
-                      <a:solidFill>
-                        <a:srgbClr val="000000"/>
-                      </a:solidFill>
-                    </a:rPr>
-                    <a:t>H ionization</a:t>
-                  </a:r>
-                  <a:endParaRPr lang="en-US" dirty="0">
-                    <a:solidFill>
-                      <a:srgbClr val="000000"/>
-                    </a:solidFill>
-                  </a:endParaRPr>
-                </a:p>
-              </p:txBody>
-            </p:sp>
-            <p:cxnSp>
-              <p:nvCxnSpPr>
-                <p:cNvPr id="11" name="Straight Arrow Connector 10"/>
-                <p:cNvCxnSpPr/>
-                <p:nvPr/>
-              </p:nvCxnSpPr>
-              <p:spPr>
-                <a:xfrm flipV="1">
-                  <a:off x="1010125" y="4366545"/>
-                  <a:ext cx="1331675" cy="1398631"/>
-                </a:xfrm>
-                <a:prstGeom prst="straightConnector1">
-                  <a:avLst/>
-                </a:prstGeom>
-                <a:ln>
-                  <a:solidFill>
-                    <a:schemeClr val="bg1"/>
-                  </a:solidFill>
-                  <a:tailEnd type="arrow"/>
-                </a:ln>
-                <a:effectLst/>
-              </p:spPr>
-              <p:style>
-                <a:lnRef idx="2">
-                  <a:schemeClr val="accent1"/>
-                </a:lnRef>
-                <a:fillRef idx="0">
-                  <a:schemeClr val="accent1"/>
-                </a:fillRef>
-                <a:effectRef idx="1">
-                  <a:schemeClr val="accent1"/>
-                </a:effectRef>
-                <a:fontRef idx="minor">
-                  <a:schemeClr val="tx1"/>
-                </a:fontRef>
-              </p:style>
-            </p:cxnSp>
-            <p:cxnSp>
-              <p:nvCxnSpPr>
-                <p:cNvPr id="12" name="Straight Arrow Connector 11"/>
-                <p:cNvCxnSpPr/>
-                <p:nvPr/>
-              </p:nvCxnSpPr>
-              <p:spPr>
-                <a:xfrm flipH="1">
-                  <a:off x="3639466" y="2787477"/>
-                  <a:ext cx="2009603" cy="577229"/>
-                </a:xfrm>
-                <a:prstGeom prst="straightConnector1">
-                  <a:avLst/>
-                </a:prstGeom>
-                <a:ln>
-                  <a:solidFill>
-                    <a:schemeClr val="bg1">
-                      <a:lumMod val="65000"/>
-                      <a:lumOff val="35000"/>
-                    </a:schemeClr>
-                  </a:solidFill>
-                  <a:tailEnd type="arrow"/>
-                </a:ln>
-                <a:effectLst/>
-              </p:spPr>
-              <p:style>
-                <a:lnRef idx="2">
-                  <a:schemeClr val="accent1"/>
-                </a:lnRef>
-                <a:fillRef idx="0">
-                  <a:schemeClr val="accent1"/>
-                </a:fillRef>
-                <a:effectRef idx="1">
-                  <a:schemeClr val="accent1"/>
-                </a:effectRef>
-                <a:fontRef idx="minor">
-                  <a:schemeClr val="tx1"/>
-                </a:fontRef>
-              </p:style>
-            </p:cxnSp>
-            <p:cxnSp>
-              <p:nvCxnSpPr>
-                <p:cNvPr id="13" name="Straight Arrow Connector 12"/>
-                <p:cNvCxnSpPr/>
-                <p:nvPr/>
-              </p:nvCxnSpPr>
-              <p:spPr>
-                <a:xfrm>
-                  <a:off x="5649068" y="2787477"/>
-                  <a:ext cx="1092832" cy="1134060"/>
-                </a:xfrm>
-                <a:prstGeom prst="straightConnector1">
-                  <a:avLst/>
-                </a:prstGeom>
-                <a:ln>
-                  <a:solidFill>
-                    <a:schemeClr val="bg1">
-                      <a:lumMod val="65000"/>
-                      <a:lumOff val="35000"/>
-                    </a:schemeClr>
-                  </a:solidFill>
-                  <a:tailEnd type="arrow"/>
-                </a:ln>
-                <a:effectLst/>
-              </p:spPr>
-              <p:style>
-                <a:lnRef idx="2">
-                  <a:schemeClr val="accent1"/>
-                </a:lnRef>
-                <a:fillRef idx="0">
-                  <a:schemeClr val="accent1"/>
-                </a:fillRef>
-                <a:effectRef idx="1">
-                  <a:schemeClr val="accent1"/>
-                </a:effectRef>
-                <a:fontRef idx="minor">
-                  <a:schemeClr val="tx1"/>
-                </a:fontRef>
-              </p:style>
-            </p:cxnSp>
-            <p:sp>
-              <p:nvSpPr>
-                <p:cNvPr id="14" name="TextBox 13"/>
-                <p:cNvSpPr txBox="1"/>
-                <p:nvPr/>
-              </p:nvSpPr>
-              <p:spPr>
-                <a:xfrm>
-                  <a:off x="5127643" y="2462021"/>
-                  <a:ext cx="1606698" cy="325456"/>
-                </a:xfrm>
-                <a:prstGeom prst="rect">
-                  <a:avLst/>
-                </a:prstGeom>
-                <a:noFill/>
-              </p:spPr>
-              <p:txBody>
-                <a:bodyPr wrap="square" rtlCol="0">
-                  <a:spAutoFit/>
-                </a:bodyPr>
-                <a:lstStyle/>
-                <a:p>
-                  <a:r>
-                    <a:rPr lang="en-US" dirty="0" smtClean="0">
-                      <a:solidFill>
-                        <a:schemeClr val="bg1"/>
-                      </a:solidFill>
-                    </a:rPr>
-                    <a:t>Saumon+95</a:t>
-                  </a:r>
-                  <a:endParaRPr lang="en-US" dirty="0">
-                    <a:solidFill>
-                      <a:schemeClr val="bg1"/>
-                    </a:solidFill>
-                  </a:endParaRPr>
-                </a:p>
-              </p:txBody>
-            </p:sp>
-          </p:grpSp>
-          <p:sp>
-            <p:nvSpPr>
-              <p:cNvPr id="19" name="TextBox 18"/>
-              <p:cNvSpPr txBox="1"/>
-              <p:nvPr/>
-            </p:nvSpPr>
+            </p:nvPicPr>
+            <p:blipFill>
+              <a:blip r:embed="rId2">
+                <a:extLst>
+                  <a:ext uri="{28A0092B-C50C-407E-A947-70E740481C1C}">
+                    <a14:useLocalDpi xmlns:a14="http://schemas.microsoft.com/office/drawing/2010/main" val="0"/>
+                  </a:ext>
+                </a:extLst>
+              </a:blip>
+              <a:stretch>
+                <a:fillRect/>
+              </a:stretch>
+            </p:blipFill>
             <p:spPr>
               <a:xfrm>
-                <a:off x="744421" y="5684327"/>
-                <a:ext cx="1277379" cy="369332"/>
+                <a:off x="687294" y="3363028"/>
+                <a:ext cx="3682005" cy="3263900"/>
               </a:xfrm>
               <a:prstGeom prst="rect">
                 <a:avLst/>
               </a:prstGeom>
-              <a:noFill/>
             </p:spPr>
-            <p:txBody>
-              <a:bodyPr wrap="square" rtlCol="0">
-                <a:spAutoFit/>
-              </a:bodyPr>
-              <a:lstStyle/>
-              <a:p>
-                <a:r>
-                  <a:rPr lang="en-US" dirty="0" smtClean="0">
-                    <a:solidFill>
-                      <a:srgbClr val="000000"/>
-                    </a:solidFill>
-                  </a:rPr>
-                  <a:t>Ideal gas</a:t>
-                </a:r>
-                <a:endParaRPr lang="en-US" dirty="0">
-                  <a:solidFill>
-                    <a:srgbClr val="000000"/>
-                  </a:solidFill>
-                </a:endParaRPr>
-              </a:p>
-            </p:txBody>
-          </p:sp>
+          </p:pic>
+          <p:pic>
+            <p:nvPicPr>
+              <p:cNvPr id="6" name="Picture 5" descr="delad_S_exolunch_3_1.pdf"/>
+              <p:cNvPicPr>
+                <a:picLocks noChangeAspect="1"/>
+              </p:cNvPicPr>
+              <p:nvPr/>
+            </p:nvPicPr>
+            <p:blipFill>
+              <a:blip r:embed="rId3">
+                <a:extLst>
+                  <a:ext uri="{28A0092B-C50C-407E-A947-70E740481C1C}">
+                    <a14:useLocalDpi xmlns:a14="http://schemas.microsoft.com/office/drawing/2010/main" val="0"/>
+                  </a:ext>
+                </a:extLst>
+              </a:blip>
+              <a:stretch>
+                <a:fillRect/>
+              </a:stretch>
+            </p:blipFill>
+            <p:spPr>
+              <a:xfrm>
+                <a:off x="4360230" y="3442090"/>
+                <a:ext cx="3784600" cy="3263900"/>
+              </a:xfrm>
+              <a:prstGeom prst="rect">
+                <a:avLst/>
+              </a:prstGeom>
+            </p:spPr>
+          </p:pic>
         </p:grpSp>
-        <p:cxnSp>
-          <p:nvCxnSpPr>
-            <p:cNvPr id="21" name="Straight Arrow Connector 20"/>
-            <p:cNvCxnSpPr/>
-            <p:nvPr/>
-          </p:nvCxnSpPr>
-          <p:spPr>
-            <a:xfrm flipH="1" flipV="1">
-              <a:off x="2810492" y="4239852"/>
-              <a:ext cx="1475549" cy="1444476"/>
-            </a:xfrm>
-            <a:prstGeom prst="straightConnector1">
-              <a:avLst/>
-            </a:prstGeom>
-            <a:ln>
-              <a:solidFill>
-                <a:schemeClr val="bg1">
-                  <a:lumMod val="65000"/>
-                  <a:lumOff val="35000"/>
-                </a:schemeClr>
-              </a:solidFill>
-              <a:tailEnd type="arrow"/>
-            </a:ln>
-            <a:effectLst/>
-          </p:spPr>
-          <p:style>
-            <a:lnRef idx="2">
-              <a:schemeClr val="accent1"/>
-            </a:lnRef>
-            <a:fillRef idx="0">
-              <a:schemeClr val="accent1"/>
-            </a:fillRef>
-            <a:effectRef idx="1">
-              <a:schemeClr val="accent1"/>
-            </a:effectRef>
-            <a:fontRef idx="minor">
-              <a:schemeClr val="tx1"/>
-            </a:fontRef>
-          </p:style>
-        </p:cxnSp>
-        <p:cxnSp>
-          <p:nvCxnSpPr>
-            <p:cNvPr id="28" name="Straight Arrow Connector 27"/>
-            <p:cNvCxnSpPr/>
-            <p:nvPr/>
-          </p:nvCxnSpPr>
-          <p:spPr>
-            <a:xfrm flipV="1">
-              <a:off x="4286041" y="4239852"/>
-              <a:ext cx="1172660" cy="1444476"/>
-            </a:xfrm>
-            <a:prstGeom prst="straightConnector1">
-              <a:avLst/>
-            </a:prstGeom>
-            <a:ln>
-              <a:solidFill>
-                <a:schemeClr val="bg1">
-                  <a:lumMod val="65000"/>
-                  <a:lumOff val="35000"/>
-                </a:schemeClr>
-              </a:solidFill>
-              <a:tailEnd type="arrow"/>
-            </a:ln>
-            <a:effectLst/>
-          </p:spPr>
-          <p:style>
-            <a:lnRef idx="2">
-              <a:schemeClr val="accent1"/>
-            </a:lnRef>
-            <a:fillRef idx="0">
-              <a:schemeClr val="accent1"/>
-            </a:fillRef>
-            <a:effectRef idx="1">
-              <a:schemeClr val="accent1"/>
-            </a:effectRef>
-            <a:fontRef idx="minor">
-              <a:schemeClr val="tx1"/>
-            </a:fontRef>
-          </p:style>
-        </p:cxnSp>
-        <p:sp>
-          <p:nvSpPr>
-            <p:cNvPr id="31" name="TextBox 30"/>
-            <p:cNvSpPr txBox="1"/>
-            <p:nvPr/>
-          </p:nvSpPr>
-          <p:spPr>
-            <a:xfrm>
-              <a:off x="3651875" y="5675980"/>
-              <a:ext cx="1666300" cy="369332"/>
-            </a:xfrm>
-            <a:prstGeom prst="rect">
-              <a:avLst/>
-            </a:prstGeom>
-            <a:noFill/>
-          </p:spPr>
-          <p:txBody>
-            <a:bodyPr wrap="square" rtlCol="0">
-              <a:spAutoFit/>
-            </a:bodyPr>
-            <a:lstStyle/>
-            <a:p>
-              <a:r>
-                <a:rPr lang="en-US" dirty="0" smtClean="0">
-                  <a:solidFill>
-                    <a:srgbClr val="000000"/>
-                  </a:solidFill>
-                </a:rPr>
-                <a:t>Our extension</a:t>
-              </a:r>
-              <a:endParaRPr lang="en-US" dirty="0">
-                <a:solidFill>
-                  <a:srgbClr val="000000"/>
-                </a:solidFill>
-              </a:endParaRPr>
-            </a:p>
-          </p:txBody>
-        </p:sp>
       </p:grpSp>
       <p:pic>
         <p:nvPicPr>
@@ -10499,7 +9275,120 @@
 </p:sld>
 </file>
 
-<file path=ppt/slides/slide19.xml><?xml version="1.0" encoding="utf-8"?>
+<file path=ppt/slides/slide2.xml><?xml version="1.0" encoding="utf-8"?>
+<p:sld xmlns:a="http://schemas.openxmlformats.org/drawingml/2006/main" xmlns:r="http://schemas.openxmlformats.org/officeDocument/2006/relationships" xmlns:p="http://schemas.openxmlformats.org/presentationml/2006/main">
+  <p:cSld>
+    <p:spTree>
+      <p:nvGrpSpPr>
+        <p:cNvPr id="1" name=""/>
+        <p:cNvGrpSpPr/>
+        <p:nvPr/>
+      </p:nvGrpSpPr>
+      <p:grpSpPr>
+        <a:xfrm>
+          <a:off x="0" y="0"/>
+          <a:ext cx="0" cy="0"/>
+          <a:chOff x="0" y="0"/>
+          <a:chExt cx="0" cy="0"/>
+        </a:xfrm>
+      </p:grpSpPr>
+      <p:sp>
+        <p:nvSpPr>
+          <p:cNvPr id="2" name="Title 1"/>
+          <p:cNvSpPr>
+            <a:spLocks noGrp="1"/>
+          </p:cNvSpPr>
+          <p:nvPr>
+            <p:ph type="title"/>
+          </p:nvPr>
+        </p:nvSpPr>
+        <p:spPr>
+          <a:xfrm>
+            <a:off x="457200" y="342188"/>
+            <a:ext cx="8229600" cy="1143000"/>
+          </a:xfrm>
+        </p:spPr>
+        <p:txBody>
+          <a:bodyPr>
+            <a:normAutofit fontScale="90000"/>
+          </a:bodyPr>
+          <a:lstStyle/>
+          <a:p>
+            <a:r>
+              <a:rPr lang="en-US" dirty="0" smtClean="0"/>
+              <a:t>Giant planet formation requires fast </a:t>
+            </a:r>
+            <a:r>
+              <a:rPr lang="en-US" dirty="0"/>
+              <a:t>c</a:t>
+            </a:r>
+            <a:r>
+              <a:rPr lang="en-US" dirty="0" smtClean="0"/>
+              <a:t>ore </a:t>
+            </a:r>
+            <a:r>
+              <a:rPr lang="en-US" dirty="0"/>
+              <a:t>g</a:t>
+            </a:r>
+            <a:r>
+              <a:rPr lang="en-US" dirty="0" smtClean="0"/>
+              <a:t>rowth</a:t>
+            </a:r>
+            <a:endParaRPr lang="en-US" dirty="0"/>
+          </a:p>
+        </p:txBody>
+      </p:sp>
+      <p:pic>
+        <p:nvPicPr>
+          <p:cNvPr id="4" name="Picture 3" descr="acc_sketch (2)_SPF1.jpg"/>
+          <p:cNvPicPr>
+            <a:picLocks noChangeAspect="1"/>
+          </p:cNvPicPr>
+          <p:nvPr/>
+        </p:nvPicPr>
+        <p:blipFill>
+          <a:blip r:embed="rId2">
+            <a:extLst>
+              <a:ext uri="{28A0092B-C50C-407E-A947-70E740481C1C}">
+                <a14:useLocalDpi xmlns:a14="http://schemas.microsoft.com/office/drawing/2010/main" val="0"/>
+              </a:ext>
+            </a:extLst>
+          </a:blip>
+          <a:stretch>
+            <a:fillRect/>
+          </a:stretch>
+        </p:blipFill>
+        <p:spPr>
+          <a:xfrm>
+            <a:off x="1091599" y="1783317"/>
+            <a:ext cx="6969854" cy="4422304"/>
+          </a:xfrm>
+          <a:prstGeom prst="rect">
+            <a:avLst/>
+          </a:prstGeom>
+        </p:spPr>
+      </p:pic>
+    </p:spTree>
+    <p:extLst>
+      <p:ext uri="{BB962C8B-B14F-4D97-AF65-F5344CB8AC3E}">
+        <p14:creationId xmlns:p14="http://schemas.microsoft.com/office/powerpoint/2010/main" val="4124238188"/>
+      </p:ext>
+    </p:extLst>
+  </p:cSld>
+  <p:clrMapOvr>
+    <a:masterClrMapping/>
+  </p:clrMapOvr>
+  <p:timing>
+    <p:tnLst>
+      <p:par>
+        <p:cTn xmlns:p14="http://schemas.microsoft.com/office/powerpoint/2010/main" id="1" dur="indefinite" restart="never" nodeType="tmRoot"/>
+      </p:par>
+    </p:tnLst>
+  </p:timing>
+</p:sld>
+</file>
+
+<file path=ppt/slides/slide20.xml><?xml version="1.0" encoding="utf-8"?>
 <p:sld xmlns:a="http://schemas.openxmlformats.org/drawingml/2006/main" xmlns:r="http://schemas.openxmlformats.org/officeDocument/2006/relationships" xmlns:p="http://schemas.openxmlformats.org/presentationml/2006/main">
   <p:cSld>
     <p:spTree>
@@ -10827,174 +9716,7 @@
 </p:sld>
 </file>
 
-<file path=ppt/slides/slide2.xml><?xml version="1.0" encoding="utf-8"?>
-<p:sld xmlns:a="http://schemas.openxmlformats.org/drawingml/2006/main" xmlns:r="http://schemas.openxmlformats.org/officeDocument/2006/relationships" xmlns:p="http://schemas.openxmlformats.org/presentationml/2006/main">
-  <p:cSld>
-    <p:spTree>
-      <p:nvGrpSpPr>
-        <p:cNvPr id="1" name=""/>
-        <p:cNvGrpSpPr/>
-        <p:nvPr/>
-      </p:nvGrpSpPr>
-      <p:grpSpPr>
-        <a:xfrm>
-          <a:off x="0" y="0"/>
-          <a:ext cx="0" cy="0"/>
-          <a:chOff x="0" y="0"/>
-          <a:chExt cx="0" cy="0"/>
-        </a:xfrm>
-      </p:grpSpPr>
-      <p:sp>
-        <p:nvSpPr>
-          <p:cNvPr id="5" name="Rectangle 4"/>
-          <p:cNvSpPr/>
-          <p:nvPr/>
-        </p:nvSpPr>
-        <p:spPr>
-          <a:xfrm>
-            <a:off x="216186" y="2175105"/>
-            <a:ext cx="8686800" cy="2931664"/>
-          </a:xfrm>
-          <a:prstGeom prst="rect">
-            <a:avLst/>
-          </a:prstGeom>
-          <a:solidFill>
-            <a:schemeClr val="tx1"/>
-          </a:solidFill>
-          <a:ln>
-            <a:noFill/>
-          </a:ln>
-          <a:effectLst/>
-        </p:spPr>
-        <p:style>
-          <a:lnRef idx="1">
-            <a:schemeClr val="accent1"/>
-          </a:lnRef>
-          <a:fillRef idx="3">
-            <a:schemeClr val="accent1"/>
-          </a:fillRef>
-          <a:effectRef idx="2">
-            <a:schemeClr val="accent1"/>
-          </a:effectRef>
-          <a:fontRef idx="minor">
-            <a:schemeClr val="lt1"/>
-          </a:fontRef>
-        </p:style>
-        <p:txBody>
-          <a:bodyPr rtlCol="0" anchor="ctr"/>
-          <a:lstStyle/>
-          <a:p>
-            <a:pPr algn="ctr"/>
-            <a:endParaRPr lang="en-US"/>
-          </a:p>
-        </p:txBody>
-      </p:sp>
-      <p:sp>
-        <p:nvSpPr>
-          <p:cNvPr id="2" name="Title 1"/>
-          <p:cNvSpPr>
-            <a:spLocks noGrp="1"/>
-          </p:cNvSpPr>
-          <p:nvPr>
-            <p:ph type="title"/>
-          </p:nvPr>
-        </p:nvSpPr>
-        <p:spPr/>
-        <p:txBody>
-          <a:bodyPr/>
-          <a:lstStyle/>
-          <a:p>
-            <a:r>
-              <a:rPr lang="en-US" dirty="0" smtClean="0"/>
-              <a:t>Core Accretion</a:t>
-            </a:r>
-            <a:endParaRPr lang="en-US" dirty="0"/>
-          </a:p>
-        </p:txBody>
-      </p:sp>
-      <p:pic>
-        <p:nvPicPr>
-          <p:cNvPr id="4" name="Picture 3"/>
-          <p:cNvPicPr>
-            <a:picLocks noChangeAspect="1"/>
-          </p:cNvPicPr>
-          <p:nvPr/>
-        </p:nvPicPr>
-        <p:blipFill>
-          <a:blip r:embed="rId2"/>
-          <a:stretch>
-            <a:fillRect/>
-          </a:stretch>
-        </p:blipFill>
-        <p:spPr>
-          <a:xfrm>
-            <a:off x="216186" y="2405158"/>
-            <a:ext cx="8686800" cy="2090481"/>
-          </a:xfrm>
-          <a:prstGeom prst="rect">
-            <a:avLst/>
-          </a:prstGeom>
-        </p:spPr>
-      </p:pic>
-      <p:sp>
-        <p:nvSpPr>
-          <p:cNvPr id="6" name="TextBox 5"/>
-          <p:cNvSpPr txBox="1"/>
-          <p:nvPr/>
-        </p:nvSpPr>
-        <p:spPr>
-          <a:xfrm>
-            <a:off x="6173635" y="4629447"/>
-            <a:ext cx="2729351" cy="369332"/>
-          </a:xfrm>
-          <a:prstGeom prst="rect">
-            <a:avLst/>
-          </a:prstGeom>
-          <a:noFill/>
-        </p:spPr>
-        <p:txBody>
-          <a:bodyPr wrap="square" rtlCol="0">
-            <a:spAutoFit/>
-          </a:bodyPr>
-          <a:lstStyle/>
-          <a:p>
-            <a:r>
-              <a:rPr lang="en-US" dirty="0" smtClean="0">
-                <a:solidFill>
-                  <a:schemeClr val="bg1"/>
-                </a:solidFill>
-              </a:rPr>
-              <a:t>Credit: Ruth Murray-Clay</a:t>
-            </a:r>
-            <a:endParaRPr lang="en-US" dirty="0">
-              <a:solidFill>
-                <a:schemeClr val="bg1"/>
-              </a:solidFill>
-            </a:endParaRPr>
-          </a:p>
-        </p:txBody>
-      </p:sp>
-    </p:spTree>
-    <p:extLst>
-      <p:ext uri="{BB962C8B-B14F-4D97-AF65-F5344CB8AC3E}">
-        <p14:creationId xmlns:p14="http://schemas.microsoft.com/office/powerpoint/2010/main" val="3721530332"/>
-      </p:ext>
-    </p:extLst>
-  </p:cSld>
-  <p:clrMapOvr>
-    <a:masterClrMapping/>
-  </p:clrMapOvr>
-  <p:timing>
-    <p:tnLst>
-      <p:par>
-        <p:cTn xmlns:p14="http://schemas.microsoft.com/office/powerpoint/2010/main" id="1" dur="indefinite" restart="never" nodeType="tmRoot"/>
-      </p:par>
-    </p:tnLst>
-  </p:timing>
-</p:sld>
-</file>
-
-<file path=ppt/slides/slide20.xml><?xml version="1.0" encoding="utf-8"?>
+<file path=ppt/slides/slide21.xml><?xml version="1.0" encoding="utf-8"?>
 <p:sld xmlns:a="http://schemas.openxmlformats.org/drawingml/2006/main" xmlns:r="http://schemas.openxmlformats.org/officeDocument/2006/relationships" xmlns:p="http://schemas.openxmlformats.org/presentationml/2006/main">
   <p:cSld>
     <p:spTree>
@@ -11210,283 +9932,6 @@
     <p:extLst>
       <p:ext uri="{BB962C8B-B14F-4D97-AF65-F5344CB8AC3E}">
         <p14:creationId xmlns:p14="http://schemas.microsoft.com/office/powerpoint/2010/main" val="649360796"/>
-      </p:ext>
-    </p:extLst>
-  </p:cSld>
-  <p:clrMapOvr>
-    <a:masterClrMapping/>
-  </p:clrMapOvr>
-  <p:timing>
-    <p:tnLst>
-      <p:par>
-        <p:cTn xmlns:p14="http://schemas.microsoft.com/office/powerpoint/2010/main" id="1" dur="indefinite" restart="never" nodeType="tmRoot"/>
-      </p:par>
-    </p:tnLst>
-  </p:timing>
-</p:sld>
-</file>
-
-<file path=ppt/slides/slide21.xml><?xml version="1.0" encoding="utf-8"?>
-<p:sld xmlns:a="http://schemas.openxmlformats.org/drawingml/2006/main" xmlns:r="http://schemas.openxmlformats.org/officeDocument/2006/relationships" xmlns:p="http://schemas.openxmlformats.org/presentationml/2006/main">
-  <p:cSld>
-    <p:spTree>
-      <p:nvGrpSpPr>
-        <p:cNvPr id="1" name=""/>
-        <p:cNvGrpSpPr/>
-        <p:nvPr/>
-      </p:nvGrpSpPr>
-      <p:grpSpPr>
-        <a:xfrm>
-          <a:off x="0" y="0"/>
-          <a:ext cx="0" cy="0"/>
-          <a:chOff x="0" y="0"/>
-          <a:chExt cx="0" cy="0"/>
-        </a:xfrm>
-      </p:grpSpPr>
-      <p:sp>
-        <p:nvSpPr>
-          <p:cNvPr id="3" name="Content Placeholder 2"/>
-          <p:cNvSpPr>
-            <a:spLocks noGrp="1"/>
-          </p:cNvSpPr>
-          <p:nvPr>
-            <p:ph idx="1"/>
-          </p:nvPr>
-        </p:nvSpPr>
-        <p:spPr>
-          <a:xfrm>
-            <a:off x="504234" y="211918"/>
-            <a:ext cx="8229600" cy="1403113"/>
-          </a:xfrm>
-        </p:spPr>
-        <p:txBody>
-          <a:bodyPr>
-            <a:normAutofit/>
-          </a:bodyPr>
-          <a:lstStyle/>
-          <a:p>
-            <a:pPr marL="0" indent="0" algn="ctr">
-              <a:buNone/>
-            </a:pPr>
-            <a:r>
-              <a:rPr lang="en-US" sz="4000" dirty="0" smtClean="0"/>
-              <a:t>Atmospheric evolution and </a:t>
-            </a:r>
-            <a:r>
-              <a:rPr lang="en-US" sz="4000" dirty="0" err="1" smtClean="0"/>
-              <a:t>M</a:t>
-            </a:r>
-            <a:r>
-              <a:rPr lang="en-US" sz="4000" baseline="-25000" dirty="0" err="1" smtClean="0"/>
-              <a:t>crit</a:t>
-            </a:r>
-            <a:r>
-              <a:rPr lang="en-US" sz="4000" dirty="0" smtClean="0"/>
-              <a:t> are highly dependent on</a:t>
-            </a:r>
-            <a:endParaRPr lang="en-US" sz="4000" dirty="0"/>
-          </a:p>
-        </p:txBody>
-      </p:sp>
-      <p:cxnSp>
-        <p:nvCxnSpPr>
-          <p:cNvPr id="6" name="Straight Arrow Connector 5"/>
-          <p:cNvCxnSpPr/>
-          <p:nvPr/>
-        </p:nvCxnSpPr>
-        <p:spPr>
-          <a:xfrm flipH="1">
-            <a:off x="2539782" y="1787510"/>
-            <a:ext cx="1520734" cy="1395511"/>
-          </a:xfrm>
-          <a:prstGeom prst="straightConnector1">
-            <a:avLst/>
-          </a:prstGeom>
-          <a:ln>
-            <a:solidFill>
-              <a:srgbClr val="FFFF00"/>
-            </a:solidFill>
-            <a:tailEnd type="arrow"/>
-          </a:ln>
-          <a:effectLst/>
-        </p:spPr>
-        <p:style>
-          <a:lnRef idx="2">
-            <a:schemeClr val="accent1"/>
-          </a:lnRef>
-          <a:fillRef idx="0">
-            <a:schemeClr val="accent1"/>
-          </a:fillRef>
-          <a:effectRef idx="1">
-            <a:schemeClr val="accent1"/>
-          </a:effectRef>
-          <a:fontRef idx="minor">
-            <a:schemeClr val="tx1"/>
-          </a:fontRef>
-        </p:style>
-      </p:cxnSp>
-      <p:sp>
-        <p:nvSpPr>
-          <p:cNvPr id="7" name="TextBox 6"/>
-          <p:cNvSpPr txBox="1"/>
-          <p:nvPr/>
-        </p:nvSpPr>
-        <p:spPr>
-          <a:xfrm>
-            <a:off x="266519" y="3252436"/>
-            <a:ext cx="4867903" cy="707886"/>
-          </a:xfrm>
-          <a:prstGeom prst="rect">
-            <a:avLst/>
-          </a:prstGeom>
-          <a:noFill/>
-        </p:spPr>
-        <p:txBody>
-          <a:bodyPr wrap="square" rtlCol="0">
-            <a:spAutoFit/>
-          </a:bodyPr>
-          <a:lstStyle/>
-          <a:p>
-            <a:r>
-              <a:rPr lang="en-US" sz="4000" dirty="0" smtClean="0">
-                <a:solidFill>
-                  <a:srgbClr val="FFFF00"/>
-                </a:solidFill>
-              </a:rPr>
-              <a:t>EQUATION OF STATE</a:t>
-            </a:r>
-            <a:endParaRPr lang="en-US" sz="4000" dirty="0">
-              <a:solidFill>
-                <a:srgbClr val="FFFF00"/>
-              </a:solidFill>
-            </a:endParaRPr>
-          </a:p>
-        </p:txBody>
-      </p:sp>
-      <p:cxnSp>
-        <p:nvCxnSpPr>
-          <p:cNvPr id="8" name="Straight Arrow Connector 7"/>
-          <p:cNvCxnSpPr/>
-          <p:nvPr/>
-        </p:nvCxnSpPr>
-        <p:spPr>
-          <a:xfrm>
-            <a:off x="4054439" y="1799662"/>
-            <a:ext cx="3625918" cy="2266891"/>
-          </a:xfrm>
-          <a:prstGeom prst="straightConnector1">
-            <a:avLst/>
-          </a:prstGeom>
-          <a:ln>
-            <a:solidFill>
-              <a:srgbClr val="FFFF00"/>
-            </a:solidFill>
-            <a:tailEnd type="arrow"/>
-          </a:ln>
-          <a:effectLst/>
-        </p:spPr>
-        <p:style>
-          <a:lnRef idx="2">
-            <a:schemeClr val="accent1"/>
-          </a:lnRef>
-          <a:fillRef idx="0">
-            <a:schemeClr val="accent1"/>
-          </a:fillRef>
-          <a:effectRef idx="1">
-            <a:schemeClr val="accent1"/>
-          </a:effectRef>
-          <a:fontRef idx="minor">
-            <a:schemeClr val="tx1"/>
-          </a:fontRef>
-        </p:style>
-      </p:cxnSp>
-      <p:sp>
-        <p:nvSpPr>
-          <p:cNvPr id="10" name="TextBox 9"/>
-          <p:cNvSpPr txBox="1"/>
-          <p:nvPr/>
-        </p:nvSpPr>
-        <p:spPr>
-          <a:xfrm>
-            <a:off x="5438001" y="4458615"/>
-            <a:ext cx="3295833" cy="707886"/>
-          </a:xfrm>
-          <a:prstGeom prst="rect">
-            <a:avLst/>
-          </a:prstGeom>
-          <a:noFill/>
-        </p:spPr>
-        <p:txBody>
-          <a:bodyPr wrap="square" rtlCol="0">
-            <a:spAutoFit/>
-          </a:bodyPr>
-          <a:lstStyle/>
-          <a:p>
-            <a:r>
-              <a:rPr lang="en-US" sz="4000" dirty="0" smtClean="0">
-                <a:solidFill>
-                  <a:srgbClr val="FFFF00"/>
-                </a:solidFill>
-              </a:rPr>
-              <a:t>DUST OPACITY</a:t>
-            </a:r>
-            <a:endParaRPr lang="en-US" sz="4000" dirty="0">
-              <a:solidFill>
-                <a:srgbClr val="FFFF00"/>
-              </a:solidFill>
-            </a:endParaRPr>
-          </a:p>
-        </p:txBody>
-      </p:sp>
-      <p:sp>
-        <p:nvSpPr>
-          <p:cNvPr id="9" name="Rectangle 8"/>
-          <p:cNvSpPr/>
-          <p:nvPr/>
-        </p:nvSpPr>
-        <p:spPr>
-          <a:xfrm>
-            <a:off x="5397464" y="4458615"/>
-            <a:ext cx="3295833" cy="814117"/>
-          </a:xfrm>
-          <a:prstGeom prst="rect">
-            <a:avLst/>
-          </a:prstGeom>
-          <a:noFill/>
-          <a:ln w="38100">
-            <a:solidFill>
-              <a:srgbClr val="FFFF00"/>
-            </a:solidFill>
-          </a:ln>
-          <a:effectLst/>
-        </p:spPr>
-        <p:style>
-          <a:lnRef idx="1">
-            <a:schemeClr val="accent1"/>
-          </a:lnRef>
-          <a:fillRef idx="3">
-            <a:schemeClr val="accent1"/>
-          </a:fillRef>
-          <a:effectRef idx="2">
-            <a:schemeClr val="accent1"/>
-          </a:effectRef>
-          <a:fontRef idx="minor">
-            <a:schemeClr val="lt1"/>
-          </a:fontRef>
-        </p:style>
-        <p:txBody>
-          <a:bodyPr rtlCol="0" anchor="ctr"/>
-          <a:lstStyle/>
-          <a:p>
-            <a:pPr algn="ctr"/>
-            <a:endParaRPr lang="en-US"/>
-          </a:p>
-        </p:txBody>
-      </p:sp>
-    </p:spTree>
-    <p:extLst>
-      <p:ext uri="{BB962C8B-B14F-4D97-AF65-F5344CB8AC3E}">
-        <p14:creationId xmlns:p14="http://schemas.microsoft.com/office/powerpoint/2010/main" val="3100040339"/>
       </p:ext>
     </p:extLst>
   </p:cSld>
@@ -11522,64 +9967,96 @@
       </p:grpSpPr>
       <p:sp>
         <p:nvSpPr>
-          <p:cNvPr id="2" name="Title 1"/>
+          <p:cNvPr id="3" name="Content Placeholder 2"/>
           <p:cNvSpPr>
             <a:spLocks noGrp="1"/>
           </p:cNvSpPr>
           <p:nvPr>
-            <p:ph type="title"/>
+            <p:ph idx="1"/>
           </p:nvPr>
         </p:nvSpPr>
         <p:spPr>
           <a:xfrm>
-            <a:off x="457200" y="153048"/>
-            <a:ext cx="8229600" cy="1143000"/>
+            <a:off x="504234" y="211918"/>
+            <a:ext cx="8229600" cy="1403113"/>
           </a:xfrm>
         </p:spPr>
         <p:txBody>
           <a:bodyPr>
-            <a:normAutofit fontScale="90000"/>
+            <a:normAutofit/>
           </a:bodyPr>
           <a:lstStyle/>
           <a:p>
-            <a:r>
-              <a:rPr lang="en-US" dirty="0" smtClean="0"/>
-              <a:t>Grain growth opacity </a:t>
-            </a:r>
-            <a:r>
-              <a:rPr lang="en-US" dirty="0" smtClean="0">
-                <a:solidFill>
-                  <a:srgbClr val="FFFF00"/>
-                </a:solidFill>
-              </a:rPr>
-              <a:t>DECREASES</a:t>
-            </a:r>
-            <a:r>
-              <a:rPr lang="en-US" dirty="0" smtClean="0"/>
-              <a:t> </a:t>
-            </a:r>
-            <a:r>
-              <a:rPr lang="en-US" dirty="0" err="1" smtClean="0"/>
+            <a:pPr marL="0" indent="0" algn="ctr">
+              <a:buNone/>
+            </a:pPr>
+            <a:r>
+              <a:rPr lang="en-US" sz="4000" dirty="0" smtClean="0"/>
+              <a:t>Atmospheric evolution and </a:t>
+            </a:r>
+            <a:r>
+              <a:rPr lang="en-US" sz="4000" dirty="0" err="1" smtClean="0"/>
               <a:t>M</a:t>
             </a:r>
             <a:r>
-              <a:rPr lang="en-US" baseline="-25000" dirty="0" err="1" smtClean="0"/>
+              <a:rPr lang="en-US" sz="4000" baseline="-25000" dirty="0" err="1" smtClean="0"/>
               <a:t>crit</a:t>
             </a:r>
-            <a:endParaRPr lang="en-US" dirty="0"/>
-          </a:p>
-        </p:txBody>
-      </p:sp>
-      <p:sp>
-        <p:nvSpPr>
-          <p:cNvPr id="6" name="TextBox 5"/>
+            <a:r>
+              <a:rPr lang="en-US" sz="4000" dirty="0" smtClean="0"/>
+              <a:t> are highly dependent on</a:t>
+            </a:r>
+            <a:endParaRPr lang="en-US" sz="4000" dirty="0"/>
+          </a:p>
+        </p:txBody>
+      </p:sp>
+      <p:cxnSp>
+        <p:nvCxnSpPr>
+          <p:cNvPr id="6" name="Straight Arrow Connector 5"/>
+          <p:cNvCxnSpPr/>
+          <p:nvPr/>
+        </p:nvCxnSpPr>
+        <p:spPr>
+          <a:xfrm flipH="1">
+            <a:off x="2539782" y="1787510"/>
+            <a:ext cx="1520734" cy="1395511"/>
+          </a:xfrm>
+          <a:prstGeom prst="straightConnector1">
+            <a:avLst/>
+          </a:prstGeom>
+          <a:ln>
+            <a:solidFill>
+              <a:srgbClr val="FFFF00"/>
+            </a:solidFill>
+            <a:tailEnd type="arrow"/>
+          </a:ln>
+          <a:effectLst/>
+        </p:spPr>
+        <p:style>
+          <a:lnRef idx="2">
+            <a:schemeClr val="accent1"/>
+          </a:lnRef>
+          <a:fillRef idx="0">
+            <a:schemeClr val="accent1"/>
+          </a:fillRef>
+          <a:effectRef idx="1">
+            <a:schemeClr val="accent1"/>
+          </a:effectRef>
+          <a:fontRef idx="minor">
+            <a:schemeClr val="tx1"/>
+          </a:fontRef>
+        </p:style>
+      </p:cxnSp>
+      <p:sp>
+        <p:nvSpPr>
+          <p:cNvPr id="7" name="TextBox 6"/>
           <p:cNvSpPr txBox="1"/>
           <p:nvPr/>
         </p:nvSpPr>
         <p:spPr>
           <a:xfrm>
-            <a:off x="2580722" y="5546246"/>
-            <a:ext cx="2715840" cy="338554"/>
+            <a:off x="266519" y="3252436"/>
+            <a:ext cx="4867903" cy="707886"/>
           </a:xfrm>
           <a:prstGeom prst="rect">
             <a:avLst/>
@@ -11593,55 +10070,68 @@
           <a:lstStyle/>
           <a:p>
             <a:r>
-              <a:rPr lang="en-US" sz="1600" dirty="0" err="1">
-                <a:solidFill>
-                  <a:srgbClr val="000000"/>
-                </a:solidFill>
-              </a:rPr>
-              <a:t>t_disk</a:t>
-            </a:r>
-            <a:r>
-              <a:rPr lang="en-US" sz="1600" dirty="0">
-                <a:solidFill>
-                  <a:srgbClr val="000000"/>
-                </a:solidFill>
-              </a:rPr>
-              <a:t> ~ 3 </a:t>
-            </a:r>
-            <a:r>
-              <a:rPr lang="en-US" sz="1600" dirty="0" err="1" smtClean="0">
-                <a:solidFill>
-                  <a:srgbClr val="000000"/>
-                </a:solidFill>
-              </a:rPr>
-              <a:t>Myr</a:t>
-            </a:r>
-            <a:r>
-              <a:rPr lang="en-US" sz="1600" dirty="0" smtClean="0">
-                <a:solidFill>
-                  <a:srgbClr val="000000"/>
-                </a:solidFill>
-              </a:rPr>
-              <a:t>, realistic EOS</a:t>
-            </a:r>
-            <a:endParaRPr lang="en-US" sz="1600" dirty="0">
+              <a:rPr lang="en-US" sz="4000" dirty="0" smtClean="0">
+                <a:solidFill>
+                  <a:srgbClr val="FFFF00"/>
+                </a:solidFill>
+              </a:rPr>
+              <a:t>EQUATION OF STATE</a:t>
+            </a:r>
+            <a:endParaRPr lang="en-US" sz="4000" dirty="0">
               <a:solidFill>
-                <a:srgbClr val="000000"/>
+                <a:srgbClr val="FFFF00"/>
               </a:solidFill>
             </a:endParaRPr>
           </a:p>
         </p:txBody>
       </p:sp>
-      <p:sp>
-        <p:nvSpPr>
-          <p:cNvPr id="7" name="TextBox 6"/>
+      <p:cxnSp>
+        <p:nvCxnSpPr>
+          <p:cNvPr id="8" name="Straight Arrow Connector 7"/>
+          <p:cNvCxnSpPr/>
+          <p:nvPr/>
+        </p:nvCxnSpPr>
+        <p:spPr>
+          <a:xfrm>
+            <a:off x="4054439" y="1799662"/>
+            <a:ext cx="3625918" cy="2266891"/>
+          </a:xfrm>
+          <a:prstGeom prst="straightConnector1">
+            <a:avLst/>
+          </a:prstGeom>
+          <a:ln>
+            <a:solidFill>
+              <a:srgbClr val="FFFF00"/>
+            </a:solidFill>
+            <a:tailEnd type="arrow"/>
+          </a:ln>
+          <a:effectLst/>
+        </p:spPr>
+        <p:style>
+          <a:lnRef idx="2">
+            <a:schemeClr val="accent1"/>
+          </a:lnRef>
+          <a:fillRef idx="0">
+            <a:schemeClr val="accent1"/>
+          </a:fillRef>
+          <a:effectRef idx="1">
+            <a:schemeClr val="accent1"/>
+          </a:effectRef>
+          <a:fontRef idx="minor">
+            <a:schemeClr val="tx1"/>
+          </a:fontRef>
+        </p:style>
+      </p:cxnSp>
+      <p:sp>
+        <p:nvSpPr>
+          <p:cNvPr id="10" name="TextBox 9"/>
           <p:cNvSpPr txBox="1"/>
           <p:nvPr/>
         </p:nvSpPr>
         <p:spPr>
           <a:xfrm>
-            <a:off x="5958633" y="5663361"/>
-            <a:ext cx="2782215" cy="307777"/>
+            <a:off x="5438001" y="4458615"/>
+            <a:ext cx="3295833" cy="707886"/>
           </a:xfrm>
           <a:prstGeom prst="rect">
             <a:avLst/>
@@ -11655,193 +10145,31 @@
           <a:lstStyle/>
           <a:p>
             <a:r>
-              <a:rPr lang="en-US" sz="1400" dirty="0" smtClean="0">
-                <a:solidFill>
-                  <a:srgbClr val="000000"/>
-                </a:solidFill>
-              </a:rPr>
-              <a:t>Piso, </a:t>
-            </a:r>
-            <a:r>
-              <a:rPr lang="en-US" sz="1400" dirty="0" err="1" smtClean="0">
-                <a:solidFill>
-                  <a:srgbClr val="000000"/>
-                </a:solidFill>
-              </a:rPr>
-              <a:t>Youdin</a:t>
-            </a:r>
-            <a:r>
-              <a:rPr lang="en-US" sz="1400" dirty="0" smtClean="0">
-                <a:solidFill>
-                  <a:srgbClr val="000000"/>
-                </a:solidFill>
-              </a:rPr>
-              <a:t>, &amp; Murray-Clay (2015)</a:t>
-            </a:r>
-            <a:endParaRPr lang="en-US" sz="1400" dirty="0">
+              <a:rPr lang="en-US" sz="4000" dirty="0" smtClean="0">
+                <a:solidFill>
+                  <a:srgbClr val="FFFF00"/>
+                </a:solidFill>
+              </a:rPr>
+              <a:t>DUST OPACITY</a:t>
+            </a:r>
+            <a:endParaRPr lang="en-US" sz="4000" dirty="0">
               <a:solidFill>
-                <a:srgbClr val="000000"/>
+                <a:srgbClr val="FFFF00"/>
               </a:solidFill>
             </a:endParaRPr>
           </a:p>
         </p:txBody>
       </p:sp>
-      <p:pic>
-        <p:nvPicPr>
-          <p:cNvPr id="8" name="Picture 7" descr="Mcrit_vs_a_gg.pdf"/>
-          <p:cNvPicPr>
-            <a:picLocks noChangeAspect="1"/>
-          </p:cNvPicPr>
+      <p:sp>
+        <p:nvSpPr>
+          <p:cNvPr id="9" name="Rectangle 8"/>
+          <p:cNvSpPr/>
           <p:nvPr/>
-        </p:nvPicPr>
-        <p:blipFill>
-          <a:blip r:embed="rId2">
-            <a:extLst>
-              <a:ext uri="{28A0092B-C50C-407E-A947-70E740481C1C}">
-                <a14:useLocalDpi xmlns:a14="http://schemas.microsoft.com/office/drawing/2010/main" val="0"/>
-              </a:ext>
-            </a:extLst>
-          </a:blip>
-          <a:stretch>
-            <a:fillRect/>
-          </a:stretch>
-        </p:blipFill>
+        </p:nvSpPr>
         <p:spPr>
           <a:xfrm>
-            <a:off x="2664189" y="1296048"/>
-            <a:ext cx="6346899" cy="4765822"/>
-          </a:xfrm>
-          <a:prstGeom prst="rect">
-            <a:avLst/>
-          </a:prstGeom>
-        </p:spPr>
-      </p:pic>
-      <p:sp>
-        <p:nvSpPr>
-          <p:cNvPr id="11" name="TextBox 10"/>
-          <p:cNvSpPr txBox="1"/>
-          <p:nvPr/>
-        </p:nvSpPr>
-        <p:spPr>
-          <a:xfrm>
-            <a:off x="2729354" y="5546246"/>
-            <a:ext cx="2715840" cy="338554"/>
-          </a:xfrm>
-          <a:prstGeom prst="rect">
-            <a:avLst/>
-          </a:prstGeom>
-          <a:noFill/>
-        </p:spPr>
-        <p:txBody>
-          <a:bodyPr wrap="square" rtlCol="0">
-            <a:spAutoFit/>
-          </a:bodyPr>
-          <a:lstStyle/>
-          <a:p>
-            <a:r>
-              <a:rPr lang="en-US" sz="1600" dirty="0" err="1">
-                <a:solidFill>
-                  <a:srgbClr val="000000"/>
-                </a:solidFill>
-              </a:rPr>
-              <a:t>t_disk</a:t>
-            </a:r>
-            <a:r>
-              <a:rPr lang="en-US" sz="1600" dirty="0">
-                <a:solidFill>
-                  <a:srgbClr val="000000"/>
-                </a:solidFill>
-              </a:rPr>
-              <a:t> ~ 3 </a:t>
-            </a:r>
-            <a:r>
-              <a:rPr lang="en-US" sz="1600" dirty="0" err="1" smtClean="0">
-                <a:solidFill>
-                  <a:srgbClr val="000000"/>
-                </a:solidFill>
-              </a:rPr>
-              <a:t>Myr</a:t>
-            </a:r>
-            <a:r>
-              <a:rPr lang="en-US" sz="1600" dirty="0" smtClean="0">
-                <a:solidFill>
-                  <a:srgbClr val="000000"/>
-                </a:solidFill>
-              </a:rPr>
-              <a:t>, realistic EOS</a:t>
-            </a:r>
-            <a:endParaRPr lang="en-US" sz="1600" dirty="0">
-              <a:solidFill>
-                <a:srgbClr val="000000"/>
-              </a:solidFill>
-            </a:endParaRPr>
-          </a:p>
-        </p:txBody>
-      </p:sp>
-      <p:sp>
-        <p:nvSpPr>
-          <p:cNvPr id="12" name="TextBox 11"/>
-          <p:cNvSpPr txBox="1"/>
-          <p:nvPr/>
-        </p:nvSpPr>
-        <p:spPr>
-          <a:xfrm>
-            <a:off x="6336969" y="5703891"/>
-            <a:ext cx="2782215" cy="307777"/>
-          </a:xfrm>
-          <a:prstGeom prst="rect">
-            <a:avLst/>
-          </a:prstGeom>
-          <a:noFill/>
-        </p:spPr>
-        <p:txBody>
-          <a:bodyPr wrap="square" rtlCol="0">
-            <a:spAutoFit/>
-          </a:bodyPr>
-          <a:lstStyle/>
-          <a:p>
-            <a:r>
-              <a:rPr lang="en-US" sz="1400" dirty="0" smtClean="0">
-                <a:solidFill>
-                  <a:srgbClr val="000000"/>
-                </a:solidFill>
-              </a:rPr>
-              <a:t>Piso, </a:t>
-            </a:r>
-            <a:r>
-              <a:rPr lang="en-US" sz="1400" dirty="0" err="1" smtClean="0">
-                <a:solidFill>
-                  <a:srgbClr val="000000"/>
-                </a:solidFill>
-              </a:rPr>
-              <a:t>Youdin</a:t>
-            </a:r>
-            <a:r>
-              <a:rPr lang="en-US" sz="1400" dirty="0" smtClean="0">
-                <a:solidFill>
-                  <a:srgbClr val="000000"/>
-                </a:solidFill>
-              </a:rPr>
-              <a:t>, &amp; Murray-Clay (2015)</a:t>
-            </a:r>
-            <a:endParaRPr lang="en-US" sz="1400" dirty="0">
-              <a:solidFill>
-                <a:srgbClr val="000000"/>
-              </a:solidFill>
-            </a:endParaRPr>
-          </a:p>
-        </p:txBody>
-      </p:sp>
-      <p:sp>
-        <p:nvSpPr>
-          <p:cNvPr id="9" name="TextBox 8"/>
-          <p:cNvSpPr txBox="1"/>
-          <p:nvPr/>
-        </p:nvSpPr>
-        <p:spPr>
-          <a:xfrm>
-            <a:off x="389645" y="1296048"/>
-            <a:ext cx="1799244" cy="1672252"/>
+            <a:off x="5397464" y="4458615"/>
+            <a:ext cx="3295833" cy="814117"/>
           </a:xfrm>
           <a:prstGeom prst="rect">
             <a:avLst/>
@@ -11850,108 +10178,6 @@
           <a:ln w="38100">
             <a:solidFill>
               <a:srgbClr val="FFFF00"/>
-            </a:solidFill>
-          </a:ln>
-        </p:spPr>
-        <p:txBody>
-          <a:bodyPr wrap="square" rtlCol="0">
-            <a:spAutoFit/>
-          </a:bodyPr>
-          <a:lstStyle/>
-          <a:p>
-            <a:r>
-              <a:rPr lang="en-US" sz="2800" i="1" dirty="0" err="1" smtClean="0">
-                <a:solidFill>
-                  <a:srgbClr val="FFFF00"/>
-                </a:solidFill>
-              </a:rPr>
-              <a:t>dN</a:t>
-            </a:r>
-            <a:r>
-              <a:rPr lang="en-US" sz="2800" i="1" dirty="0" smtClean="0">
-                <a:solidFill>
-                  <a:srgbClr val="FFFF00"/>
-                </a:solidFill>
-              </a:rPr>
-              <a:t>/ds ~ s</a:t>
-            </a:r>
-            <a:r>
-              <a:rPr lang="en-US" sz="2800" i="1" baseline="30000" dirty="0" smtClean="0">
-                <a:solidFill>
-                  <a:srgbClr val="FFFF00"/>
-                </a:solidFill>
-              </a:rPr>
-              <a:t>-p</a:t>
-            </a:r>
-          </a:p>
-          <a:p>
-            <a:endParaRPr lang="en-US" sz="2800" i="1" baseline="30000" dirty="0">
-              <a:solidFill>
-                <a:srgbClr val="FFFF00"/>
-              </a:solidFill>
-            </a:endParaRPr>
-          </a:p>
-          <a:p>
-            <a:r>
-              <a:rPr lang="en-US" sz="2800" i="1" dirty="0" smtClean="0">
-                <a:solidFill>
-                  <a:srgbClr val="FFFF00"/>
-                </a:solidFill>
-              </a:rPr>
-              <a:t>p = 3.5</a:t>
-            </a:r>
-          </a:p>
-          <a:p>
-            <a:r>
-              <a:rPr lang="en-US" sz="2800" i="1" dirty="0" err="1">
-                <a:solidFill>
-                  <a:srgbClr val="FFFF00"/>
-                </a:solidFill>
-              </a:rPr>
-              <a:t>s</a:t>
-            </a:r>
-            <a:r>
-              <a:rPr lang="en-US" sz="2800" baseline="-25000" dirty="0" err="1" smtClean="0">
-                <a:solidFill>
-                  <a:srgbClr val="FFFF00"/>
-                </a:solidFill>
-              </a:rPr>
-              <a:t>max</a:t>
-            </a:r>
-            <a:r>
-              <a:rPr lang="en-US" sz="2800" dirty="0" smtClean="0">
-                <a:solidFill>
-                  <a:srgbClr val="FFFF00"/>
-                </a:solidFill>
-              </a:rPr>
-              <a:t> = 1 cm</a:t>
-            </a:r>
-            <a:endParaRPr lang="en-US" sz="2800" i="1" dirty="0">
-              <a:solidFill>
-                <a:srgbClr val="FFFF00"/>
-              </a:solidFill>
-            </a:endParaRPr>
-          </a:p>
-        </p:txBody>
-      </p:sp>
-      <p:sp>
-        <p:nvSpPr>
-          <p:cNvPr id="10" name="Rectangle 9"/>
-          <p:cNvSpPr/>
-          <p:nvPr/>
-        </p:nvSpPr>
-        <p:spPr>
-          <a:xfrm>
-            <a:off x="3814756" y="4120778"/>
-            <a:ext cx="4832699" cy="769831"/>
-          </a:xfrm>
-          <a:prstGeom prst="rect">
-            <a:avLst/>
-          </a:prstGeom>
-          <a:noFill/>
-          <a:ln w="38100">
-            <a:solidFill>
-              <a:srgbClr val="BD117E"/>
             </a:solidFill>
           </a:ln>
           <a:effectLst/>
@@ -11982,7 +10208,7 @@
     </p:spTree>
     <p:extLst>
       <p:ext uri="{BB962C8B-B14F-4D97-AF65-F5344CB8AC3E}">
-        <p14:creationId xmlns:p14="http://schemas.microsoft.com/office/powerpoint/2010/main" val="872566693"/>
+        <p14:creationId xmlns:p14="http://schemas.microsoft.com/office/powerpoint/2010/main" val="3100040339"/>
       </p:ext>
     </p:extLst>
   </p:cSld>
@@ -12066,9 +10292,125 @@
           </a:p>
         </p:txBody>
       </p:sp>
+      <p:sp>
+        <p:nvSpPr>
+          <p:cNvPr id="6" name="TextBox 5"/>
+          <p:cNvSpPr txBox="1"/>
+          <p:nvPr/>
+        </p:nvSpPr>
+        <p:spPr>
+          <a:xfrm>
+            <a:off x="2580722" y="5546246"/>
+            <a:ext cx="2715840" cy="338554"/>
+          </a:xfrm>
+          <a:prstGeom prst="rect">
+            <a:avLst/>
+          </a:prstGeom>
+          <a:noFill/>
+        </p:spPr>
+        <p:txBody>
+          <a:bodyPr wrap="square" rtlCol="0">
+            <a:spAutoFit/>
+          </a:bodyPr>
+          <a:lstStyle/>
+          <a:p>
+            <a:r>
+              <a:rPr lang="en-US" sz="1600" dirty="0" err="1">
+                <a:solidFill>
+                  <a:srgbClr val="000000"/>
+                </a:solidFill>
+              </a:rPr>
+              <a:t>t_disk</a:t>
+            </a:r>
+            <a:r>
+              <a:rPr lang="en-US" sz="1600" dirty="0">
+                <a:solidFill>
+                  <a:srgbClr val="000000"/>
+                </a:solidFill>
+              </a:rPr>
+              <a:t> ~ 3 </a:t>
+            </a:r>
+            <a:r>
+              <a:rPr lang="en-US" sz="1600" dirty="0" err="1" smtClean="0">
+                <a:solidFill>
+                  <a:srgbClr val="000000"/>
+                </a:solidFill>
+              </a:rPr>
+              <a:t>Myr</a:t>
+            </a:r>
+            <a:r>
+              <a:rPr lang="en-US" sz="1600" dirty="0" smtClean="0">
+                <a:solidFill>
+                  <a:srgbClr val="000000"/>
+                </a:solidFill>
+              </a:rPr>
+              <a:t>, realistic EOS</a:t>
+            </a:r>
+            <a:endParaRPr lang="en-US" sz="1600" dirty="0">
+              <a:solidFill>
+                <a:srgbClr val="000000"/>
+              </a:solidFill>
+            </a:endParaRPr>
+          </a:p>
+        </p:txBody>
+      </p:sp>
+      <p:sp>
+        <p:nvSpPr>
+          <p:cNvPr id="7" name="TextBox 6"/>
+          <p:cNvSpPr txBox="1"/>
+          <p:nvPr/>
+        </p:nvSpPr>
+        <p:spPr>
+          <a:xfrm>
+            <a:off x="5958633" y="5663361"/>
+            <a:ext cx="2782215" cy="307777"/>
+          </a:xfrm>
+          <a:prstGeom prst="rect">
+            <a:avLst/>
+          </a:prstGeom>
+          <a:noFill/>
+        </p:spPr>
+        <p:txBody>
+          <a:bodyPr wrap="square" rtlCol="0">
+            <a:spAutoFit/>
+          </a:bodyPr>
+          <a:lstStyle/>
+          <a:p>
+            <a:r>
+              <a:rPr lang="en-US" sz="1400" dirty="0" smtClean="0">
+                <a:solidFill>
+                  <a:srgbClr val="000000"/>
+                </a:solidFill>
+              </a:rPr>
+              <a:t>Piso, </a:t>
+            </a:r>
+            <a:r>
+              <a:rPr lang="en-US" sz="1400" dirty="0" err="1" smtClean="0">
+                <a:solidFill>
+                  <a:srgbClr val="000000"/>
+                </a:solidFill>
+              </a:rPr>
+              <a:t>Youdin</a:t>
+            </a:r>
+            <a:r>
+              <a:rPr lang="en-US" sz="1400" dirty="0" smtClean="0">
+                <a:solidFill>
+                  <a:srgbClr val="000000"/>
+                </a:solidFill>
+              </a:rPr>
+              <a:t>, &amp; Murray-Clay (2015)</a:t>
+            </a:r>
+            <a:endParaRPr lang="en-US" sz="1400" dirty="0">
+              <a:solidFill>
+                <a:srgbClr val="000000"/>
+              </a:solidFill>
+            </a:endParaRPr>
+          </a:p>
+        </p:txBody>
+      </p:sp>
       <p:pic>
         <p:nvPicPr>
-          <p:cNvPr id="4" name="Picture 3" descr="Mcrit_vs_a_gg.pdf"/>
+          <p:cNvPr id="8" name="Picture 7" descr="Mcrit_vs_a_gg.pdf"/>
           <p:cNvPicPr>
             <a:picLocks noChangeAspect="1"/>
           </p:cNvPicPr>
@@ -12098,7 +10440,7 @@
       </p:pic>
       <p:sp>
         <p:nvSpPr>
-          <p:cNvPr id="6" name="TextBox 5"/>
+          <p:cNvPr id="11" name="TextBox 10"/>
           <p:cNvSpPr txBox="1"/>
           <p:nvPr/>
         </p:nvSpPr>
@@ -12160,7 +10502,7 @@
       </p:sp>
       <p:sp>
         <p:nvSpPr>
-          <p:cNvPr id="7" name="TextBox 6"/>
+          <p:cNvPr id="12" name="TextBox 11"/>
           <p:cNvSpPr txBox="1"/>
           <p:nvPr/>
         </p:nvSpPr>
@@ -12214,7 +10556,109 @@
       </p:sp>
       <p:sp>
         <p:nvSpPr>
-          <p:cNvPr id="8" name="Rectangle 7"/>
+          <p:cNvPr id="9" name="TextBox 8"/>
+          <p:cNvSpPr txBox="1"/>
+          <p:nvPr/>
+        </p:nvSpPr>
+        <p:spPr>
+          <a:xfrm>
+            <a:off x="389645" y="1296048"/>
+            <a:ext cx="1799244" cy="1672252"/>
+          </a:xfrm>
+          <a:prstGeom prst="rect">
+            <a:avLst/>
+          </a:prstGeom>
+          <a:noFill/>
+          <a:ln w="38100">
+            <a:solidFill>
+              <a:srgbClr val="FFFF00"/>
+            </a:solidFill>
+          </a:ln>
+        </p:spPr>
+        <p:txBody>
+          <a:bodyPr wrap="square" rtlCol="0">
+            <a:spAutoFit/>
+          </a:bodyPr>
+          <a:lstStyle/>
+          <a:p>
+            <a:r>
+              <a:rPr lang="en-US" sz="2800" i="1" dirty="0" err="1" smtClean="0">
+                <a:solidFill>
+                  <a:srgbClr val="FFFF00"/>
+                </a:solidFill>
+              </a:rPr>
+              <a:t>dN</a:t>
+            </a:r>
+            <a:r>
+              <a:rPr lang="en-US" sz="2800" i="1" dirty="0" smtClean="0">
+                <a:solidFill>
+                  <a:srgbClr val="FFFF00"/>
+                </a:solidFill>
+              </a:rPr>
+              <a:t>/ds ~ s</a:t>
+            </a:r>
+            <a:r>
+              <a:rPr lang="en-US" sz="2800" i="1" baseline="30000" dirty="0" smtClean="0">
+                <a:solidFill>
+                  <a:srgbClr val="FFFF00"/>
+                </a:solidFill>
+              </a:rPr>
+              <a:t>-p</a:t>
+            </a:r>
+          </a:p>
+          <a:p>
+            <a:endParaRPr lang="en-US" sz="2800" i="1" baseline="30000" dirty="0">
+              <a:solidFill>
+                <a:srgbClr val="FFFF00"/>
+              </a:solidFill>
+            </a:endParaRPr>
+          </a:p>
+          <a:p>
+            <a:r>
+              <a:rPr lang="en-US" sz="2800" i="1" dirty="0" smtClean="0">
+                <a:solidFill>
+                  <a:srgbClr val="FFFF00"/>
+                </a:solidFill>
+              </a:rPr>
+              <a:t>p = 3.5</a:t>
+            </a:r>
+          </a:p>
+          <a:p>
+            <a:r>
+              <a:rPr lang="en-US" sz="2800" i="1" dirty="0" err="1">
+                <a:solidFill>
+                  <a:srgbClr val="FFFF00"/>
+                </a:solidFill>
+              </a:rPr>
+              <a:t>s</a:t>
+            </a:r>
+            <a:r>
+              <a:rPr lang="en-US" sz="2800" baseline="-25000" dirty="0" err="1" smtClean="0">
+                <a:solidFill>
+                  <a:srgbClr val="FFFF00"/>
+                </a:solidFill>
+              </a:rPr>
+              <a:t>max</a:t>
+            </a:r>
+            <a:r>
+              <a:rPr lang="en-US" sz="2800" dirty="0" smtClean="0">
+                <a:solidFill>
+                  <a:srgbClr val="FFFF00"/>
+                </a:solidFill>
+              </a:rPr>
+              <a:t> = 1 cm</a:t>
+            </a:r>
+            <a:endParaRPr lang="en-US" sz="2800" i="1" dirty="0">
+              <a:solidFill>
+                <a:srgbClr val="FFFF00"/>
+              </a:solidFill>
+            </a:endParaRPr>
+          </a:p>
+        </p:txBody>
+      </p:sp>
+      <p:sp>
+        <p:nvSpPr>
+          <p:cNvPr id="10" name="Rectangle 9"/>
           <p:cNvSpPr/>
           <p:nvPr/>
         </p:nvSpPr>
@@ -12257,280 +10701,10 @@
           </a:p>
         </p:txBody>
       </p:sp>
-      <p:sp>
-        <p:nvSpPr>
-          <p:cNvPr id="10" name="TextBox 9"/>
-          <p:cNvSpPr txBox="1"/>
-          <p:nvPr/>
-        </p:nvSpPr>
-        <p:spPr>
-          <a:xfrm>
-            <a:off x="389645" y="1296048"/>
-            <a:ext cx="1799244" cy="1672252"/>
-          </a:xfrm>
-          <a:prstGeom prst="rect">
-            <a:avLst/>
-          </a:prstGeom>
-          <a:noFill/>
-          <a:ln w="38100">
-            <a:solidFill>
-              <a:srgbClr val="FFFF00"/>
-            </a:solidFill>
-          </a:ln>
-        </p:spPr>
-        <p:txBody>
-          <a:bodyPr wrap="square" rtlCol="0">
-            <a:spAutoFit/>
-          </a:bodyPr>
-          <a:lstStyle/>
-          <a:p>
-            <a:r>
-              <a:rPr lang="en-US" sz="2800" i="1" dirty="0" err="1" smtClean="0">
-                <a:solidFill>
-                  <a:srgbClr val="FFFF00"/>
-                </a:solidFill>
-              </a:rPr>
-              <a:t>dN</a:t>
-            </a:r>
-            <a:r>
-              <a:rPr lang="en-US" sz="2800" i="1" dirty="0" smtClean="0">
-                <a:solidFill>
-                  <a:srgbClr val="FFFF00"/>
-                </a:solidFill>
-              </a:rPr>
-              <a:t>/ds ~ s</a:t>
-            </a:r>
-            <a:r>
-              <a:rPr lang="en-US" sz="2800" i="1" baseline="30000" dirty="0" smtClean="0">
-                <a:solidFill>
-                  <a:srgbClr val="FFFF00"/>
-                </a:solidFill>
-              </a:rPr>
-              <a:t>-p</a:t>
-            </a:r>
-          </a:p>
-          <a:p>
-            <a:endParaRPr lang="en-US" sz="2800" i="1" baseline="30000" dirty="0">
-              <a:solidFill>
-                <a:srgbClr val="FFFF00"/>
-              </a:solidFill>
-            </a:endParaRPr>
-          </a:p>
-          <a:p>
-            <a:r>
-              <a:rPr lang="en-US" sz="2800" i="1" dirty="0" smtClean="0">
-                <a:solidFill>
-                  <a:srgbClr val="FFFF00"/>
-                </a:solidFill>
-              </a:rPr>
-              <a:t>p = 3.5</a:t>
-            </a:r>
-          </a:p>
-          <a:p>
-            <a:r>
-              <a:rPr lang="en-US" sz="2800" i="1" dirty="0" err="1">
-                <a:solidFill>
-                  <a:srgbClr val="FFFF00"/>
-                </a:solidFill>
-              </a:rPr>
-              <a:t>s</a:t>
-            </a:r>
-            <a:r>
-              <a:rPr lang="en-US" sz="2800" baseline="-25000" dirty="0" err="1" smtClean="0">
-                <a:solidFill>
-                  <a:srgbClr val="FFFF00"/>
-                </a:solidFill>
-              </a:rPr>
-              <a:t>max</a:t>
-            </a:r>
-            <a:r>
-              <a:rPr lang="en-US" sz="2800" dirty="0" smtClean="0">
-                <a:solidFill>
-                  <a:srgbClr val="FFFF00"/>
-                </a:solidFill>
-              </a:rPr>
-              <a:t> = 1 cm</a:t>
-            </a:r>
-            <a:endParaRPr lang="en-US" sz="2800" i="1" dirty="0">
-              <a:solidFill>
-                <a:srgbClr val="FFFF00"/>
-              </a:solidFill>
-            </a:endParaRPr>
-          </a:p>
-        </p:txBody>
-      </p:sp>
-      <p:sp>
-        <p:nvSpPr>
-          <p:cNvPr id="3" name="TextBox 2"/>
-          <p:cNvSpPr txBox="1"/>
-          <p:nvPr/>
-        </p:nvSpPr>
-        <p:spPr>
-          <a:xfrm>
-            <a:off x="202677" y="3958422"/>
-            <a:ext cx="2310490" cy="1846659"/>
-          </a:xfrm>
-          <a:prstGeom prst="rect">
-            <a:avLst/>
-          </a:prstGeom>
-          <a:solidFill>
-            <a:srgbClr val="FFFF00"/>
-          </a:solidFill>
-          <a:ln w="38100">
-            <a:solidFill>
-              <a:srgbClr val="0000FF"/>
-            </a:solidFill>
-          </a:ln>
-        </p:spPr>
-        <p:txBody>
-          <a:bodyPr wrap="square" rtlCol="0">
-            <a:spAutoFit/>
-          </a:bodyPr>
-          <a:lstStyle/>
-          <a:p>
-            <a:pPr algn="ctr"/>
-            <a:r>
-              <a:rPr lang="en-US" sz="2400" dirty="0" err="1" smtClean="0">
-                <a:solidFill>
-                  <a:schemeClr val="bg1"/>
-                </a:solidFill>
-              </a:rPr>
-              <a:t>M</a:t>
-            </a:r>
-            <a:r>
-              <a:rPr lang="en-US" sz="2400" baseline="-25000" dirty="0" err="1" smtClean="0">
-                <a:solidFill>
-                  <a:schemeClr val="bg1"/>
-                </a:solidFill>
-              </a:rPr>
-              <a:t>crit</a:t>
-            </a:r>
-            <a:r>
-              <a:rPr lang="en-US" sz="2400" dirty="0">
-                <a:solidFill>
-                  <a:schemeClr val="bg1"/>
-                </a:solidFill>
-              </a:rPr>
-              <a:t>:</a:t>
-            </a:r>
-            <a:endParaRPr lang="en-US" sz="2400" dirty="0" smtClean="0">
-              <a:solidFill>
-                <a:schemeClr val="bg1"/>
-              </a:solidFill>
-            </a:endParaRPr>
-          </a:p>
-          <a:p>
-            <a:endParaRPr lang="en-US" sz="2400" dirty="0" smtClean="0">
-              <a:solidFill>
-                <a:schemeClr val="bg1"/>
-              </a:solidFill>
-            </a:endParaRPr>
-          </a:p>
-          <a:p>
-            <a:r>
-              <a:rPr lang="en-US" sz="2400" baseline="-25000" dirty="0" smtClean="0">
-                <a:solidFill>
-                  <a:schemeClr val="bg1"/>
-                </a:solidFill>
-              </a:rPr>
-              <a:t> </a:t>
-            </a:r>
-            <a:r>
-              <a:rPr lang="en-US" sz="2400" dirty="0" smtClean="0">
-                <a:solidFill>
-                  <a:schemeClr val="bg1"/>
-                </a:solidFill>
-              </a:rPr>
-              <a:t>~8 M</a:t>
-            </a:r>
-            <a:r>
-              <a:rPr lang="en-US" sz="2400" baseline="-25000" dirty="0" smtClean="0">
-                <a:solidFill>
-                  <a:schemeClr val="bg1"/>
-                </a:solidFill>
-              </a:rPr>
-              <a:t>E</a:t>
-            </a:r>
-            <a:r>
-              <a:rPr lang="en-US" sz="2400" dirty="0" smtClean="0">
-                <a:solidFill>
-                  <a:schemeClr val="bg1"/>
-                </a:solidFill>
-              </a:rPr>
-              <a:t> @ 5 AU</a:t>
-            </a:r>
-          </a:p>
-          <a:p>
-            <a:r>
-              <a:rPr lang="en-US" sz="2400" baseline="-25000" dirty="0" smtClean="0">
-                <a:solidFill>
-                  <a:schemeClr val="bg1"/>
-                </a:solidFill>
-              </a:rPr>
-              <a:t> </a:t>
-            </a:r>
-            <a:r>
-              <a:rPr lang="en-US" sz="2400" dirty="0" smtClean="0">
-                <a:solidFill>
-                  <a:schemeClr val="bg1"/>
-                </a:solidFill>
-              </a:rPr>
-              <a:t>~5 </a:t>
-            </a:r>
-            <a:r>
-              <a:rPr lang="en-US" sz="2400" dirty="0">
-                <a:solidFill>
-                  <a:schemeClr val="bg1"/>
-                </a:solidFill>
-              </a:rPr>
-              <a:t>M</a:t>
-            </a:r>
-            <a:r>
-              <a:rPr lang="en-US" sz="2400" baseline="-25000" dirty="0">
-                <a:solidFill>
-                  <a:schemeClr val="bg1"/>
-                </a:solidFill>
-              </a:rPr>
-              <a:t>E</a:t>
-            </a:r>
-            <a:r>
-              <a:rPr lang="en-US" sz="2400" dirty="0">
-                <a:solidFill>
-                  <a:schemeClr val="bg1"/>
-                </a:solidFill>
-              </a:rPr>
-              <a:t> @ </a:t>
-            </a:r>
-            <a:r>
-              <a:rPr lang="en-US" sz="2400" dirty="0" smtClean="0">
-                <a:solidFill>
-                  <a:schemeClr val="bg1"/>
-                </a:solidFill>
-              </a:rPr>
-              <a:t>100 </a:t>
-            </a:r>
-            <a:r>
-              <a:rPr lang="en-US" sz="2400" dirty="0">
-                <a:solidFill>
-                  <a:schemeClr val="bg1"/>
-                </a:solidFill>
-              </a:rPr>
-              <a:t>AU</a:t>
-            </a:r>
-          </a:p>
-          <a:p>
-            <a:endParaRPr lang="en-US" dirty="0">
-              <a:solidFill>
-                <a:srgbClr val="FFFF00"/>
-              </a:solidFill>
-            </a:endParaRPr>
-          </a:p>
-        </p:txBody>
-      </p:sp>
     </p:spTree>
     <p:extLst>
       <p:ext uri="{BB962C8B-B14F-4D97-AF65-F5344CB8AC3E}">
-        <p14:creationId xmlns:p14="http://schemas.microsoft.com/office/powerpoint/2010/main" val="3082910392"/>
+        <p14:creationId xmlns:p14="http://schemas.microsoft.com/office/powerpoint/2010/main" val="872566693"/>
       </p:ext>
     </p:extLst>
   </p:cSld>
@@ -12576,6 +10750,554 @@
         </p:nvSpPr>
         <p:spPr>
           <a:xfrm>
+            <a:off x="457200" y="153048"/>
+            <a:ext cx="8229600" cy="1143000"/>
+          </a:xfrm>
+        </p:spPr>
+        <p:txBody>
+          <a:bodyPr>
+            <a:normAutofit fontScale="90000"/>
+          </a:bodyPr>
+          <a:lstStyle/>
+          <a:p>
+            <a:r>
+              <a:rPr lang="en-US" dirty="0" smtClean="0"/>
+              <a:t>Grain growth opacity </a:t>
+            </a:r>
+            <a:r>
+              <a:rPr lang="en-US" dirty="0" smtClean="0">
+                <a:solidFill>
+                  <a:srgbClr val="FFFF00"/>
+                </a:solidFill>
+              </a:rPr>
+              <a:t>DECREASES</a:t>
+            </a:r>
+            <a:r>
+              <a:rPr lang="en-US" dirty="0" smtClean="0"/>
+              <a:t> </a:t>
+            </a:r>
+            <a:r>
+              <a:rPr lang="en-US" dirty="0" err="1" smtClean="0"/>
+              <a:t>M</a:t>
+            </a:r>
+            <a:r>
+              <a:rPr lang="en-US" baseline="-25000" dirty="0" err="1" smtClean="0"/>
+              <a:t>crit</a:t>
+            </a:r>
+            <a:endParaRPr lang="en-US" dirty="0"/>
+          </a:p>
+        </p:txBody>
+      </p:sp>
+      <p:pic>
+        <p:nvPicPr>
+          <p:cNvPr id="4" name="Picture 3" descr="Mcrit_vs_a_gg.pdf"/>
+          <p:cNvPicPr>
+            <a:picLocks noChangeAspect="1"/>
+          </p:cNvPicPr>
+          <p:nvPr/>
+        </p:nvPicPr>
+        <p:blipFill>
+          <a:blip r:embed="rId2">
+            <a:extLst>
+              <a:ext uri="{28A0092B-C50C-407E-A947-70E740481C1C}">
+                <a14:useLocalDpi xmlns:a14="http://schemas.microsoft.com/office/drawing/2010/main" val="0"/>
+              </a:ext>
+            </a:extLst>
+          </a:blip>
+          <a:stretch>
+            <a:fillRect/>
+          </a:stretch>
+        </p:blipFill>
+        <p:spPr>
+          <a:xfrm>
+            <a:off x="2664189" y="1296048"/>
+            <a:ext cx="6346899" cy="4765822"/>
+          </a:xfrm>
+          <a:prstGeom prst="rect">
+            <a:avLst/>
+          </a:prstGeom>
+        </p:spPr>
+      </p:pic>
+      <p:sp>
+        <p:nvSpPr>
+          <p:cNvPr id="6" name="TextBox 5"/>
+          <p:cNvSpPr txBox="1"/>
+          <p:nvPr/>
+        </p:nvSpPr>
+        <p:spPr>
+          <a:xfrm>
+            <a:off x="2729354" y="5546246"/>
+            <a:ext cx="2715840" cy="338554"/>
+          </a:xfrm>
+          <a:prstGeom prst="rect">
+            <a:avLst/>
+          </a:prstGeom>
+          <a:noFill/>
+        </p:spPr>
+        <p:txBody>
+          <a:bodyPr wrap="square" rtlCol="0">
+            <a:spAutoFit/>
+          </a:bodyPr>
+          <a:lstStyle/>
+          <a:p>
+            <a:r>
+              <a:rPr lang="en-US" sz="1600" dirty="0" err="1">
+                <a:solidFill>
+                  <a:srgbClr val="000000"/>
+                </a:solidFill>
+              </a:rPr>
+              <a:t>t_disk</a:t>
+            </a:r>
+            <a:r>
+              <a:rPr lang="en-US" sz="1600" dirty="0">
+                <a:solidFill>
+                  <a:srgbClr val="000000"/>
+                </a:solidFill>
+              </a:rPr>
+              <a:t> ~ 3 </a:t>
+            </a:r>
+            <a:r>
+              <a:rPr lang="en-US" sz="1600" dirty="0" err="1" smtClean="0">
+                <a:solidFill>
+                  <a:srgbClr val="000000"/>
+                </a:solidFill>
+              </a:rPr>
+              <a:t>Myr</a:t>
+            </a:r>
+            <a:r>
+              <a:rPr lang="en-US" sz="1600" dirty="0" smtClean="0">
+                <a:solidFill>
+                  <a:srgbClr val="000000"/>
+                </a:solidFill>
+              </a:rPr>
+              <a:t>, realistic EOS</a:t>
+            </a:r>
+            <a:endParaRPr lang="en-US" sz="1600" dirty="0">
+              <a:solidFill>
+                <a:srgbClr val="000000"/>
+              </a:solidFill>
+            </a:endParaRPr>
+          </a:p>
+        </p:txBody>
+      </p:sp>
+      <p:sp>
+        <p:nvSpPr>
+          <p:cNvPr id="7" name="TextBox 6"/>
+          <p:cNvSpPr txBox="1"/>
+          <p:nvPr/>
+        </p:nvSpPr>
+        <p:spPr>
+          <a:xfrm>
+            <a:off x="6336969" y="5703891"/>
+            <a:ext cx="2782215" cy="307777"/>
+          </a:xfrm>
+          <a:prstGeom prst="rect">
+            <a:avLst/>
+          </a:prstGeom>
+          <a:noFill/>
+        </p:spPr>
+        <p:txBody>
+          <a:bodyPr wrap="square" rtlCol="0">
+            <a:spAutoFit/>
+          </a:bodyPr>
+          <a:lstStyle/>
+          <a:p>
+            <a:r>
+              <a:rPr lang="en-US" sz="1400" dirty="0" smtClean="0">
+                <a:solidFill>
+                  <a:srgbClr val="000000"/>
+                </a:solidFill>
+              </a:rPr>
+              <a:t>Piso, </a:t>
+            </a:r>
+            <a:r>
+              <a:rPr lang="en-US" sz="1400" dirty="0" err="1" smtClean="0">
+                <a:solidFill>
+                  <a:srgbClr val="000000"/>
+                </a:solidFill>
+              </a:rPr>
+              <a:t>Youdin</a:t>
+            </a:r>
+            <a:r>
+              <a:rPr lang="en-US" sz="1400" dirty="0" smtClean="0">
+                <a:solidFill>
+                  <a:srgbClr val="000000"/>
+                </a:solidFill>
+              </a:rPr>
+              <a:t>, &amp; Murray-Clay (2015)</a:t>
+            </a:r>
+            <a:endParaRPr lang="en-US" sz="1400" dirty="0">
+              <a:solidFill>
+                <a:srgbClr val="000000"/>
+              </a:solidFill>
+            </a:endParaRPr>
+          </a:p>
+        </p:txBody>
+      </p:sp>
+      <p:sp>
+        <p:nvSpPr>
+          <p:cNvPr id="8" name="Rectangle 7"/>
+          <p:cNvSpPr/>
+          <p:nvPr/>
+        </p:nvSpPr>
+        <p:spPr>
+          <a:xfrm>
+            <a:off x="3814756" y="4120778"/>
+            <a:ext cx="4832699" cy="769831"/>
+          </a:xfrm>
+          <a:prstGeom prst="rect">
+            <a:avLst/>
+          </a:prstGeom>
+          <a:noFill/>
+          <a:ln w="38100">
+            <a:solidFill>
+              <a:srgbClr val="BD117E"/>
+            </a:solidFill>
+          </a:ln>
+          <a:effectLst/>
+        </p:spPr>
+        <p:style>
+          <a:lnRef idx="1">
+            <a:schemeClr val="accent1"/>
+          </a:lnRef>
+          <a:fillRef idx="3">
+            <a:schemeClr val="accent1"/>
+          </a:fillRef>
+          <a:effectRef idx="2">
+            <a:schemeClr val="accent1"/>
+          </a:effectRef>
+          <a:fontRef idx="minor">
+            <a:schemeClr val="lt1"/>
+          </a:fontRef>
+        </p:style>
+        <p:txBody>
+          <a:bodyPr rtlCol="0" anchor="ctr"/>
+          <a:lstStyle/>
+          <a:p>
+            <a:pPr algn="ctr"/>
+            <a:endParaRPr lang="en-US"/>
+          </a:p>
+        </p:txBody>
+      </p:sp>
+      <p:sp>
+        <p:nvSpPr>
+          <p:cNvPr id="10" name="TextBox 9"/>
+          <p:cNvSpPr txBox="1"/>
+          <p:nvPr/>
+        </p:nvSpPr>
+        <p:spPr>
+          <a:xfrm>
+            <a:off x="389645" y="1296048"/>
+            <a:ext cx="1799244" cy="1672252"/>
+          </a:xfrm>
+          <a:prstGeom prst="rect">
+            <a:avLst/>
+          </a:prstGeom>
+          <a:noFill/>
+          <a:ln w="38100">
+            <a:solidFill>
+              <a:srgbClr val="FFFF00"/>
+            </a:solidFill>
+          </a:ln>
+        </p:spPr>
+        <p:txBody>
+          <a:bodyPr wrap="square" rtlCol="0">
+            <a:spAutoFit/>
+          </a:bodyPr>
+          <a:lstStyle/>
+          <a:p>
+            <a:r>
+              <a:rPr lang="en-US" sz="2800" i="1" dirty="0" err="1" smtClean="0">
+                <a:solidFill>
+                  <a:srgbClr val="FFFF00"/>
+                </a:solidFill>
+              </a:rPr>
+              <a:t>dN</a:t>
+            </a:r>
+            <a:r>
+              <a:rPr lang="en-US" sz="2800" i="1" dirty="0" smtClean="0">
+                <a:solidFill>
+                  <a:srgbClr val="FFFF00"/>
+                </a:solidFill>
+              </a:rPr>
+              <a:t>/ds ~ s</a:t>
+            </a:r>
+            <a:r>
+              <a:rPr lang="en-US" sz="2800" i="1" baseline="30000" dirty="0" smtClean="0">
+                <a:solidFill>
+                  <a:srgbClr val="FFFF00"/>
+                </a:solidFill>
+              </a:rPr>
+              <a:t>-p</a:t>
+            </a:r>
+          </a:p>
+          <a:p>
+            <a:endParaRPr lang="en-US" sz="2800" i="1" baseline="30000" dirty="0">
+              <a:solidFill>
+                <a:srgbClr val="FFFF00"/>
+              </a:solidFill>
+            </a:endParaRPr>
+          </a:p>
+          <a:p>
+            <a:r>
+              <a:rPr lang="en-US" sz="2800" i="1" dirty="0" smtClean="0">
+                <a:solidFill>
+                  <a:srgbClr val="FFFF00"/>
+                </a:solidFill>
+              </a:rPr>
+              <a:t>p = 3.5</a:t>
+            </a:r>
+          </a:p>
+          <a:p>
+            <a:r>
+              <a:rPr lang="en-US" sz="2800" i="1" dirty="0" err="1">
+                <a:solidFill>
+                  <a:srgbClr val="FFFF00"/>
+                </a:solidFill>
+              </a:rPr>
+              <a:t>s</a:t>
+            </a:r>
+            <a:r>
+              <a:rPr lang="en-US" sz="2800" baseline="-25000" dirty="0" err="1" smtClean="0">
+                <a:solidFill>
+                  <a:srgbClr val="FFFF00"/>
+                </a:solidFill>
+              </a:rPr>
+              <a:t>max</a:t>
+            </a:r>
+            <a:r>
+              <a:rPr lang="en-US" sz="2800" dirty="0" smtClean="0">
+                <a:solidFill>
+                  <a:srgbClr val="FFFF00"/>
+                </a:solidFill>
+              </a:rPr>
+              <a:t> = 1 cm</a:t>
+            </a:r>
+            <a:endParaRPr lang="en-US" sz="2800" i="1" dirty="0">
+              <a:solidFill>
+                <a:srgbClr val="FFFF00"/>
+              </a:solidFill>
+            </a:endParaRPr>
+          </a:p>
+        </p:txBody>
+      </p:sp>
+      <p:sp>
+        <p:nvSpPr>
+          <p:cNvPr id="3" name="TextBox 2"/>
+          <p:cNvSpPr txBox="1"/>
+          <p:nvPr/>
+        </p:nvSpPr>
+        <p:spPr>
+          <a:xfrm>
+            <a:off x="202677" y="3958422"/>
+            <a:ext cx="2310490" cy="1846659"/>
+          </a:xfrm>
+          <a:prstGeom prst="rect">
+            <a:avLst/>
+          </a:prstGeom>
+          <a:solidFill>
+            <a:srgbClr val="FFFF00"/>
+          </a:solidFill>
+          <a:ln w="38100">
+            <a:solidFill>
+              <a:srgbClr val="0000FF"/>
+            </a:solidFill>
+          </a:ln>
+        </p:spPr>
+        <p:txBody>
+          <a:bodyPr wrap="square" rtlCol="0">
+            <a:spAutoFit/>
+          </a:bodyPr>
+          <a:lstStyle/>
+          <a:p>
+            <a:pPr algn="ctr"/>
+            <a:r>
+              <a:rPr lang="en-US" sz="2400" dirty="0" err="1" smtClean="0">
+                <a:solidFill>
+                  <a:schemeClr val="bg1"/>
+                </a:solidFill>
+              </a:rPr>
+              <a:t>M</a:t>
+            </a:r>
+            <a:r>
+              <a:rPr lang="en-US" sz="2400" baseline="-25000" dirty="0" err="1" smtClean="0">
+                <a:solidFill>
+                  <a:schemeClr val="bg1"/>
+                </a:solidFill>
+              </a:rPr>
+              <a:t>crit</a:t>
+            </a:r>
+            <a:r>
+              <a:rPr lang="en-US" sz="2400" dirty="0">
+                <a:solidFill>
+                  <a:schemeClr val="bg1"/>
+                </a:solidFill>
+              </a:rPr>
+              <a:t>:</a:t>
+            </a:r>
+            <a:endParaRPr lang="en-US" sz="2400" dirty="0" smtClean="0">
+              <a:solidFill>
+                <a:schemeClr val="bg1"/>
+              </a:solidFill>
+            </a:endParaRPr>
+          </a:p>
+          <a:p>
+            <a:endParaRPr lang="en-US" sz="2400" dirty="0" smtClean="0">
+              <a:solidFill>
+                <a:schemeClr val="bg1"/>
+              </a:solidFill>
+            </a:endParaRPr>
+          </a:p>
+          <a:p>
+            <a:r>
+              <a:rPr lang="en-US" sz="2400" baseline="-25000" dirty="0" smtClean="0">
+                <a:solidFill>
+                  <a:schemeClr val="bg1"/>
+                </a:solidFill>
+              </a:rPr>
+              <a:t> </a:t>
+            </a:r>
+            <a:r>
+              <a:rPr lang="en-US" sz="2400" dirty="0" smtClean="0">
+                <a:solidFill>
+                  <a:schemeClr val="bg1"/>
+                </a:solidFill>
+              </a:rPr>
+              <a:t>~8 M</a:t>
+            </a:r>
+            <a:r>
+              <a:rPr lang="en-US" sz="2400" baseline="-25000" dirty="0" smtClean="0">
+                <a:solidFill>
+                  <a:schemeClr val="bg1"/>
+                </a:solidFill>
+              </a:rPr>
+              <a:t>E</a:t>
+            </a:r>
+            <a:r>
+              <a:rPr lang="en-US" sz="2400" dirty="0" smtClean="0">
+                <a:solidFill>
+                  <a:schemeClr val="bg1"/>
+                </a:solidFill>
+              </a:rPr>
+              <a:t> @ 5 AU</a:t>
+            </a:r>
+          </a:p>
+          <a:p>
+            <a:r>
+              <a:rPr lang="en-US" sz="2400" baseline="-25000" dirty="0" smtClean="0">
+                <a:solidFill>
+                  <a:schemeClr val="bg1"/>
+                </a:solidFill>
+              </a:rPr>
+              <a:t> </a:t>
+            </a:r>
+            <a:r>
+              <a:rPr lang="en-US" sz="2400" dirty="0" smtClean="0">
+                <a:solidFill>
+                  <a:schemeClr val="bg1"/>
+                </a:solidFill>
+              </a:rPr>
+              <a:t>~5 </a:t>
+            </a:r>
+            <a:r>
+              <a:rPr lang="en-US" sz="2400" dirty="0">
+                <a:solidFill>
+                  <a:schemeClr val="bg1"/>
+                </a:solidFill>
+              </a:rPr>
+              <a:t>M</a:t>
+            </a:r>
+            <a:r>
+              <a:rPr lang="en-US" sz="2400" baseline="-25000" dirty="0">
+                <a:solidFill>
+                  <a:schemeClr val="bg1"/>
+                </a:solidFill>
+              </a:rPr>
+              <a:t>E</a:t>
+            </a:r>
+            <a:r>
+              <a:rPr lang="en-US" sz="2400" dirty="0">
+                <a:solidFill>
+                  <a:schemeClr val="bg1"/>
+                </a:solidFill>
+              </a:rPr>
+              <a:t> @ </a:t>
+            </a:r>
+            <a:r>
+              <a:rPr lang="en-US" sz="2400" dirty="0" smtClean="0">
+                <a:solidFill>
+                  <a:schemeClr val="bg1"/>
+                </a:solidFill>
+              </a:rPr>
+              <a:t>100 </a:t>
+            </a:r>
+            <a:r>
+              <a:rPr lang="en-US" sz="2400" dirty="0">
+                <a:solidFill>
+                  <a:schemeClr val="bg1"/>
+                </a:solidFill>
+              </a:rPr>
+              <a:t>AU</a:t>
+            </a:r>
+          </a:p>
+          <a:p>
+            <a:endParaRPr lang="en-US" dirty="0">
+              <a:solidFill>
+                <a:srgbClr val="FFFF00"/>
+              </a:solidFill>
+            </a:endParaRPr>
+          </a:p>
+        </p:txBody>
+      </p:sp>
+    </p:spTree>
+    <p:extLst>
+      <p:ext uri="{BB962C8B-B14F-4D97-AF65-F5344CB8AC3E}">
+        <p14:creationId xmlns:p14="http://schemas.microsoft.com/office/powerpoint/2010/main" val="3082910392"/>
+      </p:ext>
+    </p:extLst>
+  </p:cSld>
+  <p:clrMapOvr>
+    <a:masterClrMapping/>
+  </p:clrMapOvr>
+  <p:timing>
+    <p:tnLst>
+      <p:par>
+        <p:cTn xmlns:p14="http://schemas.microsoft.com/office/powerpoint/2010/main" id="1" dur="indefinite" restart="never" nodeType="tmRoot"/>
+      </p:par>
+    </p:tnLst>
+  </p:timing>
+</p:sld>
+</file>
+
+<file path=ppt/slides/slide25.xml><?xml version="1.0" encoding="utf-8"?>
+<p:sld xmlns:a="http://schemas.openxmlformats.org/drawingml/2006/main" xmlns:r="http://schemas.openxmlformats.org/officeDocument/2006/relationships" xmlns:p="http://schemas.openxmlformats.org/presentationml/2006/main">
+  <p:cSld>
+    <p:spTree>
+      <p:nvGrpSpPr>
+        <p:cNvPr id="1" name=""/>
+        <p:cNvGrpSpPr/>
+        <p:nvPr/>
+      </p:nvGrpSpPr>
+      <p:grpSpPr>
+        <a:xfrm>
+          <a:off x="0" y="0"/>
+          <a:ext cx="0" cy="0"/>
+          <a:chOff x="0" y="0"/>
+          <a:chExt cx="0" cy="0"/>
+        </a:xfrm>
+      </p:grpSpPr>
+      <p:sp>
+        <p:nvSpPr>
+          <p:cNvPr id="2" name="Title 1"/>
+          <p:cNvSpPr>
+            <a:spLocks noGrp="1"/>
+          </p:cNvSpPr>
+          <p:nvPr>
+            <p:ph type="title"/>
+          </p:nvPr>
+        </p:nvSpPr>
+        <p:spPr>
+          <a:xfrm>
             <a:off x="457200" y="207088"/>
             <a:ext cx="8229600" cy="1143000"/>
           </a:xfrm>
@@ -12857,7 +11579,7 @@
 </p:sld>
 </file>
 
-<file path=ppt/slides/slide25.xml><?xml version="1.0" encoding="utf-8"?>
+<file path=ppt/slides/slide26.xml><?xml version="1.0" encoding="utf-8"?>
 <p:sld xmlns:a="http://schemas.openxmlformats.org/drawingml/2006/main" xmlns:r="http://schemas.openxmlformats.org/officeDocument/2006/relationships" xmlns:p="http://schemas.openxmlformats.org/presentationml/2006/main">
   <p:cSld>
     <p:spTree>
@@ -13358,86 +12080,64 @@
           <a:chExt cx="0" cy="0"/>
         </a:xfrm>
       </p:grpSpPr>
-      <p:sp>
-        <p:nvSpPr>
-          <p:cNvPr id="2" name="Title 1"/>
-          <p:cNvSpPr>
-            <a:spLocks noGrp="1"/>
-          </p:cNvSpPr>
-          <p:nvPr>
-            <p:ph type="title"/>
-          </p:nvPr>
-        </p:nvSpPr>
-        <p:spPr>
-          <a:xfrm>
-            <a:off x="457200" y="342188"/>
-            <a:ext cx="8229600" cy="1143000"/>
-          </a:xfrm>
-        </p:spPr>
-        <p:txBody>
-          <a:bodyPr>
-            <a:normAutofit fontScale="90000"/>
-          </a:bodyPr>
-          <a:lstStyle/>
-          <a:p>
-            <a:r>
-              <a:rPr lang="en-US" dirty="0" smtClean="0"/>
-              <a:t>Giant planet formation requires fast </a:t>
-            </a:r>
-            <a:r>
-              <a:rPr lang="en-US" dirty="0"/>
-              <a:t>c</a:t>
-            </a:r>
-            <a:r>
-              <a:rPr lang="en-US" dirty="0" smtClean="0"/>
-              <a:t>ore </a:t>
-            </a:r>
-            <a:r>
-              <a:rPr lang="en-US" dirty="0"/>
-              <a:t>g</a:t>
-            </a:r>
-            <a:r>
-              <a:rPr lang="en-US" dirty="0" smtClean="0"/>
-              <a:t>rowth</a:t>
-            </a:r>
-            <a:endParaRPr lang="en-US" dirty="0"/>
-          </a:p>
-        </p:txBody>
-      </p:sp>
       <p:pic>
         <p:nvPicPr>
-          <p:cNvPr id="4" name="Picture 3" descr="acc_sketch (2)_SPF1.jpg"/>
+          <p:cNvPr id="5" name="Picture 4"/>
           <p:cNvPicPr>
             <a:picLocks noChangeAspect="1"/>
           </p:cNvPicPr>
           <p:nvPr/>
         </p:nvPicPr>
         <p:blipFill>
-          <a:blip r:embed="rId2">
-            <a:extLst>
-              <a:ext uri="{28A0092B-C50C-407E-A947-70E740481C1C}">
-                <a14:useLocalDpi xmlns:a14="http://schemas.microsoft.com/office/drawing/2010/main" val="0"/>
-              </a:ext>
-            </a:extLst>
-          </a:blip>
+          <a:blip r:embed="rId2"/>
           <a:stretch>
             <a:fillRect/>
           </a:stretch>
         </p:blipFill>
         <p:spPr>
           <a:xfrm>
-            <a:off x="1091599" y="1783317"/>
-            <a:ext cx="6969854" cy="4422304"/>
+            <a:off x="0" y="1333500"/>
+            <a:ext cx="9144000" cy="4177011"/>
           </a:xfrm>
           <a:prstGeom prst="rect">
             <a:avLst/>
           </a:prstGeom>
         </p:spPr>
       </p:pic>
+      <p:sp>
+        <p:nvSpPr>
+          <p:cNvPr id="6" name="TextBox 5"/>
+          <p:cNvSpPr txBox="1"/>
+          <p:nvPr/>
+        </p:nvSpPr>
+        <p:spPr>
+          <a:xfrm>
+            <a:off x="7431410" y="5510511"/>
+            <a:ext cx="1810559" cy="430887"/>
+          </a:xfrm>
+          <a:prstGeom prst="rect">
+            <a:avLst/>
+          </a:prstGeom>
+          <a:noFill/>
+        </p:spPr>
+        <p:txBody>
+          <a:bodyPr wrap="square" rtlCol="0">
+            <a:spAutoFit/>
+          </a:bodyPr>
+          <a:lstStyle/>
+          <a:p>
+            <a:r>
+              <a:rPr lang="en-US" sz="2200" dirty="0" smtClean="0"/>
+              <a:t>Marois+2010</a:t>
+            </a:r>
+            <a:endParaRPr lang="en-US" sz="2200" dirty="0"/>
+          </a:p>
+        </p:txBody>
+      </p:sp>
     </p:spTree>
     <p:extLst>
       <p:ext uri="{BB962C8B-B14F-4D97-AF65-F5344CB8AC3E}">
-        <p14:creationId xmlns:p14="http://schemas.microsoft.com/office/powerpoint/2010/main" val="4124238188"/>
+        <p14:creationId xmlns:p14="http://schemas.microsoft.com/office/powerpoint/2010/main" val="1952300335"/>
       </p:ext>
     </p:extLst>
   </p:cSld>
@@ -13471,97 +12171,6 @@
           <a:chExt cx="0" cy="0"/>
         </a:xfrm>
       </p:grpSpPr>
-      <p:pic>
-        <p:nvPicPr>
-          <p:cNvPr id="5" name="Picture 4"/>
-          <p:cNvPicPr>
-            <a:picLocks noChangeAspect="1"/>
-          </p:cNvPicPr>
-          <p:nvPr/>
-        </p:nvPicPr>
-        <p:blipFill>
-          <a:blip r:embed="rId2"/>
-          <a:stretch>
-            <a:fillRect/>
-          </a:stretch>
-        </p:blipFill>
-        <p:spPr>
-          <a:xfrm>
-            <a:off x="0" y="1333500"/>
-            <a:ext cx="9144000" cy="4177011"/>
-          </a:xfrm>
-          <a:prstGeom prst="rect">
-            <a:avLst/>
-          </a:prstGeom>
-        </p:spPr>
-      </p:pic>
-      <p:sp>
-        <p:nvSpPr>
-          <p:cNvPr id="6" name="TextBox 5"/>
-          <p:cNvSpPr txBox="1"/>
-          <p:nvPr/>
-        </p:nvSpPr>
-        <p:spPr>
-          <a:xfrm>
-            <a:off x="7431410" y="5510511"/>
-            <a:ext cx="1810559" cy="430887"/>
-          </a:xfrm>
-          <a:prstGeom prst="rect">
-            <a:avLst/>
-          </a:prstGeom>
-          <a:noFill/>
-        </p:spPr>
-        <p:txBody>
-          <a:bodyPr wrap="square" rtlCol="0">
-            <a:spAutoFit/>
-          </a:bodyPr>
-          <a:lstStyle/>
-          <a:p>
-            <a:r>
-              <a:rPr lang="en-US" sz="2200" dirty="0" smtClean="0"/>
-              <a:t>Marois+2010</a:t>
-            </a:r>
-            <a:endParaRPr lang="en-US" sz="2200" dirty="0"/>
-          </a:p>
-        </p:txBody>
-      </p:sp>
-    </p:spTree>
-    <p:extLst>
-      <p:ext uri="{BB962C8B-B14F-4D97-AF65-F5344CB8AC3E}">
-        <p14:creationId xmlns:p14="http://schemas.microsoft.com/office/powerpoint/2010/main" val="1952300335"/>
-      </p:ext>
-    </p:extLst>
-  </p:cSld>
-  <p:clrMapOvr>
-    <a:masterClrMapping/>
-  </p:clrMapOvr>
-  <p:timing>
-    <p:tnLst>
-      <p:par>
-        <p:cTn xmlns:p14="http://schemas.microsoft.com/office/powerpoint/2010/main" id="1" dur="indefinite" restart="never" nodeType="tmRoot"/>
-      </p:par>
-    </p:tnLst>
-  </p:timing>
-</p:sld>
-</file>
-
-<file path=ppt/slides/slide5.xml><?xml version="1.0" encoding="utf-8"?>
-<p:sld xmlns:a="http://schemas.openxmlformats.org/drawingml/2006/main" xmlns:r="http://schemas.openxmlformats.org/officeDocument/2006/relationships" xmlns:p="http://schemas.openxmlformats.org/presentationml/2006/main">
-  <p:cSld>
-    <p:spTree>
-      <p:nvGrpSpPr>
-        <p:cNvPr id="1" name=""/>
-        <p:cNvGrpSpPr/>
-        <p:nvPr/>
-      </p:nvGrpSpPr>
-      <p:grpSpPr>
-        <a:xfrm>
-          <a:off x="0" y="0"/>
-          <a:ext cx="0" cy="0"/>
-          <a:chOff x="0" y="0"/>
-          <a:chExt cx="0" cy="0"/>
-        </a:xfrm>
-      </p:grpSpPr>
       <p:sp>
         <p:nvSpPr>
           <p:cNvPr id="2" name="Title 1"/>
@@ -13757,7 +12366,7 @@
 </p:sld>
 </file>
 
-<file path=ppt/slides/slide6.xml><?xml version="1.0" encoding="utf-8"?>
+<file path=ppt/slides/slide5.xml><?xml version="1.0" encoding="utf-8"?>
 <p:sld xmlns:a="http://schemas.openxmlformats.org/drawingml/2006/main" xmlns:r="http://schemas.openxmlformats.org/officeDocument/2006/relationships" xmlns:p="http://schemas.openxmlformats.org/presentationml/2006/main">
   <p:cSld>
     <p:spTree>
@@ -14257,7 +12866,7 @@
 </p:sld>
 </file>
 
-<file path=ppt/slides/slide7.xml><?xml version="1.0" encoding="utf-8"?>
+<file path=ppt/slides/slide6.xml><?xml version="1.0" encoding="utf-8"?>
 <p:sld xmlns:a="http://schemas.openxmlformats.org/drawingml/2006/main" xmlns:r="http://schemas.openxmlformats.org/officeDocument/2006/relationships" xmlns:p="http://schemas.openxmlformats.org/presentationml/2006/main">
   <p:cSld>
     <p:spTree>
@@ -14841,7 +13450,7 @@
 </p:sld>
 </file>
 
-<file path=ppt/slides/slide8.xml><?xml version="1.0" encoding="utf-8"?>
+<file path=ppt/slides/slide7.xml><?xml version="1.0" encoding="utf-8"?>
 <p:sld xmlns:a="http://schemas.openxmlformats.org/drawingml/2006/main" xmlns:r="http://schemas.openxmlformats.org/officeDocument/2006/relationships" xmlns:p="http://schemas.openxmlformats.org/presentationml/2006/main">
   <p:cSld>
     <p:spTree>
@@ -15469,7 +14078,7 @@
 </p:sld>
 </file>
 
-<file path=ppt/slides/slide9.xml><?xml version="1.0" encoding="utf-8"?>
+<file path=ppt/slides/slide8.xml><?xml version="1.0" encoding="utf-8"?>
 <p:sld xmlns:a="http://schemas.openxmlformats.org/drawingml/2006/main" xmlns:r="http://schemas.openxmlformats.org/officeDocument/2006/relationships" xmlns:p="http://schemas.openxmlformats.org/presentationml/2006/main">
   <p:cSld>
     <p:spTree>
@@ -15965,6 +14574,820 @@
     </mc:Choice>
     <mc:Fallback xmlns="">
       <p:transition xmlns:p14="http://schemas.microsoft.com/office/powerpoint/2010/main" spd="slow" advTm="10993"/>
+    </mc:Fallback>
+  </mc:AlternateContent>
+  <p:timing>
+    <p:tnLst>
+      <p:par>
+        <p:cTn xmlns:p14="http://schemas.microsoft.com/office/powerpoint/2010/main" id="1" dur="indefinite" restart="never" nodeType="tmRoot"/>
+      </p:par>
+    </p:tnLst>
+  </p:timing>
+</p:sld>
+</file>
+
+<file path=ppt/slides/slide9.xml><?xml version="1.0" encoding="utf-8"?>
+<p:sld xmlns:a="http://schemas.openxmlformats.org/drawingml/2006/main" xmlns:r="http://schemas.openxmlformats.org/officeDocument/2006/relationships" xmlns:p="http://schemas.openxmlformats.org/presentationml/2006/main">
+  <p:cSld>
+    <p:spTree>
+      <p:nvGrpSpPr>
+        <p:cNvPr id="1" name=""/>
+        <p:cNvGrpSpPr/>
+        <p:nvPr/>
+      </p:nvGrpSpPr>
+      <p:grpSpPr>
+        <a:xfrm>
+          <a:off x="0" y="0"/>
+          <a:ext cx="0" cy="0"/>
+          <a:chOff x="0" y="0"/>
+          <a:chExt cx="0" cy="0"/>
+        </a:xfrm>
+      </p:grpSpPr>
+      <p:sp>
+        <p:nvSpPr>
+          <p:cNvPr id="3" name="Content Placeholder 2"/>
+          <p:cNvSpPr>
+            <a:spLocks noGrp="1"/>
+          </p:cNvSpPr>
+          <p:nvPr>
+            <p:ph idx="1"/>
+          </p:nvPr>
+        </p:nvSpPr>
+        <p:spPr>
+          <a:xfrm>
+            <a:off x="941233" y="463249"/>
+            <a:ext cx="4071584" cy="6143625"/>
+          </a:xfrm>
+        </p:spPr>
+        <p:txBody>
+          <a:bodyPr>
+            <a:normAutofit/>
+          </a:bodyPr>
+          <a:lstStyle/>
+          <a:p>
+            <a:pPr marL="0" indent="0">
+              <a:buNone/>
+            </a:pPr>
+            <a:endParaRPr lang="en-US" sz="2800" dirty="0" smtClean="0"/>
+          </a:p>
+          <a:p>
+            <a:pPr marL="0" indent="0">
+              <a:buNone/>
+            </a:pPr>
+            <a:endParaRPr lang="en-US" sz="2800" dirty="0" smtClean="0"/>
+          </a:p>
+          <a:p>
+            <a:pPr marL="0" indent="0">
+              <a:buNone/>
+            </a:pPr>
+            <a:r>
+              <a:rPr lang="en-US" sz="2800" dirty="0" err="1" smtClean="0">
+                <a:solidFill>
+                  <a:srgbClr val="FFFF00"/>
+                </a:solidFill>
+              </a:rPr>
+              <a:t>M</a:t>
+            </a:r>
+            <a:r>
+              <a:rPr lang="en-US" sz="2800" baseline="-25000" dirty="0" err="1" smtClean="0">
+                <a:solidFill>
+                  <a:srgbClr val="FFFF00"/>
+                </a:solidFill>
+              </a:rPr>
+              <a:t>atm</a:t>
+            </a:r>
+            <a:r>
+              <a:rPr lang="en-US" sz="2800" dirty="0" smtClean="0"/>
+              <a:t> is a function of </a:t>
+            </a:r>
+            <a:r>
+              <a:rPr lang="en-US" sz="2800" dirty="0" smtClean="0">
+                <a:solidFill>
+                  <a:srgbClr val="FFFF00"/>
+                </a:solidFill>
+              </a:rPr>
+              <a:t>time</a:t>
+            </a:r>
+          </a:p>
+          <a:p>
+            <a:pPr marL="0" indent="0">
+              <a:buNone/>
+            </a:pPr>
+            <a:endParaRPr lang="en-US" sz="2800" dirty="0" smtClean="0"/>
+          </a:p>
+          <a:p>
+            <a:pPr marL="0" indent="0">
+              <a:buNone/>
+            </a:pPr>
+            <a:r>
+              <a:rPr lang="en-US" sz="2800" dirty="0" smtClean="0"/>
+              <a:t> =&gt; EVERY core can have </a:t>
+            </a:r>
+          </a:p>
+          <a:p>
+            <a:pPr marL="0" indent="0" algn="ctr">
+              <a:buNone/>
+            </a:pPr>
+            <a:r>
+              <a:rPr lang="en-US" sz="2800" dirty="0" err="1" smtClean="0"/>
+              <a:t>M</a:t>
+            </a:r>
+            <a:r>
+              <a:rPr lang="en-US" sz="2800" baseline="-25000" dirty="0" err="1" smtClean="0"/>
+              <a:t>atm</a:t>
+            </a:r>
+            <a:r>
+              <a:rPr lang="en-US" sz="2800" dirty="0" smtClean="0"/>
+              <a:t> ~ </a:t>
+            </a:r>
+            <a:r>
+              <a:rPr lang="en-US" sz="2800" dirty="0" err="1" smtClean="0"/>
+              <a:t>M</a:t>
+            </a:r>
+            <a:r>
+              <a:rPr lang="en-US" sz="2800" baseline="-25000" dirty="0" err="1" smtClean="0"/>
+              <a:t>core</a:t>
+            </a:r>
+            <a:endParaRPr lang="en-US" sz="2800" baseline="-25000" dirty="0" smtClean="0"/>
+          </a:p>
+          <a:p>
+            <a:pPr marL="0" indent="0">
+              <a:buNone/>
+            </a:pPr>
+            <a:endParaRPr lang="en-US" sz="2800" baseline="-25000" dirty="0" smtClean="0"/>
+          </a:p>
+          <a:p>
+            <a:pPr marL="0" indent="0">
+              <a:buNone/>
+            </a:pPr>
+            <a:endParaRPr lang="en-US" sz="2800" baseline="-25000" dirty="0" smtClean="0"/>
+          </a:p>
+          <a:p>
+            <a:pPr>
+              <a:buFont typeface="Symbol" charset="0"/>
+              <a:buChar char=""/>
+            </a:pPr>
+            <a:r>
+              <a:rPr lang="en-US" sz="2800" dirty="0" smtClean="0">
+                <a:solidFill>
+                  <a:srgbClr val="FFFF00"/>
+                </a:solidFill>
+              </a:rPr>
+              <a:t>“critical core mass”</a:t>
+            </a:r>
+          </a:p>
+          <a:p>
+            <a:pPr marL="0" indent="0">
+              <a:buNone/>
+            </a:pPr>
+            <a:r>
+              <a:rPr lang="en-US" sz="2800" dirty="0"/>
+              <a:t> </a:t>
+            </a:r>
+            <a:r>
+              <a:rPr lang="en-US" sz="2800" dirty="0" smtClean="0"/>
+              <a:t>   </a:t>
+            </a:r>
+            <a:r>
+              <a:rPr lang="en-US" sz="2800" dirty="0" err="1" smtClean="0"/>
+              <a:t>M</a:t>
+            </a:r>
+            <a:r>
+              <a:rPr lang="en-US" sz="2800" baseline="-25000" dirty="0" err="1" smtClean="0"/>
+              <a:t>crit</a:t>
+            </a:r>
+            <a:r>
+              <a:rPr lang="en-US" sz="2800" dirty="0" smtClean="0"/>
+              <a:t> = </a:t>
+            </a:r>
+            <a:r>
+              <a:rPr lang="en-US" sz="2800" dirty="0" err="1" smtClean="0"/>
+              <a:t>M</a:t>
+            </a:r>
+            <a:r>
+              <a:rPr lang="en-US" sz="2800" baseline="-25000" dirty="0" err="1" smtClean="0"/>
+              <a:t>core</a:t>
+            </a:r>
+            <a:r>
+              <a:rPr lang="en-US" sz="2800" dirty="0" smtClean="0"/>
+              <a:t> for which</a:t>
+            </a:r>
+          </a:p>
+          <a:p>
+            <a:pPr marL="0" indent="0">
+              <a:buNone/>
+            </a:pPr>
+            <a:r>
+              <a:rPr lang="en-US" sz="2800" dirty="0" smtClean="0"/>
+              <a:t>    </a:t>
+            </a:r>
+            <a:r>
+              <a:rPr lang="en-US" sz="2800" dirty="0" err="1" smtClean="0"/>
+              <a:t>M</a:t>
+            </a:r>
+            <a:r>
+              <a:rPr lang="en-US" sz="2800" baseline="-25000" dirty="0" err="1" smtClean="0"/>
+              <a:t>atm</a:t>
+            </a:r>
+            <a:r>
+              <a:rPr lang="en-US" sz="2800" dirty="0" smtClean="0"/>
+              <a:t>(</a:t>
+            </a:r>
+            <a:r>
+              <a:rPr lang="en-US" sz="2800" dirty="0" err="1" smtClean="0"/>
+              <a:t>t</a:t>
+            </a:r>
+            <a:r>
+              <a:rPr lang="en-US" sz="2800" baseline="-25000" dirty="0" err="1" smtClean="0"/>
+              <a:t>disk</a:t>
+            </a:r>
+            <a:r>
+              <a:rPr lang="en-US" sz="2800" dirty="0" smtClean="0"/>
+              <a:t>) ~ </a:t>
+            </a:r>
+            <a:r>
+              <a:rPr lang="en-US" sz="2800" dirty="0" err="1" smtClean="0"/>
+              <a:t>M</a:t>
+            </a:r>
+            <a:r>
+              <a:rPr lang="en-US" sz="2800" baseline="-25000" dirty="0" err="1" smtClean="0"/>
+              <a:t>core</a:t>
+            </a:r>
+            <a:endParaRPr lang="en-US" sz="2800" dirty="0"/>
+          </a:p>
+          <a:p>
+            <a:pPr marL="0" indent="0">
+              <a:buNone/>
+            </a:pPr>
+            <a:endParaRPr lang="en-US" sz="2800" baseline="-25000" dirty="0">
+              <a:solidFill>
+                <a:srgbClr val="FFFF00"/>
+              </a:solidFill>
+            </a:endParaRPr>
+          </a:p>
+        </p:txBody>
+      </p:sp>
+      <p:cxnSp>
+        <p:nvCxnSpPr>
+          <p:cNvPr id="14" name="Straight Arrow Connector 13"/>
+          <p:cNvCxnSpPr/>
+          <p:nvPr/>
+        </p:nvCxnSpPr>
+        <p:spPr>
+          <a:xfrm>
+            <a:off x="5173631" y="3030640"/>
+            <a:ext cx="548718" cy="0"/>
+          </a:xfrm>
+          <a:prstGeom prst="straightConnector1">
+            <a:avLst/>
+          </a:prstGeom>
+          <a:ln>
+            <a:solidFill>
+              <a:schemeClr val="bg1"/>
+            </a:solidFill>
+            <a:tailEnd type="arrow"/>
+          </a:ln>
+        </p:spPr>
+        <p:style>
+          <a:lnRef idx="2">
+            <a:schemeClr val="accent1"/>
+          </a:lnRef>
+          <a:fillRef idx="0">
+            <a:schemeClr val="accent1"/>
+          </a:fillRef>
+          <a:effectRef idx="1">
+            <a:schemeClr val="accent1"/>
+          </a:effectRef>
+          <a:fontRef idx="minor">
+            <a:schemeClr val="tx1"/>
+          </a:fontRef>
+        </p:style>
+      </p:cxnSp>
+      <p:grpSp>
+        <p:nvGrpSpPr>
+          <p:cNvPr id="15" name="Group 14"/>
+          <p:cNvGrpSpPr/>
+          <p:nvPr/>
+        </p:nvGrpSpPr>
+        <p:grpSpPr>
+          <a:xfrm>
+            <a:off x="6046074" y="265450"/>
+            <a:ext cx="2653096" cy="5871063"/>
+            <a:chOff x="5383188" y="470384"/>
+            <a:chExt cx="2653096" cy="5871063"/>
+          </a:xfrm>
+        </p:grpSpPr>
+        <p:pic>
+          <p:nvPicPr>
+            <p:cNvPr id="16" name="Picture 15" descr="KH_core (1).jpg"/>
+            <p:cNvPicPr>
+              <a:picLocks noChangeAspect="1"/>
+            </p:cNvPicPr>
+            <p:nvPr/>
+          </p:nvPicPr>
+          <p:blipFill>
+            <a:blip r:embed="rId3">
+              <a:extLst>
+                <a:ext uri="{28A0092B-C50C-407E-A947-70E740481C1C}">
+                  <a14:useLocalDpi xmlns:a14="http://schemas.microsoft.com/office/drawing/2010/main" val="0"/>
+                </a:ext>
+              </a:extLst>
+            </a:blip>
+            <a:stretch>
+              <a:fillRect/>
+            </a:stretch>
+          </p:blipFill>
+          <p:spPr>
+            <a:xfrm>
+              <a:off x="5383188" y="470384"/>
+              <a:ext cx="2535231" cy="5871063"/>
+            </a:xfrm>
+            <a:prstGeom prst="rect">
+              <a:avLst/>
+            </a:prstGeom>
+          </p:spPr>
+        </p:pic>
+        <p:sp>
+          <p:nvSpPr>
+            <p:cNvPr id="17" name="TextBox 16"/>
+            <p:cNvSpPr txBox="1"/>
+            <p:nvPr/>
+          </p:nvSpPr>
+          <p:spPr>
+            <a:xfrm>
+              <a:off x="6229133" y="874058"/>
+              <a:ext cx="711075" cy="400110"/>
+            </a:xfrm>
+            <a:prstGeom prst="rect">
+              <a:avLst/>
+            </a:prstGeom>
+            <a:noFill/>
+          </p:spPr>
+          <p:txBody>
+            <a:bodyPr wrap="square" rtlCol="0">
+              <a:spAutoFit/>
+            </a:bodyPr>
+            <a:lstStyle/>
+            <a:p>
+              <a:r>
+                <a:rPr lang="en-US" sz="2000" dirty="0" err="1" smtClean="0">
+                  <a:solidFill>
+                    <a:srgbClr val="FFFFFF"/>
+                  </a:solidFill>
+                </a:rPr>
+                <a:t>M</a:t>
+              </a:r>
+              <a:r>
+                <a:rPr lang="en-US" sz="2000" baseline="-25000" dirty="0" err="1" smtClean="0">
+                  <a:solidFill>
+                    <a:srgbClr val="FFFFFF"/>
+                  </a:solidFill>
+                </a:rPr>
+                <a:t>core</a:t>
+              </a:r>
+              <a:endParaRPr lang="en-US" sz="2000" baseline="-25000" dirty="0">
+                <a:solidFill>
+                  <a:srgbClr val="FFFFFF"/>
+                </a:solidFill>
+              </a:endParaRPr>
+            </a:p>
+          </p:txBody>
+        </p:sp>
+        <p:sp>
+          <p:nvSpPr>
+            <p:cNvPr id="18" name="TextBox 17"/>
+            <p:cNvSpPr txBox="1"/>
+            <p:nvPr/>
+          </p:nvSpPr>
+          <p:spPr>
+            <a:xfrm>
+              <a:off x="6217812" y="2481007"/>
+              <a:ext cx="706718" cy="400110"/>
+            </a:xfrm>
+            <a:prstGeom prst="rect">
+              <a:avLst/>
+            </a:prstGeom>
+            <a:noFill/>
+          </p:spPr>
+          <p:txBody>
+            <a:bodyPr wrap="square" rtlCol="0">
+              <a:spAutoFit/>
+            </a:bodyPr>
+            <a:lstStyle/>
+            <a:p>
+              <a:r>
+                <a:rPr lang="en-US" sz="2000" dirty="0" err="1" smtClean="0">
+                  <a:solidFill>
+                    <a:srgbClr val="FFFFFF"/>
+                  </a:solidFill>
+                </a:rPr>
+                <a:t>M</a:t>
+              </a:r>
+              <a:r>
+                <a:rPr lang="en-US" sz="2000" baseline="-25000" dirty="0" err="1" smtClean="0">
+                  <a:solidFill>
+                    <a:srgbClr val="FFFFFF"/>
+                  </a:solidFill>
+                </a:rPr>
+                <a:t>core</a:t>
+              </a:r>
+              <a:endParaRPr lang="en-US" sz="2000" baseline="-25000" dirty="0">
+                <a:solidFill>
+                  <a:srgbClr val="FFFFFF"/>
+                </a:solidFill>
+              </a:endParaRPr>
+            </a:p>
+          </p:txBody>
+        </p:sp>
+        <p:sp>
+          <p:nvSpPr>
+            <p:cNvPr id="19" name="TextBox 18"/>
+            <p:cNvSpPr txBox="1"/>
+            <p:nvPr/>
+          </p:nvSpPr>
+          <p:spPr>
+            <a:xfrm>
+              <a:off x="6237070" y="4846619"/>
+              <a:ext cx="796145" cy="400110"/>
+            </a:xfrm>
+            <a:prstGeom prst="rect">
+              <a:avLst/>
+            </a:prstGeom>
+            <a:noFill/>
+          </p:spPr>
+          <p:txBody>
+            <a:bodyPr wrap="square" rtlCol="0">
+              <a:spAutoFit/>
+            </a:bodyPr>
+            <a:lstStyle/>
+            <a:p>
+              <a:r>
+                <a:rPr lang="en-US" sz="2000" dirty="0" err="1" smtClean="0">
+                  <a:solidFill>
+                    <a:srgbClr val="FFFFFF"/>
+                  </a:solidFill>
+                </a:rPr>
+                <a:t>M</a:t>
+              </a:r>
+              <a:r>
+                <a:rPr lang="en-US" sz="2000" baseline="-25000" dirty="0" err="1" smtClean="0">
+                  <a:solidFill>
+                    <a:srgbClr val="FFFFFF"/>
+                  </a:solidFill>
+                </a:rPr>
+                <a:t>core</a:t>
+              </a:r>
+              <a:endParaRPr lang="en-US" sz="2000" baseline="-25000" dirty="0">
+                <a:solidFill>
+                  <a:srgbClr val="FFFFFF"/>
+                </a:solidFill>
+              </a:endParaRPr>
+            </a:p>
+          </p:txBody>
+        </p:sp>
+        <p:sp>
+          <p:nvSpPr>
+            <p:cNvPr id="20" name="TextBox 19"/>
+            <p:cNvSpPr txBox="1"/>
+            <p:nvPr/>
+          </p:nvSpPr>
+          <p:spPr>
+            <a:xfrm>
+              <a:off x="6990823" y="674003"/>
+              <a:ext cx="1045461" cy="369332"/>
+            </a:xfrm>
+            <a:prstGeom prst="rect">
+              <a:avLst/>
+            </a:prstGeom>
+            <a:noFill/>
+          </p:spPr>
+          <p:txBody>
+            <a:bodyPr wrap="square" rtlCol="0">
+              <a:spAutoFit/>
+            </a:bodyPr>
+            <a:lstStyle/>
+            <a:p>
+              <a:r>
+                <a:rPr lang="en-US" dirty="0" err="1" smtClean="0">
+                  <a:solidFill>
+                    <a:srgbClr val="000000"/>
+                  </a:solidFill>
+                </a:rPr>
+                <a:t>M</a:t>
+              </a:r>
+              <a:r>
+                <a:rPr lang="en-US" baseline="-25000" dirty="0" err="1" smtClean="0">
+                  <a:solidFill>
+                    <a:srgbClr val="000000"/>
+                  </a:solidFill>
+                </a:rPr>
+                <a:t>atm</a:t>
+              </a:r>
+              <a:r>
+                <a:rPr lang="en-US" dirty="0" smtClean="0">
+                  <a:solidFill>
+                    <a:srgbClr val="000000"/>
+                  </a:solidFill>
+                </a:rPr>
+                <a:t>(t</a:t>
+              </a:r>
+              <a:r>
+                <a:rPr lang="en-US" baseline="-25000" dirty="0" smtClean="0">
+                  <a:solidFill>
+                    <a:srgbClr val="000000"/>
+                  </a:solidFill>
+                </a:rPr>
+                <a:t>1</a:t>
+              </a:r>
+              <a:r>
+                <a:rPr lang="en-US" dirty="0" smtClean="0">
+                  <a:solidFill>
+                    <a:srgbClr val="000000"/>
+                  </a:solidFill>
+                </a:rPr>
+                <a:t>)</a:t>
+              </a:r>
+              <a:endParaRPr lang="en-US" baseline="-25000" dirty="0">
+                <a:solidFill>
+                  <a:srgbClr val="000000"/>
+                </a:solidFill>
+              </a:endParaRPr>
+            </a:p>
+          </p:txBody>
+        </p:sp>
+        <p:cxnSp>
+          <p:nvCxnSpPr>
+            <p:cNvPr id="21" name="Straight Connector 20"/>
+            <p:cNvCxnSpPr/>
+            <p:nvPr/>
+          </p:nvCxnSpPr>
+          <p:spPr>
+            <a:xfrm flipV="1">
+              <a:off x="6940208" y="945928"/>
+              <a:ext cx="140042" cy="136470"/>
+            </a:xfrm>
+            <a:prstGeom prst="line">
+              <a:avLst/>
+            </a:prstGeom>
+            <a:ln w="6350">
+              <a:solidFill>
+                <a:schemeClr val="bg1"/>
+              </a:solidFill>
+            </a:ln>
+          </p:spPr>
+          <p:style>
+            <a:lnRef idx="2">
+              <a:schemeClr val="accent1"/>
+            </a:lnRef>
+            <a:fillRef idx="0">
+              <a:schemeClr val="accent1"/>
+            </a:fillRef>
+            <a:effectRef idx="1">
+              <a:schemeClr val="accent1"/>
+            </a:effectRef>
+            <a:fontRef idx="minor">
+              <a:schemeClr val="tx1"/>
+            </a:fontRef>
+          </p:style>
+        </p:cxnSp>
+        <p:sp>
+          <p:nvSpPr>
+            <p:cNvPr id="22" name="TextBox 21"/>
+            <p:cNvSpPr txBox="1"/>
+            <p:nvPr/>
+          </p:nvSpPr>
+          <p:spPr>
+            <a:xfrm>
+              <a:off x="6990823" y="1819638"/>
+              <a:ext cx="1045461" cy="369332"/>
+            </a:xfrm>
+            <a:prstGeom prst="rect">
+              <a:avLst/>
+            </a:prstGeom>
+            <a:noFill/>
+          </p:spPr>
+          <p:txBody>
+            <a:bodyPr wrap="square" rtlCol="0">
+              <a:spAutoFit/>
+            </a:bodyPr>
+            <a:lstStyle/>
+            <a:p>
+              <a:r>
+                <a:rPr lang="en-US" dirty="0" err="1" smtClean="0">
+                  <a:solidFill>
+                    <a:srgbClr val="000000"/>
+                  </a:solidFill>
+                </a:rPr>
+                <a:t>M</a:t>
+              </a:r>
+              <a:r>
+                <a:rPr lang="en-US" baseline="-25000" dirty="0" err="1" smtClean="0">
+                  <a:solidFill>
+                    <a:srgbClr val="000000"/>
+                  </a:solidFill>
+                </a:rPr>
+                <a:t>atm</a:t>
+              </a:r>
+              <a:r>
+                <a:rPr lang="en-US" dirty="0" smtClean="0">
+                  <a:solidFill>
+                    <a:srgbClr val="000000"/>
+                  </a:solidFill>
+                </a:rPr>
+                <a:t>(t</a:t>
+              </a:r>
+              <a:r>
+                <a:rPr lang="en-US" baseline="-25000" dirty="0">
+                  <a:solidFill>
+                    <a:srgbClr val="000000"/>
+                  </a:solidFill>
+                </a:rPr>
+                <a:t>2</a:t>
+              </a:r>
+              <a:r>
+                <a:rPr lang="en-US" dirty="0" smtClean="0">
+                  <a:solidFill>
+                    <a:srgbClr val="000000"/>
+                  </a:solidFill>
+                </a:rPr>
+                <a:t>)</a:t>
+              </a:r>
+              <a:endParaRPr lang="en-US" baseline="-25000" dirty="0">
+                <a:solidFill>
+                  <a:srgbClr val="000000"/>
+                </a:solidFill>
+              </a:endParaRPr>
+            </a:p>
+          </p:txBody>
+        </p:sp>
+        <p:cxnSp>
+          <p:nvCxnSpPr>
+            <p:cNvPr id="23" name="Straight Connector 22"/>
+            <p:cNvCxnSpPr/>
+            <p:nvPr/>
+          </p:nvCxnSpPr>
+          <p:spPr>
+            <a:xfrm flipV="1">
+              <a:off x="6838157" y="2188970"/>
+              <a:ext cx="242093" cy="204564"/>
+            </a:xfrm>
+            <a:prstGeom prst="line">
+              <a:avLst/>
+            </a:prstGeom>
+            <a:ln w="6350">
+              <a:solidFill>
+                <a:schemeClr val="bg1"/>
+              </a:solidFill>
+            </a:ln>
+          </p:spPr>
+          <p:style>
+            <a:lnRef idx="2">
+              <a:schemeClr val="accent1"/>
+            </a:lnRef>
+            <a:fillRef idx="0">
+              <a:schemeClr val="accent1"/>
+            </a:fillRef>
+            <a:effectRef idx="1">
+              <a:schemeClr val="accent1"/>
+            </a:effectRef>
+            <a:fontRef idx="minor">
+              <a:schemeClr val="tx1"/>
+            </a:fontRef>
+          </p:style>
+        </p:cxnSp>
+        <p:sp>
+          <p:nvSpPr>
+            <p:cNvPr id="24" name="TextBox 23"/>
+            <p:cNvSpPr txBox="1"/>
+            <p:nvPr/>
+          </p:nvSpPr>
+          <p:spPr>
+            <a:xfrm>
+              <a:off x="5774297" y="4346498"/>
+              <a:ext cx="1885982" cy="369332"/>
+            </a:xfrm>
+            <a:prstGeom prst="rect">
+              <a:avLst/>
+            </a:prstGeom>
+            <a:noFill/>
+          </p:spPr>
+          <p:txBody>
+            <a:bodyPr wrap="square" rtlCol="0">
+              <a:spAutoFit/>
+            </a:bodyPr>
+            <a:lstStyle/>
+            <a:p>
+              <a:r>
+                <a:rPr lang="en-US" dirty="0" err="1" smtClean="0">
+                  <a:solidFill>
+                    <a:srgbClr val="000000"/>
+                  </a:solidFill>
+                </a:rPr>
+                <a:t>M</a:t>
+              </a:r>
+              <a:r>
+                <a:rPr lang="en-US" baseline="-25000" dirty="0" err="1" smtClean="0">
+                  <a:solidFill>
+                    <a:srgbClr val="000000"/>
+                  </a:solidFill>
+                </a:rPr>
+                <a:t>atm</a:t>
+              </a:r>
+              <a:r>
+                <a:rPr lang="en-US" dirty="0" smtClean="0">
+                  <a:solidFill>
+                    <a:srgbClr val="000000"/>
+                  </a:solidFill>
+                </a:rPr>
+                <a:t>(t</a:t>
+              </a:r>
+              <a:r>
+                <a:rPr lang="en-US" baseline="-25000" dirty="0">
+                  <a:solidFill>
+                    <a:srgbClr val="000000"/>
+                  </a:solidFill>
+                </a:rPr>
+                <a:t>3</a:t>
+              </a:r>
+              <a:r>
+                <a:rPr lang="en-US" dirty="0" smtClean="0">
+                  <a:solidFill>
+                    <a:srgbClr val="000000"/>
+                  </a:solidFill>
+                </a:rPr>
+                <a:t>) ~ </a:t>
+              </a:r>
+              <a:r>
+                <a:rPr lang="en-US" dirty="0" err="1" smtClean="0">
+                  <a:solidFill>
+                    <a:srgbClr val="000000"/>
+                  </a:solidFill>
+                </a:rPr>
+                <a:t>M</a:t>
+              </a:r>
+              <a:r>
+                <a:rPr lang="en-US" baseline="-25000" dirty="0" err="1" smtClean="0">
+                  <a:solidFill>
+                    <a:srgbClr val="000000"/>
+                  </a:solidFill>
+                </a:rPr>
+                <a:t>core</a:t>
+              </a:r>
+              <a:endParaRPr lang="en-US" baseline="-25000" dirty="0">
+                <a:solidFill>
+                  <a:srgbClr val="000000"/>
+                </a:solidFill>
+              </a:endParaRPr>
+            </a:p>
+          </p:txBody>
+        </p:sp>
+      </p:grpSp>
+      <p:sp>
+        <p:nvSpPr>
+          <p:cNvPr id="5" name="TextBox 4"/>
+          <p:cNvSpPr txBox="1"/>
+          <p:nvPr/>
+        </p:nvSpPr>
+        <p:spPr>
+          <a:xfrm>
+            <a:off x="222497" y="433217"/>
+            <a:ext cx="5687983" cy="646331"/>
+          </a:xfrm>
+          <a:prstGeom prst="rect">
+            <a:avLst/>
+          </a:prstGeom>
+          <a:noFill/>
+        </p:spPr>
+        <p:txBody>
+          <a:bodyPr wrap="square" rtlCol="0">
+            <a:spAutoFit/>
+          </a:bodyPr>
+          <a:lstStyle/>
+          <a:p>
+            <a:r>
+              <a:rPr lang="en-US" sz="3600" dirty="0" smtClean="0"/>
+              <a:t>Kelvin-Helmholtz contraction</a:t>
+            </a:r>
+            <a:endParaRPr lang="en-US" sz="3600" dirty="0"/>
+          </a:p>
+        </p:txBody>
+      </p:sp>
+    </p:spTree>
+    <p:extLst>
+      <p:ext uri="{BB962C8B-B14F-4D97-AF65-F5344CB8AC3E}">
+        <p14:creationId xmlns:p14="http://schemas.microsoft.com/office/powerpoint/2010/main" val="3000247420"/>
+      </p:ext>
+    </p:extLst>
+  </p:cSld>
+  <p:clrMapOvr>
+    <a:masterClrMapping/>
+  </p:clrMapOvr>
+  <mc:AlternateContent xmlns:mc="http://schemas.openxmlformats.org/markup-compatibility/2006" xmlns:p14="http://schemas.microsoft.com/office/powerpoint/2010/main">
+    <mc:Choice Requires="p14">
+      <p:transition p14:dur="0" advTm="7113"/>
+    </mc:Choice>
+    <mc:Fallback xmlns="">
+      <p:transition xmlns:p14="http://schemas.microsoft.com/office/powerpoint/2010/main" advTm="7113"/>
     </mc:Fallback>
   </mc:AlternateContent>
   <p:timing>

--- a/slides/SPF1_talk_v2.pptx
+++ b/slides/SPF1_talk_v2.pptx
@@ -266,7 +266,7 @@
           <a:p>
             <a:fld id="{7E37B48D-A559-6F41-A85D-9198382D8E74}" type="datetime1">
               <a:rPr lang="en-US" smtClean="0"/>
-              <a:t>3/18/15</a:t>
+              <a:t>3/21/15</a:t>
             </a:fld>
             <a:endParaRPr lang="en-US"/>
           </a:p>
@@ -432,7 +432,7 @@
           <a:p>
             <a:fld id="{A07269D8-8511-224D-9EC2-608B032B74D9}" type="datetime1">
               <a:rPr lang="en-US" smtClean="0"/>
-              <a:t>3/18/15</a:t>
+              <a:t>3/21/15</a:t>
             </a:fld>
             <a:endParaRPr lang="en-US"/>
           </a:p>
@@ -1979,7 +1979,7 @@
           <a:p>
             <a:fld id="{6BFECD78-3C8E-49F2-8FAB-59489D168ABB}" type="datetimeFigureOut">
               <a:rPr lang="en-US" smtClean="0"/>
-              <a:t>3/18/15</a:t>
+              <a:t>3/21/15</a:t>
             </a:fld>
             <a:endParaRPr lang="en-US"/>
           </a:p>
@@ -2149,7 +2149,7 @@
           <a:p>
             <a:fld id="{6BFECD78-3C8E-49F2-8FAB-59489D168ABB}" type="datetimeFigureOut">
               <a:rPr lang="en-US" smtClean="0"/>
-              <a:t>3/18/15</a:t>
+              <a:t>3/21/15</a:t>
             </a:fld>
             <a:endParaRPr lang="en-US"/>
           </a:p>
@@ -2329,7 +2329,7 @@
           <a:p>
             <a:fld id="{6BFECD78-3C8E-49F2-8FAB-59489D168ABB}" type="datetimeFigureOut">
               <a:rPr lang="en-US" smtClean="0"/>
-              <a:t>3/18/15</a:t>
+              <a:t>3/21/15</a:t>
             </a:fld>
             <a:endParaRPr lang="en-US"/>
           </a:p>
@@ -2499,7 +2499,7 @@
           <a:p>
             <a:fld id="{6BFECD78-3C8E-49F2-8FAB-59489D168ABB}" type="datetimeFigureOut">
               <a:rPr lang="en-US" smtClean="0"/>
-              <a:t>3/18/15</a:t>
+              <a:t>3/21/15</a:t>
             </a:fld>
             <a:endParaRPr lang="en-US"/>
           </a:p>
@@ -2745,7 +2745,7 @@
           <a:p>
             <a:fld id="{6BFECD78-3C8E-49F2-8FAB-59489D168ABB}" type="datetimeFigureOut">
               <a:rPr lang="en-US" smtClean="0"/>
-              <a:t>3/18/15</a:t>
+              <a:t>3/21/15</a:t>
             </a:fld>
             <a:endParaRPr lang="en-US"/>
           </a:p>
@@ -3033,7 +3033,7 @@
           <a:p>
             <a:fld id="{6BFECD78-3C8E-49F2-8FAB-59489D168ABB}" type="datetimeFigureOut">
               <a:rPr lang="en-US" smtClean="0"/>
-              <a:t>3/18/15</a:t>
+              <a:t>3/21/15</a:t>
             </a:fld>
             <a:endParaRPr lang="en-US"/>
           </a:p>
@@ -3455,7 +3455,7 @@
           <a:p>
             <a:fld id="{6BFECD78-3C8E-49F2-8FAB-59489D168ABB}" type="datetimeFigureOut">
               <a:rPr lang="en-US" smtClean="0"/>
-              <a:t>3/18/15</a:t>
+              <a:t>3/21/15</a:t>
             </a:fld>
             <a:endParaRPr lang="en-US"/>
           </a:p>
@@ -3573,7 +3573,7 @@
           <a:p>
             <a:fld id="{6BFECD78-3C8E-49F2-8FAB-59489D168ABB}" type="datetimeFigureOut">
               <a:rPr lang="en-US" smtClean="0"/>
-              <a:t>3/18/15</a:t>
+              <a:t>3/21/15</a:t>
             </a:fld>
             <a:endParaRPr lang="en-US"/>
           </a:p>
@@ -3668,7 +3668,7 @@
           <a:p>
             <a:fld id="{6BFECD78-3C8E-49F2-8FAB-59489D168ABB}" type="datetimeFigureOut">
               <a:rPr lang="en-US" smtClean="0"/>
-              <a:t>3/18/15</a:t>
+              <a:t>3/21/15</a:t>
             </a:fld>
             <a:endParaRPr lang="en-US"/>
           </a:p>
@@ -3945,7 +3945,7 @@
           <a:p>
             <a:fld id="{6BFECD78-3C8E-49F2-8FAB-59489D168ABB}" type="datetimeFigureOut">
               <a:rPr lang="en-US" smtClean="0"/>
-              <a:t>3/18/15</a:t>
+              <a:t>3/21/15</a:t>
             </a:fld>
             <a:endParaRPr lang="en-US"/>
           </a:p>
@@ -4202,7 +4202,7 @@
           <a:p>
             <a:fld id="{6BFECD78-3C8E-49F2-8FAB-59489D168ABB}" type="datetimeFigureOut">
               <a:rPr lang="en-US" smtClean="0"/>
-              <a:t>3/18/15</a:t>
+              <a:t>3/21/15</a:t>
             </a:fld>
             <a:endParaRPr lang="en-US"/>
           </a:p>
@@ -4415,7 +4415,7 @@
           <a:p>
             <a:fld id="{6BFECD78-3C8E-49F2-8FAB-59489D168ABB}" type="datetimeFigureOut">
               <a:rPr lang="en-US" smtClean="0"/>
-              <a:t>3/18/15</a:t>
+              <a:t>3/21/15</a:t>
             </a:fld>
             <a:endParaRPr lang="en-US"/>
           </a:p>
@@ -5341,21 +5341,8 @@
                   <a:srgbClr val="0000FF"/>
                 </a:solidFill>
               </a:rPr>
-              <a:t>REALISTIC EQUATION OF </a:t>
-            </a:r>
-            <a:r>
-              <a:rPr lang="en-US" sz="3000" dirty="0" smtClean="0">
-                <a:solidFill>
-                  <a:srgbClr val="0000FF"/>
-                </a:solidFill>
-              </a:rPr>
-              <a:t>STATE (EOS)</a:t>
-            </a:r>
-            <a:endParaRPr lang="en-US" sz="3000" dirty="0" smtClean="0">
-              <a:solidFill>
-                <a:srgbClr val="0000FF"/>
-              </a:solidFill>
-            </a:endParaRPr>
+              <a:t>REALISTIC EQUATION OF STATE (EOS)</a:t>
+            </a:r>
           </a:p>
           <a:p>
             <a:pPr algn="ctr"/>
@@ -5680,6 +5667,68 @@
             <a:endParaRPr lang="en-US" dirty="0">
               <a:solidFill>
                 <a:srgbClr val="FFFFFF"/>
+              </a:solidFill>
+            </a:endParaRPr>
+          </a:p>
+        </p:txBody>
+      </p:sp>
+      <p:sp>
+        <p:nvSpPr>
+          <p:cNvPr id="4" name="TextBox 3"/>
+          <p:cNvSpPr txBox="1"/>
+          <p:nvPr/>
+        </p:nvSpPr>
+        <p:spPr>
+          <a:xfrm>
+            <a:off x="6346844" y="6459338"/>
+            <a:ext cx="2782215" cy="307777"/>
+          </a:xfrm>
+          <a:prstGeom prst="rect">
+            <a:avLst/>
+          </a:prstGeom>
+          <a:noFill/>
+        </p:spPr>
+        <p:txBody>
+          <a:bodyPr wrap="square" rtlCol="0">
+            <a:spAutoFit/>
+          </a:bodyPr>
+          <a:lstStyle/>
+          <a:p>
+            <a:r>
+              <a:rPr lang="en-US" sz="1400" dirty="0"/>
+              <a:t>s</a:t>
+            </a:r>
+            <a:r>
+              <a:rPr lang="en-US" sz="1400" dirty="0" smtClean="0"/>
+              <a:t>ee Piso</a:t>
+            </a:r>
+            <a:r>
+              <a:rPr lang="en-US" sz="1400" dirty="0"/>
+              <a:t> </a:t>
+            </a:r>
+            <a:r>
+              <a:rPr lang="en-US" sz="1400" dirty="0" smtClean="0"/>
+              <a:t>&amp;</a:t>
+            </a:r>
+            <a:r>
+              <a:rPr lang="en-US" sz="1400" dirty="0" smtClean="0"/>
+              <a:t> </a:t>
+            </a:r>
+            <a:r>
+              <a:rPr lang="en-US" sz="1400" dirty="0" err="1" smtClean="0"/>
+              <a:t>Youdin</a:t>
+            </a:r>
+            <a:r>
+              <a:rPr lang="en-US" sz="1400" dirty="0"/>
+              <a:t> </a:t>
+            </a:r>
+            <a:r>
+              <a:rPr lang="en-US" sz="1400" dirty="0" smtClean="0"/>
+              <a:t>(2014) for details</a:t>
+            </a:r>
+            <a:endParaRPr lang="en-US" sz="1400" dirty="0">
+              <a:solidFill>
+                <a:srgbClr val="000000"/>
               </a:solidFill>
             </a:endParaRPr>
           </a:p>
@@ -7088,6 +7137,60 @@
           </a:ln>
         </p:spPr>
       </p:pic>
+      <p:sp>
+        <p:nvSpPr>
+          <p:cNvPr id="10" name="TextBox 9"/>
+          <p:cNvSpPr txBox="1"/>
+          <p:nvPr/>
+        </p:nvSpPr>
+        <p:spPr>
+          <a:xfrm>
+            <a:off x="5895894" y="2313604"/>
+            <a:ext cx="2782215" cy="307777"/>
+          </a:xfrm>
+          <a:prstGeom prst="rect">
+            <a:avLst/>
+          </a:prstGeom>
+          <a:noFill/>
+        </p:spPr>
+        <p:txBody>
+          <a:bodyPr wrap="square" rtlCol="0">
+            <a:spAutoFit/>
+          </a:bodyPr>
+          <a:lstStyle/>
+          <a:p>
+            <a:r>
+              <a:rPr lang="en-US" sz="1400" dirty="0" smtClean="0">
+                <a:solidFill>
+                  <a:srgbClr val="000000"/>
+                </a:solidFill>
+              </a:rPr>
+              <a:t>Piso, </a:t>
+            </a:r>
+            <a:r>
+              <a:rPr lang="en-US" sz="1400" dirty="0" err="1" smtClean="0">
+                <a:solidFill>
+                  <a:srgbClr val="000000"/>
+                </a:solidFill>
+              </a:rPr>
+              <a:t>Youdin</a:t>
+            </a:r>
+            <a:r>
+              <a:rPr lang="en-US" sz="1400" dirty="0" smtClean="0">
+                <a:solidFill>
+                  <a:srgbClr val="000000"/>
+                </a:solidFill>
+              </a:rPr>
+              <a:t>, &amp; Murray-Clay (2015)</a:t>
+            </a:r>
+            <a:endParaRPr lang="en-US" sz="1400" dirty="0">
+              <a:solidFill>
+                <a:srgbClr val="000000"/>
+              </a:solidFill>
+            </a:endParaRPr>
+          </a:p>
+        </p:txBody>
+      </p:sp>
     </p:spTree>
     <p:extLst>
       <p:ext uri="{BB962C8B-B14F-4D97-AF65-F5344CB8AC3E}">
@@ -7283,8 +7386,8 @@
             </p:nvCxnSpPr>
             <p:spPr>
               <a:xfrm>
-                <a:off x="5649068" y="2787477"/>
-                <a:ext cx="1092832" cy="1134060"/>
+                <a:off x="5118074" y="2787477"/>
+                <a:ext cx="1614257" cy="1134060"/>
               </a:xfrm>
               <a:prstGeom prst="straightConnector1">
                 <a:avLst/>
@@ -7323,7 +7426,7 @@
             </p:nvSpPr>
             <p:spPr>
               <a:xfrm>
-                <a:off x="5127643" y="2462021"/>
+                <a:off x="4530056" y="2462021"/>
                 <a:ext cx="1606698" cy="325456"/>
               </a:xfrm>
               <a:prstGeom prst="rect">
@@ -7570,7 +7673,7 @@
         <p:spPr>
           <a:xfrm flipH="1">
             <a:off x="3798778" y="2769700"/>
-            <a:ext cx="2051762" cy="655047"/>
+            <a:ext cx="1519397" cy="655047"/>
           </a:xfrm>
           <a:prstGeom prst="straightConnector1">
             <a:avLst/>
@@ -7601,6 +7704,60 @@
           </a:fontRef>
         </p:style>
       </p:cxnSp>
+      <p:sp>
+        <p:nvSpPr>
+          <p:cNvPr id="16" name="TextBox 15"/>
+          <p:cNvSpPr txBox="1"/>
+          <p:nvPr/>
+        </p:nvSpPr>
+        <p:spPr>
+          <a:xfrm>
+            <a:off x="5895894" y="2313604"/>
+            <a:ext cx="2782215" cy="307777"/>
+          </a:xfrm>
+          <a:prstGeom prst="rect">
+            <a:avLst/>
+          </a:prstGeom>
+          <a:noFill/>
+        </p:spPr>
+        <p:txBody>
+          <a:bodyPr wrap="square" rtlCol="0">
+            <a:spAutoFit/>
+          </a:bodyPr>
+          <a:lstStyle/>
+          <a:p>
+            <a:r>
+              <a:rPr lang="en-US" sz="1400" dirty="0" smtClean="0">
+                <a:solidFill>
+                  <a:srgbClr val="000000"/>
+                </a:solidFill>
+              </a:rPr>
+              <a:t>Piso, </a:t>
+            </a:r>
+            <a:r>
+              <a:rPr lang="en-US" sz="1400" dirty="0" err="1" smtClean="0">
+                <a:solidFill>
+                  <a:srgbClr val="000000"/>
+                </a:solidFill>
+              </a:rPr>
+              <a:t>Youdin</a:t>
+            </a:r>
+            <a:r>
+              <a:rPr lang="en-US" sz="1400" dirty="0" smtClean="0">
+                <a:solidFill>
+                  <a:srgbClr val="000000"/>
+                </a:solidFill>
+              </a:rPr>
+              <a:t>, &amp; Murray-Clay (2015)</a:t>
+            </a:r>
+            <a:endParaRPr lang="en-US" sz="1400" dirty="0">
+              <a:solidFill>
+                <a:srgbClr val="000000"/>
+              </a:solidFill>
+            </a:endParaRPr>
+          </a:p>
+        </p:txBody>
+      </p:sp>
     </p:spTree>
     <p:extLst>
       <p:ext uri="{BB962C8B-B14F-4D97-AF65-F5344CB8AC3E}">
@@ -8073,6 +8230,60 @@
           </a:ln>
         </p:spPr>
       </p:pic>
+      <p:sp>
+        <p:nvSpPr>
+          <p:cNvPr id="14" name="TextBox 13"/>
+          <p:cNvSpPr txBox="1"/>
+          <p:nvPr/>
+        </p:nvSpPr>
+        <p:spPr>
+          <a:xfrm>
+            <a:off x="5895894" y="2313604"/>
+            <a:ext cx="2782215" cy="307777"/>
+          </a:xfrm>
+          <a:prstGeom prst="rect">
+            <a:avLst/>
+          </a:prstGeom>
+          <a:noFill/>
+        </p:spPr>
+        <p:txBody>
+          <a:bodyPr wrap="square" rtlCol="0">
+            <a:spAutoFit/>
+          </a:bodyPr>
+          <a:lstStyle/>
+          <a:p>
+            <a:r>
+              <a:rPr lang="en-US" sz="1400" dirty="0" smtClean="0">
+                <a:solidFill>
+                  <a:srgbClr val="000000"/>
+                </a:solidFill>
+              </a:rPr>
+              <a:t>Piso, </a:t>
+            </a:r>
+            <a:r>
+              <a:rPr lang="en-US" sz="1400" dirty="0" err="1" smtClean="0">
+                <a:solidFill>
+                  <a:srgbClr val="000000"/>
+                </a:solidFill>
+              </a:rPr>
+              <a:t>Youdin</a:t>
+            </a:r>
+            <a:r>
+              <a:rPr lang="en-US" sz="1400" dirty="0" smtClean="0">
+                <a:solidFill>
+                  <a:srgbClr val="000000"/>
+                </a:solidFill>
+              </a:rPr>
+              <a:t>, &amp; Murray-Clay (2015)</a:t>
+            </a:r>
+            <a:endParaRPr lang="en-US" sz="1400" dirty="0">
+              <a:solidFill>
+                <a:srgbClr val="000000"/>
+              </a:solidFill>
+            </a:endParaRPr>
+          </a:p>
+        </p:txBody>
+      </p:sp>
     </p:spTree>
     <p:extLst>
       <p:ext uri="{BB962C8B-B14F-4D97-AF65-F5344CB8AC3E}">
@@ -8456,6 +8667,60 @@
               <a:t> rotational states</a:t>
             </a:r>
             <a:endParaRPr lang="en-US" dirty="0">
+              <a:solidFill>
+                <a:srgbClr val="000000"/>
+              </a:solidFill>
+            </a:endParaRPr>
+          </a:p>
+        </p:txBody>
+      </p:sp>
+      <p:sp>
+        <p:nvSpPr>
+          <p:cNvPr id="12" name="TextBox 11"/>
+          <p:cNvSpPr txBox="1"/>
+          <p:nvPr/>
+        </p:nvSpPr>
+        <p:spPr>
+          <a:xfrm>
+            <a:off x="5895894" y="2313604"/>
+            <a:ext cx="2782215" cy="307777"/>
+          </a:xfrm>
+          <a:prstGeom prst="rect">
+            <a:avLst/>
+          </a:prstGeom>
+          <a:noFill/>
+        </p:spPr>
+        <p:txBody>
+          <a:bodyPr wrap="square" rtlCol="0">
+            <a:spAutoFit/>
+          </a:bodyPr>
+          <a:lstStyle/>
+          <a:p>
+            <a:r>
+              <a:rPr lang="en-US" sz="1400" dirty="0" smtClean="0">
+                <a:solidFill>
+                  <a:srgbClr val="000000"/>
+                </a:solidFill>
+              </a:rPr>
+              <a:t>Piso, </a:t>
+            </a:r>
+            <a:r>
+              <a:rPr lang="en-US" sz="1400" dirty="0" err="1" smtClean="0">
+                <a:solidFill>
+                  <a:srgbClr val="000000"/>
+                </a:solidFill>
+              </a:rPr>
+              <a:t>Youdin</a:t>
+            </a:r>
+            <a:r>
+              <a:rPr lang="en-US" sz="1400" dirty="0" smtClean="0">
+                <a:solidFill>
+                  <a:srgbClr val="000000"/>
+                </a:solidFill>
+              </a:rPr>
+              <a:t>, &amp; Murray-Clay (2015)</a:t>
+            </a:r>
+            <a:endParaRPr lang="en-US" sz="1400" dirty="0">
               <a:solidFill>
                 <a:srgbClr val="000000"/>
               </a:solidFill>
@@ -9255,6 +9520,60 @@
           </a:p>
         </p:txBody>
       </p:sp>
+      <p:sp>
+        <p:nvSpPr>
+          <p:cNvPr id="21" name="TextBox 20"/>
+          <p:cNvSpPr txBox="1"/>
+          <p:nvPr/>
+        </p:nvSpPr>
+        <p:spPr>
+          <a:xfrm>
+            <a:off x="5895894" y="2313604"/>
+            <a:ext cx="2782215" cy="307777"/>
+          </a:xfrm>
+          <a:prstGeom prst="rect">
+            <a:avLst/>
+          </a:prstGeom>
+          <a:noFill/>
+        </p:spPr>
+        <p:txBody>
+          <a:bodyPr wrap="square" rtlCol="0">
+            <a:spAutoFit/>
+          </a:bodyPr>
+          <a:lstStyle/>
+          <a:p>
+            <a:r>
+              <a:rPr lang="en-US" sz="1400" dirty="0" smtClean="0">
+                <a:solidFill>
+                  <a:srgbClr val="000000"/>
+                </a:solidFill>
+              </a:rPr>
+              <a:t>Piso, </a:t>
+            </a:r>
+            <a:r>
+              <a:rPr lang="en-US" sz="1400" dirty="0" err="1" smtClean="0">
+                <a:solidFill>
+                  <a:srgbClr val="000000"/>
+                </a:solidFill>
+              </a:rPr>
+              <a:t>Youdin</a:t>
+            </a:r>
+            <a:r>
+              <a:rPr lang="en-US" sz="1400" dirty="0" smtClean="0">
+                <a:solidFill>
+                  <a:srgbClr val="000000"/>
+                </a:solidFill>
+              </a:rPr>
+              <a:t>, &amp; Murray-Clay (2015)</a:t>
+            </a:r>
+            <a:endParaRPr lang="en-US" sz="1400" dirty="0">
+              <a:solidFill>
+                <a:srgbClr val="000000"/>
+              </a:solidFill>
+            </a:endParaRPr>
+          </a:p>
+        </p:txBody>
+      </p:sp>
     </p:spTree>
     <p:extLst>
       <p:ext uri="{BB962C8B-B14F-4D97-AF65-F5344CB8AC3E}">
@@ -9505,7 +9824,7 @@
         </p:nvSpPr>
         <p:spPr>
           <a:xfrm>
-            <a:off x="5334192" y="6194188"/>
+            <a:off x="5334192" y="6179247"/>
             <a:ext cx="2782215" cy="307777"/>
           </a:xfrm>
           <a:prstGeom prst="rect">
@@ -12504,7 +12823,7 @@
         </p:nvGrpSpPr>
         <p:grpSpPr>
           <a:xfrm>
-            <a:off x="3668575" y="1324902"/>
+            <a:off x="3668575" y="1716692"/>
             <a:ext cx="5226288" cy="3683182"/>
             <a:chOff x="3668575" y="1204401"/>
             <a:chExt cx="5226288" cy="3683182"/>
@@ -12724,7 +13043,7 @@
         </p:nvCxnSpPr>
         <p:spPr>
           <a:xfrm>
-            <a:off x="5173631" y="3030640"/>
+            <a:off x="5173631" y="3462960"/>
             <a:ext cx="548718" cy="0"/>
           </a:xfrm>
           <a:prstGeom prst="straightConnector1">
@@ -12754,14 +13073,14 @@
       </p:cxnSp>
       <p:sp>
         <p:nvSpPr>
-          <p:cNvPr id="11" name="TextBox 10"/>
+          <p:cNvPr id="13" name="TextBox 12"/>
           <p:cNvSpPr txBox="1"/>
           <p:nvPr/>
         </p:nvSpPr>
         <p:spPr>
           <a:xfrm>
-            <a:off x="4183832" y="5247425"/>
-            <a:ext cx="4342535" cy="1231106"/>
+            <a:off x="1516642" y="342311"/>
+            <a:ext cx="6021319" cy="707886"/>
           </a:xfrm>
           <a:prstGeom prst="rect">
             <a:avLst/>
@@ -12775,64 +13094,24 @@
           <a:lstStyle/>
           <a:p>
             <a:r>
-              <a:rPr lang="en-US" sz="2800" dirty="0">
-                <a:solidFill>
-                  <a:srgbClr val="FFFF00"/>
-                </a:solidFill>
-              </a:rPr>
-              <a:t>larger cores </a:t>
-            </a:r>
-            <a:r>
-              <a:rPr lang="en-US" sz="2800" dirty="0"/>
-              <a:t>hold </a:t>
-            </a:r>
-            <a:r>
-              <a:rPr lang="en-US" sz="2800" dirty="0">
-                <a:solidFill>
-                  <a:srgbClr val="FFFF00"/>
-                </a:solidFill>
-              </a:rPr>
-              <a:t>fractionally larger</a:t>
-            </a:r>
-            <a:r>
-              <a:rPr lang="en-US" sz="2800" dirty="0"/>
-              <a:t> atmospheres </a:t>
-            </a:r>
-          </a:p>
-          <a:p>
-            <a:endParaRPr lang="en-US" dirty="0"/>
-          </a:p>
-        </p:txBody>
-      </p:sp>
-      <p:sp>
-        <p:nvSpPr>
-          <p:cNvPr id="13" name="TextBox 12"/>
-          <p:cNvSpPr txBox="1"/>
-          <p:nvPr/>
-        </p:nvSpPr>
-        <p:spPr>
-          <a:xfrm>
-            <a:off x="1929407" y="306255"/>
-            <a:ext cx="5010703" cy="707886"/>
-          </a:xfrm>
-          <a:prstGeom prst="rect">
-            <a:avLst/>
-          </a:prstGeom>
-          <a:noFill/>
-        </p:spPr>
-        <p:txBody>
-          <a:bodyPr wrap="square" rtlCol="0">
-            <a:spAutoFit/>
-          </a:bodyPr>
-          <a:lstStyle/>
-          <a:p>
+              <a:rPr lang="en-US" sz="4000" dirty="0" smtClean="0"/>
+              <a:t>High </a:t>
+            </a:r>
+            <a:r>
+              <a:rPr lang="en-US" sz="4000" dirty="0" err="1"/>
+              <a:t>p</a:t>
+            </a:r>
             <a:r>
               <a:rPr lang="en-US" sz="4000" dirty="0" err="1" smtClean="0"/>
-              <a:t>Planetesimal</a:t>
+              <a:t>lanetesimal</a:t>
             </a:r>
             <a:r>
               <a:rPr lang="en-US" sz="4000" dirty="0" smtClean="0"/>
-              <a:t> accretion</a:t>
+              <a:t> </a:t>
+            </a:r>
+            <a:r>
+              <a:rPr lang="en-US" sz="4000" dirty="0" smtClean="0"/>
+              <a:t>accretion</a:t>
             </a:r>
             <a:endParaRPr lang="en-US" sz="4000" dirty="0"/>
           </a:p>
@@ -13339,15 +13618,7 @@
                       <a:srgbClr val="000000"/>
                     </a:solidFill>
                   </a:rPr>
-                  <a:t> </a:t>
-                </a:r>
-                <a:r>
-                  <a:rPr lang="en-US" sz="2400" dirty="0" smtClean="0">
-                    <a:solidFill>
-                      <a:srgbClr val="000000"/>
-                    </a:solidFill>
-                  </a:rPr>
-                  <a:t>≤ </a:t>
+                  <a:t> ≤ </a:t>
                 </a:r>
                 <a:r>
                   <a:rPr lang="en-US" sz="2400" dirty="0" err="1" smtClean="0">
@@ -13969,15 +14240,7 @@
                   <a:srgbClr val="000000"/>
                 </a:solidFill>
               </a:rPr>
-              <a:t> </a:t>
-            </a:r>
-            <a:r>
-              <a:rPr lang="en-US" sz="2400" dirty="0" smtClean="0">
-                <a:solidFill>
-                  <a:srgbClr val="000000"/>
-                </a:solidFill>
-              </a:rPr>
-              <a:t>≤ </a:t>
+              <a:t> ≤ </a:t>
             </a:r>
             <a:r>
               <a:rPr lang="en-US" sz="2400" dirty="0" err="1" smtClean="0">

--- a/slides/SPF1_talk_v2.pptx
+++ b/slides/SPF1_talk_v2.pptx
@@ -11,7 +11,7 @@
     <p:handoutMasterId r:id="rId29"/>
   </p:handoutMasterIdLst>
   <p:sldIdLst>
-    <p:sldId id="256" r:id="rId2"/>
+    <p:sldId id="311" r:id="rId2"/>
     <p:sldId id="306" r:id="rId3"/>
     <p:sldId id="307" r:id="rId4"/>
     <p:sldId id="257" r:id="rId5"/>
@@ -140,7 +140,7 @@
       <p14:sectionLst xmlns:p14="http://schemas.microsoft.com/office/powerpoint/2010/main">
         <p14:section name="Default Section" id="{07C2F1BD-6951-BB4E-999E-1A3C896B33A1}">
           <p14:sldIdLst>
-            <p14:sldId id="256"/>
+            <p14:sldId id="311"/>
             <p14:sldId id="306"/>
             <p14:sldId id="307"/>
             <p14:sldId id="257"/>
@@ -266,7 +266,7 @@
           <a:p>
             <a:fld id="{7E37B48D-A559-6F41-A85D-9198382D8E74}" type="datetime1">
               <a:rPr lang="en-US" smtClean="0"/>
-              <a:t>3/21/15</a:t>
+              <a:t>9/22/15</a:t>
             </a:fld>
             <a:endParaRPr lang="en-US"/>
           </a:p>
@@ -432,7 +432,7 @@
           <a:p>
             <a:fld id="{A07269D8-8511-224D-9EC2-608B032B74D9}" type="datetime1">
               <a:rPr lang="en-US" smtClean="0"/>
-              <a:t>3/21/15</a:t>
+              <a:t>9/22/15</a:t>
             </a:fld>
             <a:endParaRPr lang="en-US"/>
           </a:p>
@@ -720,7 +720,7 @@
       </p:grpSpPr>
       <p:sp>
         <p:nvSpPr>
-          <p:cNvPr id="2" name="Slide Image Placeholder 1"/>
+          <p:cNvPr id="31745" name="Slide Image Placeholder 1"/>
           <p:cNvSpPr>
             <a:spLocks noGrp="1" noRot="1" noChangeAspect="1"/>
           </p:cNvSpPr>
@@ -728,11 +728,33 @@
             <p:ph type="sldImg"/>
           </p:nvPr>
         </p:nvSpPr>
-        <p:spPr/>
-      </p:sp>
-      <p:sp>
-        <p:nvSpPr>
-          <p:cNvPr id="3" name="Notes Placeholder 2"/>
+        <p:spPr bwMode="auto">
+          <a:noFill/>
+          <a:ln>
+            <a:solidFill>
+              <a:srgbClr val="000000"/>
+            </a:solidFill>
+            <a:miter lim="800000"/>
+            <a:headEnd/>
+            <a:tailEnd/>
+          </a:ln>
+          <a:extLst>
+            <a:ext uri="{909E8E84-426E-40dd-AFC4-6F175D3DCCD1}">
+              <a14:hiddenFill xmlns:a14="http://schemas.microsoft.com/office/drawing/2010/main">
+                <a:solidFill>
+                  <a:srgbClr val="FFFFFF"/>
+                </a:solidFill>
+              </a14:hiddenFill>
+            </a:ext>
+            <a:ext uri="{FAA26D3D-D897-4be2-8F04-BA451C77F1D7}">
+              <ma14:placeholderFlag xmlns:ma14="http://schemas.microsoft.com/office/mac/drawingml/2011/main" val="1"/>
+            </a:ext>
+          </a:extLst>
+        </p:spPr>
+      </p:sp>
+      <p:sp>
+        <p:nvSpPr>
+          <p:cNvPr id="31746" name="Notes Placeholder 2"/>
           <p:cNvSpPr>
             <a:spLocks noGrp="1"/>
           </p:cNvSpPr>
@@ -740,56 +762,215 @@
             <p:ph type="body" idx="1"/>
           </p:nvPr>
         </p:nvSpPr>
-        <p:spPr/>
-        <p:txBody>
-          <a:bodyPr/>
+        <p:spPr bwMode="auto">
+          <a:noFill/>
+          <a:extLst>
+            <a:ext uri="{909E8E84-426E-40dd-AFC4-6F175D3DCCD1}">
+              <a14:hiddenFill xmlns:a14="http://schemas.microsoft.com/office/drawing/2010/main">
+                <a:solidFill>
+                  <a:srgbClr val="FFFFFF"/>
+                </a:solidFill>
+              </a14:hiddenFill>
+            </a:ext>
+            <a:ext uri="{91240B29-F687-4f45-9708-019B960494DF}">
+              <a14:hiddenLine xmlns:a14="http://schemas.microsoft.com/office/drawing/2010/main" w="9525">
+                <a:solidFill>
+                  <a:srgbClr val="000000"/>
+                </a:solidFill>
+                <a:miter lim="800000"/>
+                <a:headEnd/>
+                <a:tailEnd/>
+              </a14:hiddenLine>
+            </a:ext>
+          </a:extLst>
+        </p:spPr>
+        <p:txBody>
+          <a:bodyPr wrap="square" numCol="1" anchor="t" anchorCtr="0" compatLnSpc="1">
+            <a:prstTxWarp prst="textNoShape">
+              <a:avLst/>
+            </a:prstTxWarp>
+          </a:bodyPr>
           <a:lstStyle/>
           <a:p>
-            <a:r>
-              <a:rPr lang="en-US" dirty="0" smtClean="0"/>
-              <a:t>…and what I would like to talk about today is the minimum</a:t>
-            </a:r>
-            <a:r>
-              <a:rPr lang="en-US" baseline="0" dirty="0" smtClean="0"/>
-              <a:t> core mass for giant planet formation. Now, when we think of minimum core mass, we think core accretion. In core accretion, we know that for a giant planet to form it needs a solid core, that grows, and once it becomes massive enough it can then accumulate a significant atmosphere. How big of a core do we need? Well, typically this value is believed to be around 10 Me. However, this is not a constant, and it not only depends on where we are in the disk but also on how fast the core grows. Now why do we care about this? We have seen throughout this week giant planets imaged at wide separations. Now, we don’t know whether these planets formed through core accretion or not; but if they do, and if core accretion works at large separations, then it’s very important to understand how it works, and more importantly to be able to place a robust </a:t>
-            </a:r>
-            <a:r>
-              <a:rPr lang="en-US" baseline="0" dirty="0" err="1" smtClean="0"/>
-              <a:t>absolut</a:t>
-            </a:r>
-            <a:r>
-              <a:rPr lang="en-US" baseline="0" dirty="0" smtClean="0"/>
-              <a:t> minimum for a giant planet to form within the lifetime of the </a:t>
-            </a:r>
-            <a:r>
-              <a:rPr lang="en-US" baseline="0" dirty="0" err="1" smtClean="0"/>
-              <a:t>protoplanetary</a:t>
-            </a:r>
-            <a:r>
-              <a:rPr lang="en-US" baseline="0" dirty="0" smtClean="0"/>
-              <a:t> disk. And this is what I am going to talk about today.</a:t>
-            </a:r>
-            <a:endParaRPr lang="en-US" dirty="0"/>
-          </a:p>
-        </p:txBody>
-      </p:sp>
-      <p:sp>
-        <p:nvSpPr>
-          <p:cNvPr id="4" name="Slide Number Placeholder 3"/>
+            <a:pPr>
+              <a:spcBef>
+                <a:spcPct val="0"/>
+              </a:spcBef>
+            </a:pPr>
+            <a:r>
+              <a:rPr lang="en-US">
+                <a:latin typeface="Calibri" charset="0"/>
+              </a:rPr>
+              <a:t>…and what I would like to talk about today is the minimum core mass for giant planet formation. Now, when we think of minimum core mass, we think core accretion. In core accretion, we know that for a giant planet to form it needs a solid core, that grows, and once it becomes massive enough it can then accumulate a significant atmosphere. How big of a core do we need? Well, typically this value is believed to be around 10 Me. However, this is not a constant, and it not only depends on where we are in the disk but also on how fast the core grows. Now why do we care about this? We have seen throughout this week giant planets imaged at wide separations. Now, we don’t know whether these planets formed through core accretion or not; but if they do, and if core accretion works at large separations, then it’s very important to understand how it works, and more importantly to be able to place a robust absolut minimum for a giant planet to form within the lifetime of the protoplanetary disk. And this is what I am going to talk about today.</a:t>
+            </a:r>
+          </a:p>
+        </p:txBody>
+      </p:sp>
+      <p:sp>
+        <p:nvSpPr>
+          <p:cNvPr id="31747" name="Slide Number Placeholder 3"/>
           <p:cNvSpPr>
             <a:spLocks noGrp="1"/>
           </p:cNvSpPr>
           <p:nvPr>
-            <p:ph type="sldNum" sz="quarter" idx="10"/>
+            <p:ph type="sldNum" sz="quarter" idx="5"/>
           </p:nvPr>
         </p:nvSpPr>
-        <p:spPr/>
-        <p:txBody>
-          <a:bodyPr/>
-          <a:lstStyle/>
-          <a:p>
-            <a:fld id="{08B4712D-D2CB-8747-9EC4-89869EAABFB2}" type="slidenum">
-              <a:rPr lang="en-US" smtClean="0"/>
+        <p:spPr bwMode="auto">
+          <a:noFill/>
+          <a:extLst>
+            <a:ext uri="{909E8E84-426E-40dd-AFC4-6F175D3DCCD1}">
+              <a14:hiddenFill xmlns:a14="http://schemas.microsoft.com/office/drawing/2010/main">
+                <a:solidFill>
+                  <a:srgbClr val="FFFFFF"/>
+                </a:solidFill>
+              </a14:hiddenFill>
+            </a:ext>
+            <a:ext uri="{91240B29-F687-4f45-9708-019B960494DF}">
+              <a14:hiddenLine xmlns:a14="http://schemas.microsoft.com/office/drawing/2010/main" w="9525">
+                <a:solidFill>
+                  <a:srgbClr val="000000"/>
+                </a:solidFill>
+                <a:miter lim="800000"/>
+                <a:headEnd/>
+                <a:tailEnd/>
+              </a14:hiddenLine>
+            </a:ext>
+          </a:extLst>
+        </p:spPr>
+        <p:txBody>
+          <a:bodyPr wrap="square" numCol="1" anchorCtr="0" compatLnSpc="1">
+            <a:prstTxWarp prst="textNoShape">
+              <a:avLst/>
+            </a:prstTxWarp>
+          </a:bodyPr>
+          <a:lstStyle>
+            <a:lvl1pPr>
+              <a:defRPr>
+                <a:solidFill>
+                  <a:schemeClr val="tx1"/>
+                </a:solidFill>
+                <a:latin typeface="Calibri" charset="0"/>
+                <a:ea typeface="ＭＳ Ｐゴシック" charset="0"/>
+                <a:cs typeface="ＭＳ Ｐゴシック" charset="0"/>
+              </a:defRPr>
+            </a:lvl1pPr>
+            <a:lvl2pPr marL="742950" indent="-285750">
+              <a:defRPr>
+                <a:solidFill>
+                  <a:schemeClr val="tx1"/>
+                </a:solidFill>
+                <a:latin typeface="Calibri" charset="0"/>
+                <a:ea typeface="ＭＳ Ｐゴシック" charset="0"/>
+              </a:defRPr>
+            </a:lvl2pPr>
+            <a:lvl3pPr marL="1143000" indent="-228600">
+              <a:defRPr>
+                <a:solidFill>
+                  <a:schemeClr val="tx1"/>
+                </a:solidFill>
+                <a:latin typeface="Calibri" charset="0"/>
+                <a:ea typeface="ＭＳ Ｐゴシック" charset="0"/>
+              </a:defRPr>
+            </a:lvl3pPr>
+            <a:lvl4pPr marL="1600200" indent="-228600">
+              <a:defRPr>
+                <a:solidFill>
+                  <a:schemeClr val="tx1"/>
+                </a:solidFill>
+                <a:latin typeface="Calibri" charset="0"/>
+                <a:ea typeface="ＭＳ Ｐゴシック" charset="0"/>
+              </a:defRPr>
+            </a:lvl4pPr>
+            <a:lvl5pPr marL="2057400" indent="-228600">
+              <a:defRPr>
+                <a:solidFill>
+                  <a:schemeClr val="tx1"/>
+                </a:solidFill>
+                <a:latin typeface="Calibri" charset="0"/>
+                <a:ea typeface="ＭＳ Ｐゴシック" charset="0"/>
+              </a:defRPr>
+            </a:lvl5pPr>
+            <a:lvl6pPr marL="2514600" indent="-228600" fontAlgn="base">
+              <a:spcBef>
+                <a:spcPct val="0"/>
+              </a:spcBef>
+              <a:spcAft>
+                <a:spcPct val="0"/>
+              </a:spcAft>
+              <a:defRPr>
+                <a:solidFill>
+                  <a:schemeClr val="tx1"/>
+                </a:solidFill>
+                <a:latin typeface="Calibri" charset="0"/>
+                <a:ea typeface="ＭＳ Ｐゴシック" charset="0"/>
+              </a:defRPr>
+            </a:lvl6pPr>
+            <a:lvl7pPr marL="2971800" indent="-228600" fontAlgn="base">
+              <a:spcBef>
+                <a:spcPct val="0"/>
+              </a:spcBef>
+              <a:spcAft>
+                <a:spcPct val="0"/>
+              </a:spcAft>
+              <a:defRPr>
+                <a:solidFill>
+                  <a:schemeClr val="tx1"/>
+                </a:solidFill>
+                <a:latin typeface="Calibri" charset="0"/>
+                <a:ea typeface="ＭＳ Ｐゴシック" charset="0"/>
+              </a:defRPr>
+            </a:lvl7pPr>
+            <a:lvl8pPr marL="3429000" indent="-228600" fontAlgn="base">
+              <a:spcBef>
+                <a:spcPct val="0"/>
+              </a:spcBef>
+              <a:spcAft>
+                <a:spcPct val="0"/>
+              </a:spcAft>
+              <a:defRPr>
+                <a:solidFill>
+                  <a:schemeClr val="tx1"/>
+                </a:solidFill>
+                <a:latin typeface="Calibri" charset="0"/>
+                <a:ea typeface="ＭＳ Ｐゴシック" charset="0"/>
+              </a:defRPr>
+            </a:lvl8pPr>
+            <a:lvl9pPr marL="3886200" indent="-228600" fontAlgn="base">
+              <a:spcBef>
+                <a:spcPct val="0"/>
+              </a:spcBef>
+              <a:spcAft>
+                <a:spcPct val="0"/>
+              </a:spcAft>
+              <a:defRPr>
+                <a:solidFill>
+                  <a:schemeClr val="tx1"/>
+                </a:solidFill>
+                <a:latin typeface="Calibri" charset="0"/>
+                <a:ea typeface="ＭＳ Ｐゴシック" charset="0"/>
+              </a:defRPr>
+            </a:lvl9pPr>
+          </a:lstStyle>
+          <a:p>
+            <a:pPr fontAlgn="base">
+              <a:spcBef>
+                <a:spcPct val="0"/>
+              </a:spcBef>
+              <a:spcAft>
+                <a:spcPct val="0"/>
+              </a:spcAft>
+            </a:pPr>
+            <a:fld id="{347CEA31-41EF-BF4B-9A82-1EA4492FED4C}" type="slidenum">
+              <a:rPr lang="en-US"/>
+              <a:pPr fontAlgn="base">
+                <a:spcBef>
+                  <a:spcPct val="0"/>
+                </a:spcBef>
+                <a:spcAft>
+                  <a:spcPct val="0"/>
+                </a:spcAft>
+              </a:pPr>
               <a:t>1</a:t>
             </a:fld>
             <a:endParaRPr lang="en-US"/>
@@ -797,11 +978,6 @@
         </p:txBody>
       </p:sp>
     </p:spTree>
-    <p:extLst>
-      <p:ext uri="{BB962C8B-B14F-4D97-AF65-F5344CB8AC3E}">
-        <p14:creationId xmlns:p14="http://schemas.microsoft.com/office/powerpoint/2010/main" val="3550243095"/>
-      </p:ext>
-    </p:extLst>
   </p:cSld>
   <p:clrMapOvr>
     <a:masterClrMapping/>
@@ -1979,7 +2155,7 @@
           <a:p>
             <a:fld id="{6BFECD78-3C8E-49F2-8FAB-59489D168ABB}" type="datetimeFigureOut">
               <a:rPr lang="en-US" smtClean="0"/>
-              <a:t>3/21/15</a:t>
+              <a:t>9/22/15</a:t>
             </a:fld>
             <a:endParaRPr lang="en-US"/>
           </a:p>
@@ -2149,7 +2325,7 @@
           <a:p>
             <a:fld id="{6BFECD78-3C8E-49F2-8FAB-59489D168ABB}" type="datetimeFigureOut">
               <a:rPr lang="en-US" smtClean="0"/>
-              <a:t>3/21/15</a:t>
+              <a:t>9/22/15</a:t>
             </a:fld>
             <a:endParaRPr lang="en-US"/>
           </a:p>
@@ -2329,7 +2505,7 @@
           <a:p>
             <a:fld id="{6BFECD78-3C8E-49F2-8FAB-59489D168ABB}" type="datetimeFigureOut">
               <a:rPr lang="en-US" smtClean="0"/>
-              <a:t>3/21/15</a:t>
+              <a:t>9/22/15</a:t>
             </a:fld>
             <a:endParaRPr lang="en-US"/>
           </a:p>
@@ -2499,7 +2675,7 @@
           <a:p>
             <a:fld id="{6BFECD78-3C8E-49F2-8FAB-59489D168ABB}" type="datetimeFigureOut">
               <a:rPr lang="en-US" smtClean="0"/>
-              <a:t>3/21/15</a:t>
+              <a:t>9/22/15</a:t>
             </a:fld>
             <a:endParaRPr lang="en-US"/>
           </a:p>
@@ -2745,7 +2921,7 @@
           <a:p>
             <a:fld id="{6BFECD78-3C8E-49F2-8FAB-59489D168ABB}" type="datetimeFigureOut">
               <a:rPr lang="en-US" smtClean="0"/>
-              <a:t>3/21/15</a:t>
+              <a:t>9/22/15</a:t>
             </a:fld>
             <a:endParaRPr lang="en-US"/>
           </a:p>
@@ -3033,7 +3209,7 @@
           <a:p>
             <a:fld id="{6BFECD78-3C8E-49F2-8FAB-59489D168ABB}" type="datetimeFigureOut">
               <a:rPr lang="en-US" smtClean="0"/>
-              <a:t>3/21/15</a:t>
+              <a:t>9/22/15</a:t>
             </a:fld>
             <a:endParaRPr lang="en-US"/>
           </a:p>
@@ -3455,7 +3631,7 @@
           <a:p>
             <a:fld id="{6BFECD78-3C8E-49F2-8FAB-59489D168ABB}" type="datetimeFigureOut">
               <a:rPr lang="en-US" smtClean="0"/>
-              <a:t>3/21/15</a:t>
+              <a:t>9/22/15</a:t>
             </a:fld>
             <a:endParaRPr lang="en-US"/>
           </a:p>
@@ -3573,7 +3749,7 @@
           <a:p>
             <a:fld id="{6BFECD78-3C8E-49F2-8FAB-59489D168ABB}" type="datetimeFigureOut">
               <a:rPr lang="en-US" smtClean="0"/>
-              <a:t>3/21/15</a:t>
+              <a:t>9/22/15</a:t>
             </a:fld>
             <a:endParaRPr lang="en-US"/>
           </a:p>
@@ -3668,7 +3844,7 @@
           <a:p>
             <a:fld id="{6BFECD78-3C8E-49F2-8FAB-59489D168ABB}" type="datetimeFigureOut">
               <a:rPr lang="en-US" smtClean="0"/>
-              <a:t>3/21/15</a:t>
+              <a:t>9/22/15</a:t>
             </a:fld>
             <a:endParaRPr lang="en-US"/>
           </a:p>
@@ -3945,7 +4121,7 @@
           <a:p>
             <a:fld id="{6BFECD78-3C8E-49F2-8FAB-59489D168ABB}" type="datetimeFigureOut">
               <a:rPr lang="en-US" smtClean="0"/>
-              <a:t>3/21/15</a:t>
+              <a:t>9/22/15</a:t>
             </a:fld>
             <a:endParaRPr lang="en-US"/>
           </a:p>
@@ -4202,7 +4378,7 @@
           <a:p>
             <a:fld id="{6BFECD78-3C8E-49F2-8FAB-59489D168ABB}" type="datetimeFigureOut">
               <a:rPr lang="en-US" smtClean="0"/>
-              <a:t>3/21/15</a:t>
+              <a:t>9/22/15</a:t>
             </a:fld>
             <a:endParaRPr lang="en-US"/>
           </a:p>
@@ -4415,7 +4591,7 @@
           <a:p>
             <a:fld id="{6BFECD78-3C8E-49F2-8FAB-59489D168ABB}" type="datetimeFigureOut">
               <a:rPr lang="en-US" smtClean="0"/>
-              <a:t>3/21/15</a:t>
+              <a:t>9/22/15</a:t>
             </a:fld>
             <a:endParaRPr lang="en-US"/>
           </a:p>
@@ -4792,7 +4968,7 @@
       </p:grpSpPr>
       <p:sp>
         <p:nvSpPr>
-          <p:cNvPr id="2" name="Title 1"/>
+          <p:cNvPr id="4097" name="Title 1"/>
           <p:cNvSpPr>
             <a:spLocks noGrp="1"/>
           </p:cNvSpPr>
@@ -4802,7 +4978,7 @@
         </p:nvSpPr>
         <p:spPr>
           <a:xfrm>
-            <a:off x="685800" y="540975"/>
+            <a:off x="685800" y="541338"/>
             <a:ext cx="7772400" cy="1470025"/>
           </a:xfrm>
         </p:spPr>
@@ -4811,10 +4987,11 @@
           <a:lstStyle/>
           <a:p>
             <a:r>
-              <a:rPr lang="en-US" dirty="0" smtClean="0"/>
-              <a:t>Minimum Core Masses for Giant Planet Formation</a:t>
-            </a:r>
-            <a:endParaRPr lang="en-US" dirty="0"/>
+              <a:rPr lang="en-US" dirty="0">
+                <a:latin typeface="Calibri" charset="0"/>
+              </a:rPr>
+              <a:t>On the Minimum Core Mass for Giant Planet Formation</a:t>
+            </a:r>
           </a:p>
         </p:txBody>
       </p:sp>
@@ -4830,111 +5007,273 @@
         </p:nvSpPr>
         <p:spPr>
           <a:xfrm>
-            <a:off x="235165" y="2301320"/>
-            <a:ext cx="8481619" cy="1476329"/>
+            <a:off x="234950" y="2301875"/>
+            <a:ext cx="8482013" cy="1476375"/>
           </a:xfrm>
         </p:spPr>
         <p:txBody>
-          <a:bodyPr/>
+          <a:bodyPr rtlCol="0">
+            <a:normAutofit/>
+          </a:bodyPr>
           <a:lstStyle/>
           <a:p>
-            <a:r>
-              <a:rPr lang="en-US" u="sng" dirty="0" smtClean="0"/>
+            <a:pPr fontAlgn="auto">
+              <a:spcAft>
+                <a:spcPts val="0"/>
+              </a:spcAft>
+              <a:buFont typeface="Arial" pitchFamily="34" charset="0"/>
+              <a:buNone/>
+              <a:defRPr/>
+            </a:pPr>
+            <a:r>
+              <a:rPr lang="en-US" u="sng" dirty="0" smtClean="0">
+                <a:ea typeface="+mn-ea"/>
+                <a:cs typeface="+mn-cs"/>
+              </a:rPr>
               <a:t>Ana-Maria Piso</a:t>
             </a:r>
             <a:r>
-              <a:rPr lang="en-US" u="sng" baseline="30000" dirty="0" smtClean="0"/>
+              <a:rPr lang="en-US" u="sng" baseline="30000" dirty="0" smtClean="0">
+                <a:ea typeface="+mn-ea"/>
+                <a:cs typeface="+mn-cs"/>
+              </a:rPr>
               <a:t>1</a:t>
             </a:r>
             <a:r>
-              <a:rPr lang="en-US" dirty="0" smtClean="0"/>
+              <a:rPr lang="en-US" dirty="0" smtClean="0">
+                <a:ea typeface="+mn-ea"/>
+                <a:cs typeface="+mn-cs"/>
+              </a:rPr>
+              <a:t>, </a:t>
+            </a:r>
+          </a:p>
+          <a:p>
+            <a:pPr fontAlgn="auto">
+              <a:spcAft>
+                <a:spcPts val="0"/>
+              </a:spcAft>
+              <a:buFont typeface="Arial" pitchFamily="34" charset="0"/>
+              <a:buNone/>
+              <a:defRPr/>
+            </a:pPr>
+            <a:r>
+              <a:rPr lang="en-US" sz="2600" dirty="0" smtClean="0">
+                <a:ea typeface="+mn-ea"/>
+                <a:cs typeface="+mn-cs"/>
+              </a:rPr>
+              <a:t>Andrew Youdin</a:t>
+            </a:r>
+            <a:r>
+              <a:rPr lang="en-US" sz="2600" baseline="30000" dirty="0" smtClean="0">
+                <a:ea typeface="+mn-ea"/>
+                <a:cs typeface="+mn-cs"/>
+              </a:rPr>
+              <a:t>2</a:t>
+            </a:r>
+            <a:r>
+              <a:rPr lang="en-US" sz="2600" dirty="0" smtClean="0">
+                <a:ea typeface="+mn-ea"/>
+                <a:cs typeface="+mn-cs"/>
+              </a:rPr>
+              <a:t>, Ruth Murray-Clay</a:t>
+            </a:r>
+            <a:r>
+              <a:rPr lang="en-US" sz="2600" baseline="30000" dirty="0" smtClean="0">
+                <a:ea typeface="+mn-ea"/>
+                <a:cs typeface="+mn-cs"/>
+              </a:rPr>
+              <a:t>1</a:t>
+            </a:r>
+            <a:r>
+              <a:rPr lang="en-US" sz="2600" dirty="0" smtClean="0">
+                <a:ea typeface="+mn-ea"/>
+                <a:cs typeface="+mn-cs"/>
+              </a:rPr>
               <a:t> </a:t>
             </a:r>
           </a:p>
-          <a:p>
-            <a:r>
-              <a:rPr lang="en-US" sz="2600" dirty="0" smtClean="0"/>
-              <a:t>Andrew Youdin</a:t>
-            </a:r>
-            <a:r>
-              <a:rPr lang="en-US" sz="2600" baseline="30000" dirty="0" smtClean="0"/>
-              <a:t>2</a:t>
-            </a:r>
-            <a:r>
-              <a:rPr lang="en-US" sz="2600" dirty="0" smtClean="0"/>
-              <a:t>, Ruth Murray-Clay</a:t>
-            </a:r>
-            <a:r>
-              <a:rPr lang="en-US" sz="2600" baseline="30000" dirty="0" smtClean="0"/>
-              <a:t>1,3</a:t>
-            </a:r>
-            <a:r>
-              <a:rPr lang="en-US" sz="2600" dirty="0" smtClean="0"/>
-              <a:t> </a:t>
-            </a:r>
-          </a:p>
-        </p:txBody>
-      </p:sp>
-      <p:sp>
-        <p:nvSpPr>
-          <p:cNvPr id="4" name="TextBox 3"/>
-          <p:cNvSpPr txBox="1"/>
+        </p:txBody>
+      </p:sp>
+      <p:sp>
+        <p:nvSpPr>
+          <p:cNvPr id="4099" name="TextBox 3"/>
+          <p:cNvSpPr txBox="1">
+            <a:spLocks noChangeArrowheads="1"/>
+          </p:cNvSpPr>
           <p:nvPr/>
         </p:nvSpPr>
-        <p:spPr>
+        <p:spPr bwMode="auto">
           <a:xfrm>
-            <a:off x="1959709" y="5848605"/>
-            <a:ext cx="4734656" cy="923330"/>
+            <a:off x="1958975" y="6005513"/>
+            <a:ext cx="4735513" cy="646112"/>
           </a:xfrm>
           <a:prstGeom prst="rect">
             <a:avLst/>
           </a:prstGeom>
           <a:noFill/>
+          <a:ln>
+            <a:noFill/>
+          </a:ln>
+          <a:extLst>
+            <a:ext uri="{909E8E84-426E-40dd-AFC4-6F175D3DCCD1}">
+              <a14:hiddenFill xmlns:a14="http://schemas.microsoft.com/office/drawing/2010/main">
+                <a:solidFill>
+                  <a:srgbClr val="FFFFFF"/>
+                </a:solidFill>
+              </a14:hiddenFill>
+            </a:ext>
+            <a:ext uri="{91240B29-F687-4f45-9708-019B960494DF}">
+              <a14:hiddenLine xmlns:a14="http://schemas.microsoft.com/office/drawing/2010/main" w="9525">
+                <a:solidFill>
+                  <a:srgbClr val="000000"/>
+                </a:solidFill>
+                <a:miter lim="800000"/>
+                <a:headEnd/>
+                <a:tailEnd/>
+              </a14:hiddenLine>
+            </a:ext>
+          </a:extLst>
         </p:spPr>
         <p:txBody>
-          <a:bodyPr wrap="square" rtlCol="0">
+          <a:bodyPr>
             <a:spAutoFit/>
           </a:bodyPr>
-          <a:lstStyle/>
+          <a:lstStyle>
+            <a:lvl1pPr>
+              <a:defRPr>
+                <a:solidFill>
+                  <a:schemeClr val="tx1"/>
+                </a:solidFill>
+                <a:latin typeface="Calibri" charset="0"/>
+                <a:ea typeface="ＭＳ Ｐゴシック" charset="0"/>
+                <a:cs typeface="ＭＳ Ｐゴシック" charset="0"/>
+              </a:defRPr>
+            </a:lvl1pPr>
+            <a:lvl2pPr marL="742950" indent="-285750">
+              <a:defRPr>
+                <a:solidFill>
+                  <a:schemeClr val="tx1"/>
+                </a:solidFill>
+                <a:latin typeface="Calibri" charset="0"/>
+                <a:ea typeface="ＭＳ Ｐゴシック" charset="0"/>
+              </a:defRPr>
+            </a:lvl2pPr>
+            <a:lvl3pPr marL="1143000" indent="-228600">
+              <a:defRPr>
+                <a:solidFill>
+                  <a:schemeClr val="tx1"/>
+                </a:solidFill>
+                <a:latin typeface="Calibri" charset="0"/>
+                <a:ea typeface="ＭＳ Ｐゴシック" charset="0"/>
+              </a:defRPr>
+            </a:lvl3pPr>
+            <a:lvl4pPr marL="1600200" indent="-228600">
+              <a:defRPr>
+                <a:solidFill>
+                  <a:schemeClr val="tx1"/>
+                </a:solidFill>
+                <a:latin typeface="Calibri" charset="0"/>
+                <a:ea typeface="ＭＳ Ｐゴシック" charset="0"/>
+              </a:defRPr>
+            </a:lvl4pPr>
+            <a:lvl5pPr marL="2057400" indent="-228600">
+              <a:defRPr>
+                <a:solidFill>
+                  <a:schemeClr val="tx1"/>
+                </a:solidFill>
+                <a:latin typeface="Calibri" charset="0"/>
+                <a:ea typeface="ＭＳ Ｐゴシック" charset="0"/>
+              </a:defRPr>
+            </a:lvl5pPr>
+            <a:lvl6pPr marL="2514600" indent="-228600" fontAlgn="base">
+              <a:spcBef>
+                <a:spcPct val="0"/>
+              </a:spcBef>
+              <a:spcAft>
+                <a:spcPct val="0"/>
+              </a:spcAft>
+              <a:defRPr>
+                <a:solidFill>
+                  <a:schemeClr val="tx1"/>
+                </a:solidFill>
+                <a:latin typeface="Calibri" charset="0"/>
+                <a:ea typeface="ＭＳ Ｐゴシック" charset="0"/>
+              </a:defRPr>
+            </a:lvl6pPr>
+            <a:lvl7pPr marL="2971800" indent="-228600" fontAlgn="base">
+              <a:spcBef>
+                <a:spcPct val="0"/>
+              </a:spcBef>
+              <a:spcAft>
+                <a:spcPct val="0"/>
+              </a:spcAft>
+              <a:defRPr>
+                <a:solidFill>
+                  <a:schemeClr val="tx1"/>
+                </a:solidFill>
+                <a:latin typeface="Calibri" charset="0"/>
+                <a:ea typeface="ＭＳ Ｐゴシック" charset="0"/>
+              </a:defRPr>
+            </a:lvl7pPr>
+            <a:lvl8pPr marL="3429000" indent="-228600" fontAlgn="base">
+              <a:spcBef>
+                <a:spcPct val="0"/>
+              </a:spcBef>
+              <a:spcAft>
+                <a:spcPct val="0"/>
+              </a:spcAft>
+              <a:defRPr>
+                <a:solidFill>
+                  <a:schemeClr val="tx1"/>
+                </a:solidFill>
+                <a:latin typeface="Calibri" charset="0"/>
+                <a:ea typeface="ＭＳ Ｐゴシック" charset="0"/>
+              </a:defRPr>
+            </a:lvl8pPr>
+            <a:lvl9pPr marL="3886200" indent="-228600" fontAlgn="base">
+              <a:spcBef>
+                <a:spcPct val="0"/>
+              </a:spcBef>
+              <a:spcAft>
+                <a:spcPct val="0"/>
+              </a:spcAft>
+              <a:defRPr>
+                <a:solidFill>
+                  <a:schemeClr val="tx1"/>
+                </a:solidFill>
+                <a:latin typeface="Calibri" charset="0"/>
+                <a:ea typeface="ＭＳ Ｐゴシック" charset="0"/>
+              </a:defRPr>
+            </a:lvl9pPr>
+          </a:lstStyle>
           <a:p>
             <a:pPr algn="ctr"/>
             <a:r>
-              <a:rPr lang="en-US" baseline="30000" dirty="0" smtClean="0"/>
+              <a:rPr lang="en-US" baseline="30000"/>
               <a:t>1</a:t>
             </a:r>
             <a:r>
-              <a:rPr lang="en-US" dirty="0" smtClean="0"/>
+              <a:rPr lang="en-US"/>
               <a:t>Harvard-Smithsonian Center for Astrophysics</a:t>
             </a:r>
           </a:p>
           <a:p>
             <a:pPr algn="ctr"/>
             <a:r>
-              <a:rPr lang="en-US" baseline="30000" dirty="0"/>
+              <a:rPr lang="en-US" baseline="30000"/>
               <a:t>2</a:t>
             </a:r>
             <a:r>
-              <a:rPr lang="en-US" dirty="0"/>
-              <a:t>Steward Observatory, University of Arizona</a:t>
-            </a:r>
-          </a:p>
-          <a:p>
-            <a:pPr algn="ctr"/>
-            <a:r>
-              <a:rPr lang="en-US" baseline="30000" dirty="0" smtClean="0"/>
-              <a:t>3</a:t>
-            </a:r>
-            <a:r>
-              <a:rPr lang="en-US" dirty="0" smtClean="0"/>
-              <a:t>University of California Santa Barbara</a:t>
-            </a:r>
-            <a:endParaRPr lang="en-US" baseline="30000" dirty="0"/>
+              <a:rPr lang="en-US"/>
+              <a:t>JILA, University of Colorado</a:t>
+            </a:r>
+            <a:endParaRPr lang="en-US" baseline="30000"/>
           </a:p>
         </p:txBody>
       </p:sp>
       <p:pic>
         <p:nvPicPr>
-          <p:cNvPr id="5" name="Picture 4" descr="acc_sketch (2).jpg"/>
+          <p:cNvPr id="4100" name="Picture 4" descr="acc_sketch (2).jpg"/>
           <p:cNvPicPr>
             <a:picLocks noChangeAspect="1"/>
           </p:cNvPicPr>
@@ -4948,38 +5287,55 @@
               </a:ext>
             </a:extLst>
           </a:blip>
+          <a:srcRect/>
           <a:stretch>
             <a:fillRect/>
           </a:stretch>
         </p:blipFill>
-        <p:spPr>
+        <p:spPr bwMode="auto">
           <a:xfrm>
-            <a:off x="1081552" y="3494631"/>
-            <a:ext cx="6855224" cy="2319437"/>
+            <a:off x="1081088" y="3494088"/>
+            <a:ext cx="6856412" cy="2319337"/>
           </a:xfrm>
           <a:prstGeom prst="rect">
             <a:avLst/>
           </a:prstGeom>
+          <a:noFill/>
+          <a:ln>
+            <a:noFill/>
+          </a:ln>
+          <a:extLst>
+            <a:ext uri="{909E8E84-426E-40dd-AFC4-6F175D3DCCD1}">
+              <a14:hiddenFill xmlns:a14="http://schemas.microsoft.com/office/drawing/2010/main">
+                <a:solidFill>
+                  <a:srgbClr val="FFFFFF"/>
+                </a:solidFill>
+              </a14:hiddenFill>
+            </a:ext>
+            <a:ext uri="{91240B29-F687-4f45-9708-019B960494DF}">
+              <a14:hiddenLine xmlns:a14="http://schemas.microsoft.com/office/drawing/2010/main" w="9525">
+                <a:solidFill>
+                  <a:srgbClr val="000000"/>
+                </a:solidFill>
+                <a:miter lim="800000"/>
+                <a:headEnd/>
+                <a:tailEnd/>
+              </a14:hiddenLine>
+            </a:ext>
+          </a:extLst>
         </p:spPr>
       </p:pic>
     </p:spTree>
     <p:extLst>
       <p:ext uri="{BB962C8B-B14F-4D97-AF65-F5344CB8AC3E}">
-        <p14:creationId xmlns:p14="http://schemas.microsoft.com/office/powerpoint/2010/main" val="838421942"/>
+        <p14:creationId xmlns:p14="http://schemas.microsoft.com/office/powerpoint/2010/main" val="989247153"/>
       </p:ext>
     </p:extLst>
   </p:cSld>
   <p:clrMapOvr>
     <a:masterClrMapping/>
   </p:clrMapOvr>
-  <mc:AlternateContent xmlns:mc="http://schemas.openxmlformats.org/markup-compatibility/2006" xmlns:p14="http://schemas.microsoft.com/office/powerpoint/2010/main">
-    <mc:Choice Requires="p14">
-      <p:transition spd="slow" p14:dur="2000" advTm="79534"/>
-    </mc:Choice>
-    <mc:Fallback xmlns="">
-      <p:transition xmlns:p14="http://schemas.microsoft.com/office/powerpoint/2010/main" spd="slow" advTm="79534"/>
-    </mc:Fallback>
-  </mc:AlternateContent>
+  <p:transition xmlns:p14="http://schemas.microsoft.com/office/powerpoint/2010/main" spd="slow" advTm="79534"/>
   <p:timing>
     <p:tnLst>
       <p:par>
@@ -5708,11 +6064,7 @@
             </a:r>
             <a:r>
               <a:rPr lang="en-US" sz="1400" dirty="0" smtClean="0"/>
-              <a:t>&amp;</a:t>
-            </a:r>
-            <a:r>
-              <a:rPr lang="en-US" sz="1400" dirty="0" smtClean="0"/>
-              <a:t> </a:t>
+              <a:t>&amp; </a:t>
             </a:r>
             <a:r>
               <a:rPr lang="en-US" sz="1400" dirty="0" err="1" smtClean="0"/>
@@ -13107,11 +13459,7 @@
             </a:r>
             <a:r>
               <a:rPr lang="en-US" sz="4000" dirty="0" smtClean="0"/>
-              <a:t> </a:t>
-            </a:r>
-            <a:r>
-              <a:rPr lang="en-US" sz="4000" dirty="0" smtClean="0"/>
-              <a:t>accretion</a:t>
+              <a:t> accretion</a:t>
             </a:r>
             <a:endParaRPr lang="en-US" sz="4000" dirty="0"/>
           </a:p>
